--- a/presentations/zk_tech_overview.pptx
+++ b/presentations/zk_tech_overview.pptx
@@ -1,28 +1,36 @@
 
 <file path=ppt/presentation.xml><?xml version="1.0" encoding="utf-8"?>
-<p:presentation xmlns:a="http://schemas.openxmlformats.org/drawingml/2006/main" xmlns:r="http://schemas.openxmlformats.org/officeDocument/2006/relationships" xmlns:p="http://schemas.openxmlformats.org/presentationml/2006/main" saveSubsetFonts="1" autoCompressPictures="0">
+<p:presentation xmlns:a="http://schemas.openxmlformats.org/drawingml/2006/main" xmlns:r="http://schemas.openxmlformats.org/officeDocument/2006/relationships" xmlns:p="http://schemas.openxmlformats.org/presentationml/2006/main" embedTrueTypeFonts="1" saveSubsetFonts="1">
   <p:sldMasterIdLst>
     <p:sldMasterId id="2147483648" r:id="rId1"/>
   </p:sldMasterIdLst>
   <p:notesMasterIdLst>
-    <p:notesMasterId r:id="rId11"/>
+    <p:notesMasterId r:id="rId12"/>
   </p:notesMasterIdLst>
   <p:sldIdLst>
-    <p:sldId id="279" r:id="rId2"/>
-    <p:sldId id="277" r:id="rId3"/>
-    <p:sldId id="275" r:id="rId4"/>
-    <p:sldId id="272" r:id="rId5"/>
-    <p:sldId id="273" r:id="rId6"/>
-    <p:sldId id="271" r:id="rId7"/>
-    <p:sldId id="270" r:id="rId8"/>
-    <p:sldId id="274" r:id="rId9"/>
-    <p:sldId id="276" r:id="rId10"/>
+    <p:sldId id="256" r:id="rId2"/>
+    <p:sldId id="282" r:id="rId3"/>
+    <p:sldId id="287" r:id="rId4"/>
+    <p:sldId id="283" r:id="rId5"/>
+    <p:sldId id="288" r:id="rId6"/>
+    <p:sldId id="284" r:id="rId7"/>
+    <p:sldId id="285" r:id="rId8"/>
+    <p:sldId id="286" r:id="rId9"/>
+    <p:sldId id="289" r:id="rId10"/>
+    <p:sldId id="290" r:id="rId11"/>
   </p:sldIdLst>
-  <p:sldSz cx="12192000" cy="6858000"/>
+  <p:sldSz cx="18288000" cy="10287000"/>
   <p:notesSz cx="6858000" cy="9144000"/>
+  <p:embeddedFontLst>
+    <p:embeddedFont>
+      <p:font typeface="Montserrat Classic Bold" pitchFamily="2" charset="77"/>
+      <p:regular r:id="rId13"/>
+      <p:bold r:id="rId14"/>
+    </p:embeddedFont>
+  </p:embeddedFontLst>
   <p:defaultTextStyle>
     <a:defPPr>
-      <a:defRPr lang="en-VN"/>
+      <a:defRPr lang="en-US"/>
     </a:defPPr>
     <a:lvl1pPr marL="0" algn="l" defTabSz="914400" rtl="0" eaLnBrk="1" latinLnBrk="0" hangingPunct="1">
       <a:defRPr sz="1800" kern="1200">
@@ -117,7 +125,21 @@
   </p:defaultTextStyle>
   <p:extLst>
     <p:ext uri="{EFAFB233-063F-42B5-8137-9DF3F51BA10A}">
-      <p15:sldGuideLst xmlns:p15="http://schemas.microsoft.com/office/powerpoint/2012/main"/>
+      <p15:sldGuideLst xmlns:p15="http://schemas.microsoft.com/office/powerpoint/2012/main">
+        <p15:guide id="1" orient="horz" pos="2160">
+          <p15:clr>
+            <a:srgbClr val="A4A3A4"/>
+          </p15:clr>
+        </p15:guide>
+        <p15:guide id="2" pos="2880">
+          <p15:clr>
+            <a:srgbClr val="A4A3A4"/>
+          </p15:clr>
+        </p15:guide>
+      </p15:sldGuideLst>
+    </p:ext>
+    <p:ext uri="{2D200454-40CA-4A62-9FC3-DE9A4176ACB9}">
+      <p15:notesGuideLst xmlns:p15="http://schemas.microsoft.com/office/powerpoint/2012/main"/>
     </p:ext>
   </p:extLst>
 </p:presentation>
@@ -203,9 +225,9 @@
             </a:lvl1pPr>
           </a:lstStyle>
           <a:p>
-            <a:fld id="{9FBA9ADF-7E0F-864E-826B-2BC027BFDF77}" type="datetimeFigureOut">
+            <a:fld id="{62C4FB36-B230-594A-B97E-4F1C1A005E13}" type="datetimeFigureOut">
               <a:rPr lang="en-VN" smtClean="0"/>
-              <a:t>23/01/2024</a:t>
+              <a:t>19/03/2024</a:t>
             </a:fld>
             <a:endParaRPr lang="en-VN"/>
           </a:p>
@@ -362,7 +384,7 @@
             </a:lvl1pPr>
           </a:lstStyle>
           <a:p>
-            <a:fld id="{6A52AC67-0ED6-FD43-8FCA-1E25B129327A}" type="slidenum">
+            <a:fld id="{D87AE1B3-4290-BD49-84F1-52F42E5EEA28}" type="slidenum">
               <a:rPr lang="en-VN" smtClean="0"/>
               <a:t>‹#›</a:t>
             </a:fld>
@@ -373,7 +395,7 @@
     </p:spTree>
     <p:extLst>
       <p:ext uri="{BB962C8B-B14F-4D97-AF65-F5344CB8AC3E}">
-        <p14:creationId xmlns:p14="http://schemas.microsoft.com/office/powerpoint/2010/main" val="2851662566"/>
+        <p14:creationId xmlns:p14="http://schemas.microsoft.com/office/powerpoint/2010/main" val="1337133410"/>
       </p:ext>
     </p:extLst>
   </p:cSld>
@@ -517,48 +539,7 @@
           <a:bodyPr/>
           <a:lstStyle/>
           <a:p>
-            <a:r>
-              <a:rPr lang="en-US" dirty="0"/>
-              <a:t>2 </a:t>
-            </a:r>
-            <a:r>
-              <a:rPr lang="en-US" dirty="0" err="1"/>
-              <a:t>minies</a:t>
-            </a:r>
-            <a:endParaRPr lang="en-US" dirty="0"/>
-          </a:p>
-          <a:p>
-            <a:r>
-              <a:rPr lang="en-US" dirty="0"/>
-              <a:t>(1) constant-round polynomial IOPs combined with KZG-based polynomial commitments</a:t>
-            </a:r>
-          </a:p>
-          <a:p>
-            <a:r>
-              <a:rPr lang="en-US" dirty="0"/>
-              <a:t>(2) linear PCPs: smallest proof size, faster prover time</a:t>
-            </a:r>
-          </a:p>
-          <a:p>
-            <a:endParaRPr lang="en-US" dirty="0"/>
-          </a:p>
-          <a:p>
-            <a:r>
-              <a:rPr lang="en-US" dirty="0"/>
-              <a:t>require a trusted setup</a:t>
-            </a:r>
-          </a:p>
-          <a:p>
-            <a:endParaRPr lang="en-US" dirty="0"/>
-          </a:p>
-          <a:p>
-            <a:endParaRPr lang="en-US" dirty="0"/>
-          </a:p>
-          <a:p>
-            <a:r>
-              <a:rPr lang="en-US" dirty="0"/>
-              <a:t> Computationally expensive for the prover.</a:t>
-            </a:r>
+            <a:endParaRPr lang="en-VN" dirty="0"/>
           </a:p>
         </p:txBody>
       </p:sp>
@@ -577,9 +558,9 @@
           <a:bodyPr/>
           <a:lstStyle/>
           <a:p>
-            <a:fld id="{AB8A8038-22E6-CA44-B4C7-E8ACBBB737AD}" type="slidenum">
+            <a:fld id="{D87AE1B3-4290-BD49-84F1-52F42E5EEA28}" type="slidenum">
               <a:rPr lang="en-VN" smtClean="0"/>
-              <a:t>2</a:t>
+              <a:t>1</a:t>
             </a:fld>
             <a:endParaRPr lang="en-VN"/>
           </a:p>
@@ -588,882 +569,7 @@
     </p:spTree>
     <p:extLst>
       <p:ext uri="{BB962C8B-B14F-4D97-AF65-F5344CB8AC3E}">
-        <p14:creationId xmlns:p14="http://schemas.microsoft.com/office/powerpoint/2010/main" val="1803830328"/>
-      </p:ext>
-    </p:extLst>
-  </p:cSld>
-  <p:clrMapOvr>
-    <a:masterClrMapping/>
-  </p:clrMapOvr>
-</p:notes>
-</file>
-
-<file path=ppt/notesSlides/notesSlide2.xml><?xml version="1.0" encoding="utf-8"?>
-<p:notes xmlns:a="http://schemas.openxmlformats.org/drawingml/2006/main" xmlns:r="http://schemas.openxmlformats.org/officeDocument/2006/relationships" xmlns:p="http://schemas.openxmlformats.org/presentationml/2006/main">
-  <p:cSld>
-    <p:spTree>
-      <p:nvGrpSpPr>
-        <p:cNvPr id="1" name=""/>
-        <p:cNvGrpSpPr/>
-        <p:nvPr/>
-      </p:nvGrpSpPr>
-      <p:grpSpPr>
-        <a:xfrm>
-          <a:off x="0" y="0"/>
-          <a:ext cx="0" cy="0"/>
-          <a:chOff x="0" y="0"/>
-          <a:chExt cx="0" cy="0"/>
-        </a:xfrm>
-      </p:grpSpPr>
-      <p:sp>
-        <p:nvSpPr>
-          <p:cNvPr id="2" name="Slide Image Placeholder 1"/>
-          <p:cNvSpPr>
-            <a:spLocks noGrp="1" noRot="1" noChangeAspect="1"/>
-          </p:cNvSpPr>
-          <p:nvPr>
-            <p:ph type="sldImg"/>
-          </p:nvPr>
-        </p:nvSpPr>
-        <p:spPr/>
-      </p:sp>
-      <p:sp>
-        <p:nvSpPr>
-          <p:cNvPr id="3" name="Notes Placeholder 2"/>
-          <p:cNvSpPr>
-            <a:spLocks noGrp="1"/>
-          </p:cNvSpPr>
-          <p:nvPr>
-            <p:ph type="body" idx="1"/>
-          </p:nvPr>
-        </p:nvSpPr>
-        <p:spPr/>
-        <p:txBody>
-          <a:bodyPr/>
-          <a:lstStyle/>
-          <a:p>
-            <a:r>
-              <a:rPr lang="en-US" dirty="0"/>
-              <a:t>2 </a:t>
-            </a:r>
-            <a:r>
-              <a:rPr lang="en-US" dirty="0" err="1"/>
-              <a:t>minies</a:t>
-            </a:r>
-            <a:endParaRPr lang="en-US" dirty="0"/>
-          </a:p>
-          <a:p>
-            <a:r>
-              <a:rPr lang="en-US" dirty="0"/>
-              <a:t>(1) constant-round polynomial IOPs combined with KZG-based polynomial commitments</a:t>
-            </a:r>
-          </a:p>
-          <a:p>
-            <a:r>
-              <a:rPr lang="en-US" dirty="0"/>
-              <a:t>(2) linear PCPs: smallest proof size, faster prover time</a:t>
-            </a:r>
-          </a:p>
-          <a:p>
-            <a:endParaRPr lang="en-US" dirty="0"/>
-          </a:p>
-          <a:p>
-            <a:r>
-              <a:rPr lang="en-US" dirty="0"/>
-              <a:t>require a trusted setup</a:t>
-            </a:r>
-          </a:p>
-          <a:p>
-            <a:endParaRPr lang="en-US" dirty="0"/>
-          </a:p>
-          <a:p>
-            <a:endParaRPr lang="en-US" dirty="0"/>
-          </a:p>
-          <a:p>
-            <a:r>
-              <a:rPr lang="en-US" dirty="0"/>
-              <a:t> Computationally expensive for the prover.</a:t>
-            </a:r>
-          </a:p>
-        </p:txBody>
-      </p:sp>
-      <p:sp>
-        <p:nvSpPr>
-          <p:cNvPr id="4" name="Slide Number Placeholder 3"/>
-          <p:cNvSpPr>
-            <a:spLocks noGrp="1"/>
-          </p:cNvSpPr>
-          <p:nvPr>
-            <p:ph type="sldNum" sz="quarter" idx="5"/>
-          </p:nvPr>
-        </p:nvSpPr>
-        <p:spPr/>
-        <p:txBody>
-          <a:bodyPr/>
-          <a:lstStyle/>
-          <a:p>
-            <a:fld id="{AB8A8038-22E6-CA44-B4C7-E8ACBBB737AD}" type="slidenum">
-              <a:rPr lang="en-VN" smtClean="0"/>
-              <a:t>3</a:t>
-            </a:fld>
-            <a:endParaRPr lang="en-VN"/>
-          </a:p>
-        </p:txBody>
-      </p:sp>
-    </p:spTree>
-    <p:extLst>
-      <p:ext uri="{BB962C8B-B14F-4D97-AF65-F5344CB8AC3E}">
-        <p14:creationId xmlns:p14="http://schemas.microsoft.com/office/powerpoint/2010/main" val="3785832048"/>
-      </p:ext>
-    </p:extLst>
-  </p:cSld>
-  <p:clrMapOvr>
-    <a:masterClrMapping/>
-  </p:clrMapOvr>
-</p:notes>
-</file>
-
-<file path=ppt/notesSlides/notesSlide3.xml><?xml version="1.0" encoding="utf-8"?>
-<p:notes xmlns:a="http://schemas.openxmlformats.org/drawingml/2006/main" xmlns:r="http://schemas.openxmlformats.org/officeDocument/2006/relationships" xmlns:p="http://schemas.openxmlformats.org/presentationml/2006/main">
-  <p:cSld>
-    <p:spTree>
-      <p:nvGrpSpPr>
-        <p:cNvPr id="1" name=""/>
-        <p:cNvGrpSpPr/>
-        <p:nvPr/>
-      </p:nvGrpSpPr>
-      <p:grpSpPr>
-        <a:xfrm>
-          <a:off x="0" y="0"/>
-          <a:ext cx="0" cy="0"/>
-          <a:chOff x="0" y="0"/>
-          <a:chExt cx="0" cy="0"/>
-        </a:xfrm>
-      </p:grpSpPr>
-      <p:sp>
-        <p:nvSpPr>
-          <p:cNvPr id="2" name="Slide Image Placeholder 1"/>
-          <p:cNvSpPr>
-            <a:spLocks noGrp="1" noRot="1" noChangeAspect="1"/>
-          </p:cNvSpPr>
-          <p:nvPr>
-            <p:ph type="sldImg"/>
-          </p:nvPr>
-        </p:nvSpPr>
-        <p:spPr/>
-      </p:sp>
-      <p:sp>
-        <p:nvSpPr>
-          <p:cNvPr id="3" name="Notes Placeholder 2"/>
-          <p:cNvSpPr>
-            <a:spLocks noGrp="1"/>
-          </p:cNvSpPr>
-          <p:nvPr>
-            <p:ph type="body" idx="1"/>
-          </p:nvPr>
-        </p:nvSpPr>
-        <p:spPr/>
-        <p:txBody>
-          <a:bodyPr/>
-          <a:lstStyle/>
-          <a:p>
-            <a:r>
-              <a:rPr lang="en-US" dirty="0"/>
-              <a:t>2 </a:t>
-            </a:r>
-            <a:r>
-              <a:rPr lang="en-US" dirty="0" err="1"/>
-              <a:t>minies</a:t>
-            </a:r>
-            <a:endParaRPr lang="en-US" dirty="0"/>
-          </a:p>
-          <a:p>
-            <a:r>
-              <a:rPr lang="en-US" dirty="0"/>
-              <a:t>(1) constant-round polynomial IOPs combined with KZG-based polynomial commitments</a:t>
-            </a:r>
-          </a:p>
-          <a:p>
-            <a:r>
-              <a:rPr lang="en-US" dirty="0"/>
-              <a:t>(2) linear PCPs: smallest proof size, faster prover time</a:t>
-            </a:r>
-          </a:p>
-          <a:p>
-            <a:endParaRPr lang="en-US" dirty="0"/>
-          </a:p>
-          <a:p>
-            <a:r>
-              <a:rPr lang="en-US" dirty="0"/>
-              <a:t>require a trusted setup</a:t>
-            </a:r>
-          </a:p>
-          <a:p>
-            <a:endParaRPr lang="en-US" dirty="0"/>
-          </a:p>
-          <a:p>
-            <a:endParaRPr lang="en-US" dirty="0"/>
-          </a:p>
-          <a:p>
-            <a:r>
-              <a:rPr lang="en-US" dirty="0"/>
-              <a:t> Computationally expensive for the prover.</a:t>
-            </a:r>
-          </a:p>
-        </p:txBody>
-      </p:sp>
-      <p:sp>
-        <p:nvSpPr>
-          <p:cNvPr id="4" name="Slide Number Placeholder 3"/>
-          <p:cNvSpPr>
-            <a:spLocks noGrp="1"/>
-          </p:cNvSpPr>
-          <p:nvPr>
-            <p:ph type="sldNum" sz="quarter" idx="5"/>
-          </p:nvPr>
-        </p:nvSpPr>
-        <p:spPr/>
-        <p:txBody>
-          <a:bodyPr/>
-          <a:lstStyle/>
-          <a:p>
-            <a:fld id="{AB8A8038-22E6-CA44-B4C7-E8ACBBB737AD}" type="slidenum">
-              <a:rPr lang="en-VN" smtClean="0"/>
-              <a:t>4</a:t>
-            </a:fld>
-            <a:endParaRPr lang="en-VN"/>
-          </a:p>
-        </p:txBody>
-      </p:sp>
-    </p:spTree>
-    <p:extLst>
-      <p:ext uri="{BB962C8B-B14F-4D97-AF65-F5344CB8AC3E}">
-        <p14:creationId xmlns:p14="http://schemas.microsoft.com/office/powerpoint/2010/main" val="2006267350"/>
-      </p:ext>
-    </p:extLst>
-  </p:cSld>
-  <p:clrMapOvr>
-    <a:masterClrMapping/>
-  </p:clrMapOvr>
-</p:notes>
-</file>
-
-<file path=ppt/notesSlides/notesSlide4.xml><?xml version="1.0" encoding="utf-8"?>
-<p:notes xmlns:a="http://schemas.openxmlformats.org/drawingml/2006/main" xmlns:r="http://schemas.openxmlformats.org/officeDocument/2006/relationships" xmlns:p="http://schemas.openxmlformats.org/presentationml/2006/main">
-  <p:cSld>
-    <p:spTree>
-      <p:nvGrpSpPr>
-        <p:cNvPr id="1" name=""/>
-        <p:cNvGrpSpPr/>
-        <p:nvPr/>
-      </p:nvGrpSpPr>
-      <p:grpSpPr>
-        <a:xfrm>
-          <a:off x="0" y="0"/>
-          <a:ext cx="0" cy="0"/>
-          <a:chOff x="0" y="0"/>
-          <a:chExt cx="0" cy="0"/>
-        </a:xfrm>
-      </p:grpSpPr>
-      <p:sp>
-        <p:nvSpPr>
-          <p:cNvPr id="2" name="Slide Image Placeholder 1"/>
-          <p:cNvSpPr>
-            <a:spLocks noGrp="1" noRot="1" noChangeAspect="1"/>
-          </p:cNvSpPr>
-          <p:nvPr>
-            <p:ph type="sldImg"/>
-          </p:nvPr>
-        </p:nvSpPr>
-        <p:spPr/>
-      </p:sp>
-      <p:sp>
-        <p:nvSpPr>
-          <p:cNvPr id="3" name="Notes Placeholder 2"/>
-          <p:cNvSpPr>
-            <a:spLocks noGrp="1"/>
-          </p:cNvSpPr>
-          <p:nvPr>
-            <p:ph type="body" idx="1"/>
-          </p:nvPr>
-        </p:nvSpPr>
-        <p:spPr/>
-        <p:txBody>
-          <a:bodyPr/>
-          <a:lstStyle/>
-          <a:p>
-            <a:r>
-              <a:rPr lang="en-US" dirty="0"/>
-              <a:t>2 </a:t>
-            </a:r>
-            <a:r>
-              <a:rPr lang="en-US" dirty="0" err="1"/>
-              <a:t>minies</a:t>
-            </a:r>
-            <a:endParaRPr lang="en-US" dirty="0"/>
-          </a:p>
-          <a:p>
-            <a:r>
-              <a:rPr lang="en-US" dirty="0"/>
-              <a:t>(1) constant-round polynomial IOPs combined with KZG-based polynomial commitments</a:t>
-            </a:r>
-          </a:p>
-          <a:p>
-            <a:r>
-              <a:rPr lang="en-US" dirty="0"/>
-              <a:t>(2) linear PCPs: smallest proof size, faster prover time</a:t>
-            </a:r>
-          </a:p>
-          <a:p>
-            <a:endParaRPr lang="en-US" dirty="0"/>
-          </a:p>
-          <a:p>
-            <a:r>
-              <a:rPr lang="en-US" dirty="0"/>
-              <a:t>require a trusted setup</a:t>
-            </a:r>
-          </a:p>
-          <a:p>
-            <a:endParaRPr lang="en-US" dirty="0"/>
-          </a:p>
-          <a:p>
-            <a:endParaRPr lang="en-US" dirty="0"/>
-          </a:p>
-          <a:p>
-            <a:r>
-              <a:rPr lang="en-US" dirty="0"/>
-              <a:t> Computationally expensive for the prover.</a:t>
-            </a:r>
-          </a:p>
-        </p:txBody>
-      </p:sp>
-      <p:sp>
-        <p:nvSpPr>
-          <p:cNvPr id="4" name="Slide Number Placeholder 3"/>
-          <p:cNvSpPr>
-            <a:spLocks noGrp="1"/>
-          </p:cNvSpPr>
-          <p:nvPr>
-            <p:ph type="sldNum" sz="quarter" idx="5"/>
-          </p:nvPr>
-        </p:nvSpPr>
-        <p:spPr/>
-        <p:txBody>
-          <a:bodyPr/>
-          <a:lstStyle/>
-          <a:p>
-            <a:fld id="{AB8A8038-22E6-CA44-B4C7-E8ACBBB737AD}" type="slidenum">
-              <a:rPr lang="en-VN" smtClean="0"/>
-              <a:t>5</a:t>
-            </a:fld>
-            <a:endParaRPr lang="en-VN"/>
-          </a:p>
-        </p:txBody>
-      </p:sp>
-    </p:spTree>
-    <p:extLst>
-      <p:ext uri="{BB962C8B-B14F-4D97-AF65-F5344CB8AC3E}">
-        <p14:creationId xmlns:p14="http://schemas.microsoft.com/office/powerpoint/2010/main" val="2426151801"/>
-      </p:ext>
-    </p:extLst>
-  </p:cSld>
-  <p:clrMapOvr>
-    <a:masterClrMapping/>
-  </p:clrMapOvr>
-</p:notes>
-</file>
-
-<file path=ppt/notesSlides/notesSlide5.xml><?xml version="1.0" encoding="utf-8"?>
-<p:notes xmlns:a="http://schemas.openxmlformats.org/drawingml/2006/main" xmlns:r="http://schemas.openxmlformats.org/officeDocument/2006/relationships" xmlns:p="http://schemas.openxmlformats.org/presentationml/2006/main">
-  <p:cSld>
-    <p:spTree>
-      <p:nvGrpSpPr>
-        <p:cNvPr id="1" name=""/>
-        <p:cNvGrpSpPr/>
-        <p:nvPr/>
-      </p:nvGrpSpPr>
-      <p:grpSpPr>
-        <a:xfrm>
-          <a:off x="0" y="0"/>
-          <a:ext cx="0" cy="0"/>
-          <a:chOff x="0" y="0"/>
-          <a:chExt cx="0" cy="0"/>
-        </a:xfrm>
-      </p:grpSpPr>
-      <p:sp>
-        <p:nvSpPr>
-          <p:cNvPr id="2" name="Slide Image Placeholder 1"/>
-          <p:cNvSpPr>
-            <a:spLocks noGrp="1" noRot="1" noChangeAspect="1"/>
-          </p:cNvSpPr>
-          <p:nvPr>
-            <p:ph type="sldImg"/>
-          </p:nvPr>
-        </p:nvSpPr>
-        <p:spPr/>
-      </p:sp>
-      <p:sp>
-        <p:nvSpPr>
-          <p:cNvPr id="3" name="Notes Placeholder 2"/>
-          <p:cNvSpPr>
-            <a:spLocks noGrp="1"/>
-          </p:cNvSpPr>
-          <p:nvPr>
-            <p:ph type="body" idx="1"/>
-          </p:nvPr>
-        </p:nvSpPr>
-        <p:spPr/>
-        <p:txBody>
-          <a:bodyPr/>
-          <a:lstStyle/>
-          <a:p>
-            <a:r>
-              <a:rPr lang="en-US" dirty="0"/>
-              <a:t>2 </a:t>
-            </a:r>
-            <a:r>
-              <a:rPr lang="en-US" dirty="0" err="1"/>
-              <a:t>minies</a:t>
-            </a:r>
-            <a:endParaRPr lang="en-US" dirty="0"/>
-          </a:p>
-          <a:p>
-            <a:r>
-              <a:rPr lang="en-US" dirty="0"/>
-              <a:t>(1) constant-round polynomial IOPs combined with KZG-based polynomial commitments</a:t>
-            </a:r>
-          </a:p>
-          <a:p>
-            <a:r>
-              <a:rPr lang="en-US" dirty="0"/>
-              <a:t>(2) linear PCPs: smallest proof size, faster prover time</a:t>
-            </a:r>
-          </a:p>
-          <a:p>
-            <a:endParaRPr lang="en-US" dirty="0"/>
-          </a:p>
-          <a:p>
-            <a:r>
-              <a:rPr lang="en-US" dirty="0"/>
-              <a:t>require a trusted setup</a:t>
-            </a:r>
-          </a:p>
-          <a:p>
-            <a:endParaRPr lang="en-US" dirty="0"/>
-          </a:p>
-          <a:p>
-            <a:endParaRPr lang="en-US" dirty="0"/>
-          </a:p>
-          <a:p>
-            <a:r>
-              <a:rPr lang="en-US" dirty="0"/>
-              <a:t> Computationally expensive for the prover.</a:t>
-            </a:r>
-          </a:p>
-        </p:txBody>
-      </p:sp>
-      <p:sp>
-        <p:nvSpPr>
-          <p:cNvPr id="4" name="Slide Number Placeholder 3"/>
-          <p:cNvSpPr>
-            <a:spLocks noGrp="1"/>
-          </p:cNvSpPr>
-          <p:nvPr>
-            <p:ph type="sldNum" sz="quarter" idx="5"/>
-          </p:nvPr>
-        </p:nvSpPr>
-        <p:spPr/>
-        <p:txBody>
-          <a:bodyPr/>
-          <a:lstStyle/>
-          <a:p>
-            <a:fld id="{AB8A8038-22E6-CA44-B4C7-E8ACBBB737AD}" type="slidenum">
-              <a:rPr lang="en-VN" smtClean="0"/>
-              <a:t>6</a:t>
-            </a:fld>
-            <a:endParaRPr lang="en-VN"/>
-          </a:p>
-        </p:txBody>
-      </p:sp>
-    </p:spTree>
-    <p:extLst>
-      <p:ext uri="{BB962C8B-B14F-4D97-AF65-F5344CB8AC3E}">
-        <p14:creationId xmlns:p14="http://schemas.microsoft.com/office/powerpoint/2010/main" val="840427200"/>
-      </p:ext>
-    </p:extLst>
-  </p:cSld>
-  <p:clrMapOvr>
-    <a:masterClrMapping/>
-  </p:clrMapOvr>
-</p:notes>
-</file>
-
-<file path=ppt/notesSlides/notesSlide6.xml><?xml version="1.0" encoding="utf-8"?>
-<p:notes xmlns:a="http://schemas.openxmlformats.org/drawingml/2006/main" xmlns:r="http://schemas.openxmlformats.org/officeDocument/2006/relationships" xmlns:p="http://schemas.openxmlformats.org/presentationml/2006/main">
-  <p:cSld>
-    <p:spTree>
-      <p:nvGrpSpPr>
-        <p:cNvPr id="1" name=""/>
-        <p:cNvGrpSpPr/>
-        <p:nvPr/>
-      </p:nvGrpSpPr>
-      <p:grpSpPr>
-        <a:xfrm>
-          <a:off x="0" y="0"/>
-          <a:ext cx="0" cy="0"/>
-          <a:chOff x="0" y="0"/>
-          <a:chExt cx="0" cy="0"/>
-        </a:xfrm>
-      </p:grpSpPr>
-      <p:sp>
-        <p:nvSpPr>
-          <p:cNvPr id="2" name="Slide Image Placeholder 1"/>
-          <p:cNvSpPr>
-            <a:spLocks noGrp="1" noRot="1" noChangeAspect="1"/>
-          </p:cNvSpPr>
-          <p:nvPr>
-            <p:ph type="sldImg"/>
-          </p:nvPr>
-        </p:nvSpPr>
-        <p:spPr/>
-      </p:sp>
-      <p:sp>
-        <p:nvSpPr>
-          <p:cNvPr id="3" name="Notes Placeholder 2"/>
-          <p:cNvSpPr>
-            <a:spLocks noGrp="1"/>
-          </p:cNvSpPr>
-          <p:nvPr>
-            <p:ph type="body" idx="1"/>
-          </p:nvPr>
-        </p:nvSpPr>
-        <p:spPr/>
-        <p:txBody>
-          <a:bodyPr/>
-          <a:lstStyle/>
-          <a:p>
-            <a:r>
-              <a:rPr lang="en-US" dirty="0"/>
-              <a:t>2 </a:t>
-            </a:r>
-            <a:r>
-              <a:rPr lang="en-US" dirty="0" err="1"/>
-              <a:t>minies</a:t>
-            </a:r>
-            <a:endParaRPr lang="en-US" dirty="0"/>
-          </a:p>
-          <a:p>
-            <a:r>
-              <a:rPr lang="en-US" dirty="0"/>
-              <a:t>(1) constant-round polynomial IOPs combined with KZG-based polynomial commitments</a:t>
-            </a:r>
-          </a:p>
-          <a:p>
-            <a:r>
-              <a:rPr lang="en-US" dirty="0"/>
-              <a:t>(2) linear PCPs: smallest proof size, faster prover time</a:t>
-            </a:r>
-          </a:p>
-          <a:p>
-            <a:endParaRPr lang="en-US" dirty="0"/>
-          </a:p>
-          <a:p>
-            <a:r>
-              <a:rPr lang="en-US" dirty="0"/>
-              <a:t>require a trusted setup</a:t>
-            </a:r>
-          </a:p>
-          <a:p>
-            <a:endParaRPr lang="en-US" dirty="0"/>
-          </a:p>
-          <a:p>
-            <a:endParaRPr lang="en-US" dirty="0"/>
-          </a:p>
-          <a:p>
-            <a:r>
-              <a:rPr lang="en-US" dirty="0"/>
-              <a:t> Computationally expensive for the prover.</a:t>
-            </a:r>
-          </a:p>
-        </p:txBody>
-      </p:sp>
-      <p:sp>
-        <p:nvSpPr>
-          <p:cNvPr id="4" name="Slide Number Placeholder 3"/>
-          <p:cNvSpPr>
-            <a:spLocks noGrp="1"/>
-          </p:cNvSpPr>
-          <p:nvPr>
-            <p:ph type="sldNum" sz="quarter" idx="5"/>
-          </p:nvPr>
-        </p:nvSpPr>
-        <p:spPr/>
-        <p:txBody>
-          <a:bodyPr/>
-          <a:lstStyle/>
-          <a:p>
-            <a:fld id="{AB8A8038-22E6-CA44-B4C7-E8ACBBB737AD}" type="slidenum">
-              <a:rPr lang="en-VN" smtClean="0"/>
-              <a:t>7</a:t>
-            </a:fld>
-            <a:endParaRPr lang="en-VN"/>
-          </a:p>
-        </p:txBody>
-      </p:sp>
-    </p:spTree>
-    <p:extLst>
-      <p:ext uri="{BB962C8B-B14F-4D97-AF65-F5344CB8AC3E}">
-        <p14:creationId xmlns:p14="http://schemas.microsoft.com/office/powerpoint/2010/main" val="1390522852"/>
-      </p:ext>
-    </p:extLst>
-  </p:cSld>
-  <p:clrMapOvr>
-    <a:masterClrMapping/>
-  </p:clrMapOvr>
-</p:notes>
-</file>
-
-<file path=ppt/notesSlides/notesSlide7.xml><?xml version="1.0" encoding="utf-8"?>
-<p:notes xmlns:a="http://schemas.openxmlformats.org/drawingml/2006/main" xmlns:r="http://schemas.openxmlformats.org/officeDocument/2006/relationships" xmlns:p="http://schemas.openxmlformats.org/presentationml/2006/main">
-  <p:cSld>
-    <p:spTree>
-      <p:nvGrpSpPr>
-        <p:cNvPr id="1" name=""/>
-        <p:cNvGrpSpPr/>
-        <p:nvPr/>
-      </p:nvGrpSpPr>
-      <p:grpSpPr>
-        <a:xfrm>
-          <a:off x="0" y="0"/>
-          <a:ext cx="0" cy="0"/>
-          <a:chOff x="0" y="0"/>
-          <a:chExt cx="0" cy="0"/>
-        </a:xfrm>
-      </p:grpSpPr>
-      <p:sp>
-        <p:nvSpPr>
-          <p:cNvPr id="2" name="Slide Image Placeholder 1"/>
-          <p:cNvSpPr>
-            <a:spLocks noGrp="1" noRot="1" noChangeAspect="1"/>
-          </p:cNvSpPr>
-          <p:nvPr>
-            <p:ph type="sldImg"/>
-          </p:nvPr>
-        </p:nvSpPr>
-        <p:spPr/>
-      </p:sp>
-      <p:sp>
-        <p:nvSpPr>
-          <p:cNvPr id="3" name="Notes Placeholder 2"/>
-          <p:cNvSpPr>
-            <a:spLocks noGrp="1"/>
-          </p:cNvSpPr>
-          <p:nvPr>
-            <p:ph type="body" idx="1"/>
-          </p:nvPr>
-        </p:nvSpPr>
-        <p:spPr/>
-        <p:txBody>
-          <a:bodyPr/>
-          <a:lstStyle/>
-          <a:p>
-            <a:r>
-              <a:rPr lang="en-US" dirty="0"/>
-              <a:t>2 </a:t>
-            </a:r>
-            <a:r>
-              <a:rPr lang="en-US" dirty="0" err="1"/>
-              <a:t>minies</a:t>
-            </a:r>
-            <a:endParaRPr lang="en-US" dirty="0"/>
-          </a:p>
-          <a:p>
-            <a:r>
-              <a:rPr lang="en-US" dirty="0"/>
-              <a:t>(1) constant-round polynomial IOPs combined with KZG-based polynomial commitments</a:t>
-            </a:r>
-          </a:p>
-          <a:p>
-            <a:r>
-              <a:rPr lang="en-US" dirty="0"/>
-              <a:t>(2) linear PCPs: smallest proof size, faster prover time</a:t>
-            </a:r>
-          </a:p>
-          <a:p>
-            <a:endParaRPr lang="en-US" dirty="0"/>
-          </a:p>
-          <a:p>
-            <a:r>
-              <a:rPr lang="en-US" dirty="0"/>
-              <a:t>require a trusted setup</a:t>
-            </a:r>
-          </a:p>
-          <a:p>
-            <a:endParaRPr lang="en-US" dirty="0"/>
-          </a:p>
-          <a:p>
-            <a:endParaRPr lang="en-US" dirty="0"/>
-          </a:p>
-          <a:p>
-            <a:r>
-              <a:rPr lang="en-US" dirty="0"/>
-              <a:t> Computationally expensive for the prover.</a:t>
-            </a:r>
-          </a:p>
-        </p:txBody>
-      </p:sp>
-      <p:sp>
-        <p:nvSpPr>
-          <p:cNvPr id="4" name="Slide Number Placeholder 3"/>
-          <p:cNvSpPr>
-            <a:spLocks noGrp="1"/>
-          </p:cNvSpPr>
-          <p:nvPr>
-            <p:ph type="sldNum" sz="quarter" idx="5"/>
-          </p:nvPr>
-        </p:nvSpPr>
-        <p:spPr/>
-        <p:txBody>
-          <a:bodyPr/>
-          <a:lstStyle/>
-          <a:p>
-            <a:fld id="{AB8A8038-22E6-CA44-B4C7-E8ACBBB737AD}" type="slidenum">
-              <a:rPr lang="en-VN" smtClean="0"/>
-              <a:t>8</a:t>
-            </a:fld>
-            <a:endParaRPr lang="en-VN"/>
-          </a:p>
-        </p:txBody>
-      </p:sp>
-    </p:spTree>
-    <p:extLst>
-      <p:ext uri="{BB962C8B-B14F-4D97-AF65-F5344CB8AC3E}">
-        <p14:creationId xmlns:p14="http://schemas.microsoft.com/office/powerpoint/2010/main" val="3686541090"/>
-      </p:ext>
-    </p:extLst>
-  </p:cSld>
-  <p:clrMapOvr>
-    <a:masterClrMapping/>
-  </p:clrMapOvr>
-</p:notes>
-</file>
-
-<file path=ppt/notesSlides/notesSlide8.xml><?xml version="1.0" encoding="utf-8"?>
-<p:notes xmlns:a="http://schemas.openxmlformats.org/drawingml/2006/main" xmlns:r="http://schemas.openxmlformats.org/officeDocument/2006/relationships" xmlns:p="http://schemas.openxmlformats.org/presentationml/2006/main">
-  <p:cSld>
-    <p:spTree>
-      <p:nvGrpSpPr>
-        <p:cNvPr id="1" name=""/>
-        <p:cNvGrpSpPr/>
-        <p:nvPr/>
-      </p:nvGrpSpPr>
-      <p:grpSpPr>
-        <a:xfrm>
-          <a:off x="0" y="0"/>
-          <a:ext cx="0" cy="0"/>
-          <a:chOff x="0" y="0"/>
-          <a:chExt cx="0" cy="0"/>
-        </a:xfrm>
-      </p:grpSpPr>
-      <p:sp>
-        <p:nvSpPr>
-          <p:cNvPr id="2" name="Slide Image Placeholder 1"/>
-          <p:cNvSpPr>
-            <a:spLocks noGrp="1" noRot="1" noChangeAspect="1"/>
-          </p:cNvSpPr>
-          <p:nvPr>
-            <p:ph type="sldImg"/>
-          </p:nvPr>
-        </p:nvSpPr>
-        <p:spPr/>
-      </p:sp>
-      <p:sp>
-        <p:nvSpPr>
-          <p:cNvPr id="3" name="Notes Placeholder 2"/>
-          <p:cNvSpPr>
-            <a:spLocks noGrp="1"/>
-          </p:cNvSpPr>
-          <p:nvPr>
-            <p:ph type="body" idx="1"/>
-          </p:nvPr>
-        </p:nvSpPr>
-        <p:spPr/>
-        <p:txBody>
-          <a:bodyPr/>
-          <a:lstStyle/>
-          <a:p>
-            <a:r>
-              <a:rPr lang="en-US" dirty="0"/>
-              <a:t>2 </a:t>
-            </a:r>
-            <a:r>
-              <a:rPr lang="en-US" dirty="0" err="1"/>
-              <a:t>minies</a:t>
-            </a:r>
-            <a:endParaRPr lang="en-US" dirty="0"/>
-          </a:p>
-          <a:p>
-            <a:r>
-              <a:rPr lang="en-US" dirty="0"/>
-              <a:t>(1) constant-round polynomial IOPs combined with KZG-based polynomial commitments</a:t>
-            </a:r>
-          </a:p>
-          <a:p>
-            <a:r>
-              <a:rPr lang="en-US" dirty="0"/>
-              <a:t>(2) linear PCPs: smallest proof size, faster prover time</a:t>
-            </a:r>
-          </a:p>
-          <a:p>
-            <a:endParaRPr lang="en-US" dirty="0"/>
-          </a:p>
-          <a:p>
-            <a:r>
-              <a:rPr lang="en-US" dirty="0"/>
-              <a:t>require a trusted setup</a:t>
-            </a:r>
-          </a:p>
-          <a:p>
-            <a:endParaRPr lang="en-US" dirty="0"/>
-          </a:p>
-          <a:p>
-            <a:endParaRPr lang="en-US" dirty="0"/>
-          </a:p>
-          <a:p>
-            <a:r>
-              <a:rPr lang="en-US" dirty="0"/>
-              <a:t> Computationally expensive for the prover.</a:t>
-            </a:r>
-          </a:p>
-        </p:txBody>
-      </p:sp>
-      <p:sp>
-        <p:nvSpPr>
-          <p:cNvPr id="4" name="Slide Number Placeholder 3"/>
-          <p:cNvSpPr>
-            <a:spLocks noGrp="1"/>
-          </p:cNvSpPr>
-          <p:nvPr>
-            <p:ph type="sldNum" sz="quarter" idx="5"/>
-          </p:nvPr>
-        </p:nvSpPr>
-        <p:spPr/>
-        <p:txBody>
-          <a:bodyPr/>
-          <a:lstStyle/>
-          <a:p>
-            <a:fld id="{AB8A8038-22E6-CA44-B4C7-E8ACBBB737AD}" type="slidenum">
-              <a:rPr lang="en-VN" smtClean="0"/>
-              <a:t>9</a:t>
-            </a:fld>
-            <a:endParaRPr lang="en-VN"/>
-          </a:p>
-        </p:txBody>
-      </p:sp>
-    </p:spTree>
-    <p:extLst>
-      <p:ext uri="{BB962C8B-B14F-4D97-AF65-F5344CB8AC3E}">
-        <p14:creationId xmlns:p14="http://schemas.microsoft.com/office/powerpoint/2010/main" val="537443778"/>
+        <p14:creationId xmlns:p14="http://schemas.microsoft.com/office/powerpoint/2010/main" val="176159440"/>
       </p:ext>
     </p:extLst>
   </p:cSld>
@@ -1474,7 +580,7 @@
 </file>
 
 <file path=ppt/slideLayouts/slideLayout1.xml><?xml version="1.0" encoding="utf-8"?>
-<p:sldLayout xmlns:a="http://schemas.openxmlformats.org/drawingml/2006/main" xmlns:r="http://schemas.openxmlformats.org/officeDocument/2006/relationships" xmlns:p="http://schemas.openxmlformats.org/presentationml/2006/main" type="title" preserve="1">
+<p:sldLayout xmlns:a="http://schemas.openxmlformats.org/drawingml/2006/main" xmlns:r="http://schemas.openxmlformats.org/officeDocument/2006/relationships" xmlns:p="http://schemas.openxmlformats.org/presentationml/2006/main" preserve="1" userDrawn="1">
   <p:cSld name="Title Slide">
     <p:spTree>
       <p:nvGrpSpPr>
@@ -1492,202 +598,198 @@
       </p:grpSpPr>
       <p:sp>
         <p:nvSpPr>
-          <p:cNvPr id="2" name="Title 1">
+          <p:cNvPr id="3" name="Subtitle 2"/>
+          <p:cNvSpPr>
+            <a:spLocks noGrp="1"/>
+          </p:cNvSpPr>
+          <p:nvPr>
+            <p:ph type="subTitle" idx="1"/>
+          </p:nvPr>
+        </p:nvSpPr>
+        <p:spPr>
+          <a:xfrm>
+            <a:off x="1371600" y="3886200"/>
+            <a:ext cx="6400800" cy="1752600"/>
+          </a:xfrm>
+        </p:spPr>
+        <p:txBody>
+          <a:bodyPr/>
+          <a:lstStyle>
+            <a:lvl1pPr marL="0" indent="0" algn="ctr">
+              <a:buNone/>
+              <a:defRPr>
+                <a:solidFill>
+                  <a:schemeClr val="tx1">
+                    <a:tint val="75000"/>
+                  </a:schemeClr>
+                </a:solidFill>
+              </a:defRPr>
+            </a:lvl1pPr>
+            <a:lvl2pPr marL="457200" indent="0" algn="ctr">
+              <a:buNone/>
+              <a:defRPr>
+                <a:solidFill>
+                  <a:schemeClr val="tx1">
+                    <a:tint val="75000"/>
+                  </a:schemeClr>
+                </a:solidFill>
+              </a:defRPr>
+            </a:lvl2pPr>
+            <a:lvl3pPr marL="914400" indent="0" algn="ctr">
+              <a:buNone/>
+              <a:defRPr>
+                <a:solidFill>
+                  <a:schemeClr val="tx1">
+                    <a:tint val="75000"/>
+                  </a:schemeClr>
+                </a:solidFill>
+              </a:defRPr>
+            </a:lvl3pPr>
+            <a:lvl4pPr marL="1371600" indent="0" algn="ctr">
+              <a:buNone/>
+              <a:defRPr>
+                <a:solidFill>
+                  <a:schemeClr val="tx1">
+                    <a:tint val="75000"/>
+                  </a:schemeClr>
+                </a:solidFill>
+              </a:defRPr>
+            </a:lvl4pPr>
+            <a:lvl5pPr marL="1828800" indent="0" algn="ctr">
+              <a:buNone/>
+              <a:defRPr>
+                <a:solidFill>
+                  <a:schemeClr val="tx1">
+                    <a:tint val="75000"/>
+                  </a:schemeClr>
+                </a:solidFill>
+              </a:defRPr>
+            </a:lvl5pPr>
+            <a:lvl6pPr marL="2286000" indent="0" algn="ctr">
+              <a:buNone/>
+              <a:defRPr>
+                <a:solidFill>
+                  <a:schemeClr val="tx1">
+                    <a:tint val="75000"/>
+                  </a:schemeClr>
+                </a:solidFill>
+              </a:defRPr>
+            </a:lvl6pPr>
+            <a:lvl7pPr marL="2743200" indent="0" algn="ctr">
+              <a:buNone/>
+              <a:defRPr>
+                <a:solidFill>
+                  <a:schemeClr val="tx1">
+                    <a:tint val="75000"/>
+                  </a:schemeClr>
+                </a:solidFill>
+              </a:defRPr>
+            </a:lvl7pPr>
+            <a:lvl8pPr marL="3200400" indent="0" algn="ctr">
+              <a:buNone/>
+              <a:defRPr>
+                <a:solidFill>
+                  <a:schemeClr val="tx1">
+                    <a:tint val="75000"/>
+                  </a:schemeClr>
+                </a:solidFill>
+              </a:defRPr>
+            </a:lvl8pPr>
+            <a:lvl9pPr marL="3657600" indent="0" algn="ctr">
+              <a:buNone/>
+              <a:defRPr>
+                <a:solidFill>
+                  <a:schemeClr val="tx1">
+                    <a:tint val="75000"/>
+                  </a:schemeClr>
+                </a:solidFill>
+              </a:defRPr>
+            </a:lvl9pPr>
+          </a:lstStyle>
+          <a:p>
+            <a:r>
+              <a:rPr lang="en-US"/>
+              <a:t>Click to edit Master subtitle style</a:t>
+            </a:r>
+          </a:p>
+        </p:txBody>
+      </p:sp>
+      <p:sp>
+        <p:nvSpPr>
+          <p:cNvPr id="6" name="Slide Number Placeholder 5"/>
+          <p:cNvSpPr>
+            <a:spLocks noGrp="1"/>
+          </p:cNvSpPr>
+          <p:nvPr>
+            <p:ph type="sldNum" sz="quarter" idx="12"/>
+          </p:nvPr>
+        </p:nvSpPr>
+        <p:spPr/>
+        <p:txBody>
+          <a:bodyPr/>
+          <a:lstStyle/>
+          <a:p>
+            <a:fld id="{B6F15528-21DE-4FAA-801E-634DDDAF4B2B}" type="slidenum">
+              <a:rPr lang="en-US" smtClean="0"/>
+              <a:pPr/>
+              <a:t>‹#›</a:t>
+            </a:fld>
+            <a:endParaRPr lang="en-US"/>
+          </a:p>
+        </p:txBody>
+      </p:sp>
+      <p:sp>
+        <p:nvSpPr>
+          <p:cNvPr id="7" name="Title Placeholder 1">
             <a:extLst>
               <a:ext uri="{FF2B5EF4-FFF2-40B4-BE49-F238E27FC236}">
-                <a16:creationId xmlns:a16="http://schemas.microsoft.com/office/drawing/2014/main" id="{9226755B-21C7-FB50-8ECD-C56F732D226F}"/>
+                <a16:creationId xmlns:a16="http://schemas.microsoft.com/office/drawing/2014/main" id="{69E09EDE-262D-CB5F-515B-510901DB01E1}"/>
               </a:ext>
             </a:extLst>
           </p:cNvPr>
-          <p:cNvSpPr>
-            <a:spLocks noGrp="1"/>
-          </p:cNvSpPr>
-          <p:nvPr>
-            <p:ph type="ctrTitle"/>
-          </p:nvPr>
+          <p:cNvSpPr txBox="1">
+            <a:spLocks/>
+          </p:cNvSpPr>
+          <p:nvPr userDrawn="1"/>
         </p:nvSpPr>
         <p:spPr>
           <a:xfrm>
-            <a:off x="1524000" y="1122363"/>
-            <a:ext cx="9144000" cy="2387600"/>
+            <a:off x="4381500" y="342900"/>
+            <a:ext cx="9525000" cy="1143000"/>
           </a:xfrm>
+          <a:prstGeom prst="rect">
+            <a:avLst/>
+          </a:prstGeom>
         </p:spPr>
         <p:txBody>
-          <a:bodyPr anchor="b"/>
+          <a:bodyPr vert="horz" lIns="91440" tIns="45720" rIns="91440" bIns="45720" rtlCol="0" anchor="ctr">
+            <a:normAutofit/>
+          </a:bodyPr>
           <a:lstStyle>
-            <a:lvl1pPr algn="ctr">
-              <a:defRPr sz="6000"/>
+            <a:lvl1pPr algn="ctr" defTabSz="914400" rtl="0" eaLnBrk="1" latinLnBrk="0" hangingPunct="1">
+              <a:spcBef>
+                <a:spcPct val="0"/>
+              </a:spcBef>
+              <a:buNone/>
+              <a:defRPr sz="5400" kern="1200">
+                <a:solidFill>
+                  <a:schemeClr val="tx1"/>
+                </a:solidFill>
+                <a:latin typeface="+mj-lt"/>
+                <a:ea typeface="+mj-ea"/>
+                <a:cs typeface="+mj-cs"/>
+              </a:defRPr>
             </a:lvl1pPr>
           </a:lstStyle>
           <a:p>
             <a:r>
-              <a:rPr lang="en-US"/>
+              <a:rPr lang="en-US" sz="6000" dirty="0"/>
               <a:t>Click to edit Master title style</a:t>
             </a:r>
-            <a:endParaRPr lang="en-VN"/>
-          </a:p>
-        </p:txBody>
-      </p:sp>
-      <p:sp>
-        <p:nvSpPr>
-          <p:cNvPr id="3" name="Subtitle 2">
-            <a:extLst>
-              <a:ext uri="{FF2B5EF4-FFF2-40B4-BE49-F238E27FC236}">
-                <a16:creationId xmlns:a16="http://schemas.microsoft.com/office/drawing/2014/main" id="{C0A348B1-AB57-CDF5-A057-BE324B5229F8}"/>
-              </a:ext>
-            </a:extLst>
-          </p:cNvPr>
-          <p:cNvSpPr>
-            <a:spLocks noGrp="1"/>
-          </p:cNvSpPr>
-          <p:nvPr>
-            <p:ph type="subTitle" idx="1"/>
-          </p:nvPr>
-        </p:nvSpPr>
-        <p:spPr>
-          <a:xfrm>
-            <a:off x="1524000" y="3602038"/>
-            <a:ext cx="9144000" cy="1655762"/>
-          </a:xfrm>
-        </p:spPr>
-        <p:txBody>
-          <a:bodyPr/>
-          <a:lstStyle>
-            <a:lvl1pPr marL="0" indent="0" algn="ctr">
-              <a:buNone/>
-              <a:defRPr sz="2400"/>
-            </a:lvl1pPr>
-            <a:lvl2pPr marL="457200" indent="0" algn="ctr">
-              <a:buNone/>
-              <a:defRPr sz="2000"/>
-            </a:lvl2pPr>
-            <a:lvl3pPr marL="914400" indent="0" algn="ctr">
-              <a:buNone/>
-              <a:defRPr sz="1800"/>
-            </a:lvl3pPr>
-            <a:lvl4pPr marL="1371600" indent="0" algn="ctr">
-              <a:buNone/>
-              <a:defRPr sz="1600"/>
-            </a:lvl4pPr>
-            <a:lvl5pPr marL="1828800" indent="0" algn="ctr">
-              <a:buNone/>
-              <a:defRPr sz="1600"/>
-            </a:lvl5pPr>
-            <a:lvl6pPr marL="2286000" indent="0" algn="ctr">
-              <a:buNone/>
-              <a:defRPr sz="1600"/>
-            </a:lvl6pPr>
-            <a:lvl7pPr marL="2743200" indent="0" algn="ctr">
-              <a:buNone/>
-              <a:defRPr sz="1600"/>
-            </a:lvl7pPr>
-            <a:lvl8pPr marL="3200400" indent="0" algn="ctr">
-              <a:buNone/>
-              <a:defRPr sz="1600"/>
-            </a:lvl8pPr>
-            <a:lvl9pPr marL="3657600" indent="0" algn="ctr">
-              <a:buNone/>
-              <a:defRPr sz="1600"/>
-            </a:lvl9pPr>
-          </a:lstStyle>
-          <a:p>
-            <a:r>
-              <a:rPr lang="en-US"/>
-              <a:t>Click to edit Master subtitle style</a:t>
-            </a:r>
-            <a:endParaRPr lang="en-VN"/>
-          </a:p>
-        </p:txBody>
-      </p:sp>
-      <p:sp>
-        <p:nvSpPr>
-          <p:cNvPr id="4" name="Date Placeholder 3">
-            <a:extLst>
-              <a:ext uri="{FF2B5EF4-FFF2-40B4-BE49-F238E27FC236}">
-                <a16:creationId xmlns:a16="http://schemas.microsoft.com/office/drawing/2014/main" id="{19103DA7-8DFB-7470-0BB5-9CF3DE54E855}"/>
-              </a:ext>
-            </a:extLst>
-          </p:cNvPr>
-          <p:cNvSpPr>
-            <a:spLocks noGrp="1"/>
-          </p:cNvSpPr>
-          <p:nvPr>
-            <p:ph type="dt" sz="half" idx="10"/>
-          </p:nvPr>
-        </p:nvSpPr>
-        <p:spPr/>
-        <p:txBody>
-          <a:bodyPr/>
-          <a:lstStyle/>
-          <a:p>
-            <a:fld id="{A99EE524-142D-D148-8FC1-FC703FF1171F}" type="datetimeFigureOut">
-              <a:rPr lang="en-VN" smtClean="0"/>
-              <a:t>23/01/2024</a:t>
-            </a:fld>
-            <a:endParaRPr lang="en-VN"/>
-          </a:p>
-        </p:txBody>
-      </p:sp>
-      <p:sp>
-        <p:nvSpPr>
-          <p:cNvPr id="5" name="Footer Placeholder 4">
-            <a:extLst>
-              <a:ext uri="{FF2B5EF4-FFF2-40B4-BE49-F238E27FC236}">
-                <a16:creationId xmlns:a16="http://schemas.microsoft.com/office/drawing/2014/main" id="{F252C345-6597-0F37-69CC-07787DCF1E5B}"/>
-              </a:ext>
-            </a:extLst>
-          </p:cNvPr>
-          <p:cNvSpPr>
-            <a:spLocks noGrp="1"/>
-          </p:cNvSpPr>
-          <p:nvPr>
-            <p:ph type="ftr" sz="quarter" idx="11"/>
-          </p:nvPr>
-        </p:nvSpPr>
-        <p:spPr/>
-        <p:txBody>
-          <a:bodyPr/>
-          <a:lstStyle/>
-          <a:p>
-            <a:endParaRPr lang="en-VN"/>
-          </a:p>
-        </p:txBody>
-      </p:sp>
-      <p:sp>
-        <p:nvSpPr>
-          <p:cNvPr id="6" name="Slide Number Placeholder 5">
-            <a:extLst>
-              <a:ext uri="{FF2B5EF4-FFF2-40B4-BE49-F238E27FC236}">
-                <a16:creationId xmlns:a16="http://schemas.microsoft.com/office/drawing/2014/main" id="{BFD87DDC-8BC7-3959-6B5A-B68A6A49BD05}"/>
-              </a:ext>
-            </a:extLst>
-          </p:cNvPr>
-          <p:cNvSpPr>
-            <a:spLocks noGrp="1"/>
-          </p:cNvSpPr>
-          <p:nvPr>
-            <p:ph type="sldNum" sz="quarter" idx="12"/>
-          </p:nvPr>
-        </p:nvSpPr>
-        <p:spPr/>
-        <p:txBody>
-          <a:bodyPr/>
-          <a:lstStyle/>
-          <a:p>
-            <a:fld id="{D76E8BD5-B94D-EC48-828C-6394FDAF64CD}" type="slidenum">
-              <a:rPr lang="en-VN" smtClean="0"/>
-              <a:t>‹#›</a:t>
-            </a:fld>
-            <a:endParaRPr lang="en-VN"/>
           </a:p>
         </p:txBody>
       </p:sp>
     </p:spTree>
-    <p:extLst>
-      <p:ext uri="{BB962C8B-B14F-4D97-AF65-F5344CB8AC3E}">
-        <p14:creationId xmlns:p14="http://schemas.microsoft.com/office/powerpoint/2010/main" val="106328869"/>
-      </p:ext>
-    </p:extLst>
   </p:cSld>
   <p:clrMapOvr>
     <a:masterClrMapping/>
@@ -1714,13 +816,7 @@
       </p:grpSpPr>
       <p:sp>
         <p:nvSpPr>
-          <p:cNvPr id="2" name="Title 1">
-            <a:extLst>
-              <a:ext uri="{FF2B5EF4-FFF2-40B4-BE49-F238E27FC236}">
-                <a16:creationId xmlns:a16="http://schemas.microsoft.com/office/drawing/2014/main" id="{96BBD7E9-56F5-4F90-09C4-4E078E79E955}"/>
-              </a:ext>
-            </a:extLst>
-          </p:cNvPr>
+          <p:cNvPr id="2" name="Title 1"/>
           <p:cNvSpPr>
             <a:spLocks noGrp="1"/>
           </p:cNvSpPr>
@@ -1737,19 +833,12 @@
               <a:rPr lang="en-US"/>
               <a:t>Click to edit Master title style</a:t>
             </a:r>
-            <a:endParaRPr lang="en-VN"/>
-          </a:p>
-        </p:txBody>
-      </p:sp>
-      <p:sp>
-        <p:nvSpPr>
-          <p:cNvPr id="3" name="Vertical Text Placeholder 2">
-            <a:extLst>
-              <a:ext uri="{FF2B5EF4-FFF2-40B4-BE49-F238E27FC236}">
-                <a16:creationId xmlns:a16="http://schemas.microsoft.com/office/drawing/2014/main" id="{6ADA9AF5-343B-0ABE-6AA6-416634A2E6B7}"/>
-              </a:ext>
-            </a:extLst>
-          </p:cNvPr>
+          </a:p>
+        </p:txBody>
+      </p:sp>
+      <p:sp>
+        <p:nvSpPr>
+          <p:cNvPr id="3" name="Vertical Text Placeholder 2"/>
           <p:cNvSpPr>
             <a:spLocks noGrp="1"/>
           </p:cNvSpPr>
@@ -1795,24 +884,17 @@
               <a:rPr lang="en-US"/>
               <a:t>Fifth level</a:t>
             </a:r>
-            <a:endParaRPr lang="en-VN"/>
-          </a:p>
-        </p:txBody>
-      </p:sp>
-      <p:sp>
-        <p:nvSpPr>
-          <p:cNvPr id="4" name="Date Placeholder 3">
-            <a:extLst>
-              <a:ext uri="{FF2B5EF4-FFF2-40B4-BE49-F238E27FC236}">
-                <a16:creationId xmlns:a16="http://schemas.microsoft.com/office/drawing/2014/main" id="{AF7BFD98-0033-0124-4743-6CEFA86A1BBF}"/>
-              </a:ext>
-            </a:extLst>
-          </p:cNvPr>
-          <p:cNvSpPr>
-            <a:spLocks noGrp="1"/>
-          </p:cNvSpPr>
-          <p:nvPr>
-            <p:ph type="dt" sz="half" idx="10"/>
+          </a:p>
+        </p:txBody>
+      </p:sp>
+      <p:sp>
+        <p:nvSpPr>
+          <p:cNvPr id="6" name="Slide Number Placeholder 5"/>
+          <p:cNvSpPr>
+            <a:spLocks noGrp="1"/>
+          </p:cNvSpPr>
+          <p:nvPr>
+            <p:ph type="sldNum" sz="quarter" idx="12"/>
           </p:nvPr>
         </p:nvSpPr>
         <p:spPr/>
@@ -1820,74 +902,16 @@
           <a:bodyPr/>
           <a:lstStyle/>
           <a:p>
-            <a:fld id="{A99EE524-142D-D148-8FC1-FC703FF1171F}" type="datetimeFigureOut">
-              <a:rPr lang="en-VN" smtClean="0"/>
-              <a:t>23/01/2024</a:t>
-            </a:fld>
-            <a:endParaRPr lang="en-VN"/>
-          </a:p>
-        </p:txBody>
-      </p:sp>
-      <p:sp>
-        <p:nvSpPr>
-          <p:cNvPr id="5" name="Footer Placeholder 4">
-            <a:extLst>
-              <a:ext uri="{FF2B5EF4-FFF2-40B4-BE49-F238E27FC236}">
-                <a16:creationId xmlns:a16="http://schemas.microsoft.com/office/drawing/2014/main" id="{1CA1DFA8-877E-8339-A731-888CE2430E6B}"/>
-              </a:ext>
-            </a:extLst>
-          </p:cNvPr>
-          <p:cNvSpPr>
-            <a:spLocks noGrp="1"/>
-          </p:cNvSpPr>
-          <p:nvPr>
-            <p:ph type="ftr" sz="quarter" idx="11"/>
-          </p:nvPr>
-        </p:nvSpPr>
-        <p:spPr/>
-        <p:txBody>
-          <a:bodyPr/>
-          <a:lstStyle/>
-          <a:p>
-            <a:endParaRPr lang="en-VN"/>
-          </a:p>
-        </p:txBody>
-      </p:sp>
-      <p:sp>
-        <p:nvSpPr>
-          <p:cNvPr id="6" name="Slide Number Placeholder 5">
-            <a:extLst>
-              <a:ext uri="{FF2B5EF4-FFF2-40B4-BE49-F238E27FC236}">
-                <a16:creationId xmlns:a16="http://schemas.microsoft.com/office/drawing/2014/main" id="{2CE44537-C876-555B-C9E0-D1E995FD55DA}"/>
-              </a:ext>
-            </a:extLst>
-          </p:cNvPr>
-          <p:cNvSpPr>
-            <a:spLocks noGrp="1"/>
-          </p:cNvSpPr>
-          <p:nvPr>
-            <p:ph type="sldNum" sz="quarter" idx="12"/>
-          </p:nvPr>
-        </p:nvSpPr>
-        <p:spPr/>
-        <p:txBody>
-          <a:bodyPr/>
-          <a:lstStyle/>
-          <a:p>
-            <a:fld id="{D76E8BD5-B94D-EC48-828C-6394FDAF64CD}" type="slidenum">
-              <a:rPr lang="en-VN" smtClean="0"/>
+            <a:fld id="{B6F15528-21DE-4FAA-801E-634DDDAF4B2B}" type="slidenum">
+              <a:rPr lang="en-US" smtClean="0"/>
+              <a:pPr/>
               <a:t>‹#›</a:t>
             </a:fld>
-            <a:endParaRPr lang="en-VN"/>
+            <a:endParaRPr lang="en-US"/>
           </a:p>
         </p:txBody>
       </p:sp>
     </p:spTree>
-    <p:extLst>
-      <p:ext uri="{BB962C8B-B14F-4D97-AF65-F5344CB8AC3E}">
-        <p14:creationId xmlns:p14="http://schemas.microsoft.com/office/powerpoint/2010/main" val="1897250502"/>
-      </p:ext>
-    </p:extLst>
   </p:cSld>
   <p:clrMapOvr>
     <a:masterClrMapping/>
@@ -1914,13 +938,7 @@
       </p:grpSpPr>
       <p:sp>
         <p:nvSpPr>
-          <p:cNvPr id="2" name="Vertical Title 1">
-            <a:extLst>
-              <a:ext uri="{FF2B5EF4-FFF2-40B4-BE49-F238E27FC236}">
-                <a16:creationId xmlns:a16="http://schemas.microsoft.com/office/drawing/2014/main" id="{76EAA97E-1AEB-63AD-7F27-B3C76A05D581}"/>
-              </a:ext>
-            </a:extLst>
-          </p:cNvPr>
+          <p:cNvPr id="2" name="Vertical Title 1"/>
           <p:cNvSpPr>
             <a:spLocks noGrp="1"/>
           </p:cNvSpPr>
@@ -1930,8 +948,8 @@
         </p:nvSpPr>
         <p:spPr>
           <a:xfrm>
-            <a:off x="8724900" y="365125"/>
-            <a:ext cx="2628900" cy="5811838"/>
+            <a:off x="6629400" y="274638"/>
+            <a:ext cx="2057400" cy="5851525"/>
           </a:xfrm>
         </p:spPr>
         <p:txBody>
@@ -1942,19 +960,12 @@
               <a:rPr lang="en-US"/>
               <a:t>Click to edit Master title style</a:t>
             </a:r>
-            <a:endParaRPr lang="en-VN"/>
-          </a:p>
-        </p:txBody>
-      </p:sp>
-      <p:sp>
-        <p:nvSpPr>
-          <p:cNvPr id="3" name="Vertical Text Placeholder 2">
-            <a:extLst>
-              <a:ext uri="{FF2B5EF4-FFF2-40B4-BE49-F238E27FC236}">
-                <a16:creationId xmlns:a16="http://schemas.microsoft.com/office/drawing/2014/main" id="{E65DA05D-67D8-ECB0-AD38-4DCA3CDD7305}"/>
-              </a:ext>
-            </a:extLst>
-          </p:cNvPr>
+          </a:p>
+        </p:txBody>
+      </p:sp>
+      <p:sp>
+        <p:nvSpPr>
+          <p:cNvPr id="3" name="Vertical Text Placeholder 2"/>
           <p:cNvSpPr>
             <a:spLocks noGrp="1"/>
           </p:cNvSpPr>
@@ -1964,8 +975,8 @@
         </p:nvSpPr>
         <p:spPr>
           <a:xfrm>
-            <a:off x="838200" y="365125"/>
-            <a:ext cx="7734300" cy="5811838"/>
+            <a:off x="457200" y="274638"/>
+            <a:ext cx="6019800" cy="5851525"/>
           </a:xfrm>
         </p:spPr>
         <p:txBody>
@@ -2005,24 +1016,17 @@
               <a:rPr lang="en-US"/>
               <a:t>Fifth level</a:t>
             </a:r>
-            <a:endParaRPr lang="en-VN"/>
-          </a:p>
-        </p:txBody>
-      </p:sp>
-      <p:sp>
-        <p:nvSpPr>
-          <p:cNvPr id="4" name="Date Placeholder 3">
-            <a:extLst>
-              <a:ext uri="{FF2B5EF4-FFF2-40B4-BE49-F238E27FC236}">
-                <a16:creationId xmlns:a16="http://schemas.microsoft.com/office/drawing/2014/main" id="{034479A4-62EB-6744-1B4C-0C35932176BC}"/>
-              </a:ext>
-            </a:extLst>
-          </p:cNvPr>
-          <p:cNvSpPr>
-            <a:spLocks noGrp="1"/>
-          </p:cNvSpPr>
-          <p:nvPr>
-            <p:ph type="dt" sz="half" idx="10"/>
+          </a:p>
+        </p:txBody>
+      </p:sp>
+      <p:sp>
+        <p:nvSpPr>
+          <p:cNvPr id="6" name="Slide Number Placeholder 5"/>
+          <p:cNvSpPr>
+            <a:spLocks noGrp="1"/>
+          </p:cNvSpPr>
+          <p:nvPr>
+            <p:ph type="sldNum" sz="quarter" idx="12"/>
           </p:nvPr>
         </p:nvSpPr>
         <p:spPr/>
@@ -2030,74 +1034,16 @@
           <a:bodyPr/>
           <a:lstStyle/>
           <a:p>
-            <a:fld id="{A99EE524-142D-D148-8FC1-FC703FF1171F}" type="datetimeFigureOut">
-              <a:rPr lang="en-VN" smtClean="0"/>
-              <a:t>23/01/2024</a:t>
-            </a:fld>
-            <a:endParaRPr lang="en-VN"/>
-          </a:p>
-        </p:txBody>
-      </p:sp>
-      <p:sp>
-        <p:nvSpPr>
-          <p:cNvPr id="5" name="Footer Placeholder 4">
-            <a:extLst>
-              <a:ext uri="{FF2B5EF4-FFF2-40B4-BE49-F238E27FC236}">
-                <a16:creationId xmlns:a16="http://schemas.microsoft.com/office/drawing/2014/main" id="{5AF046C2-536C-39F9-05C2-38F503F2BCB9}"/>
-              </a:ext>
-            </a:extLst>
-          </p:cNvPr>
-          <p:cNvSpPr>
-            <a:spLocks noGrp="1"/>
-          </p:cNvSpPr>
-          <p:nvPr>
-            <p:ph type="ftr" sz="quarter" idx="11"/>
-          </p:nvPr>
-        </p:nvSpPr>
-        <p:spPr/>
-        <p:txBody>
-          <a:bodyPr/>
-          <a:lstStyle/>
-          <a:p>
-            <a:endParaRPr lang="en-VN"/>
-          </a:p>
-        </p:txBody>
-      </p:sp>
-      <p:sp>
-        <p:nvSpPr>
-          <p:cNvPr id="6" name="Slide Number Placeholder 5">
-            <a:extLst>
-              <a:ext uri="{FF2B5EF4-FFF2-40B4-BE49-F238E27FC236}">
-                <a16:creationId xmlns:a16="http://schemas.microsoft.com/office/drawing/2014/main" id="{36F491FA-7589-8E36-8714-1EF24D712469}"/>
-              </a:ext>
-            </a:extLst>
-          </p:cNvPr>
-          <p:cNvSpPr>
-            <a:spLocks noGrp="1"/>
-          </p:cNvSpPr>
-          <p:nvPr>
-            <p:ph type="sldNum" sz="quarter" idx="12"/>
-          </p:nvPr>
-        </p:nvSpPr>
-        <p:spPr/>
-        <p:txBody>
-          <a:bodyPr/>
-          <a:lstStyle/>
-          <a:p>
-            <a:fld id="{D76E8BD5-B94D-EC48-828C-6394FDAF64CD}" type="slidenum">
-              <a:rPr lang="en-VN" smtClean="0"/>
+            <a:fld id="{B6F15528-21DE-4FAA-801E-634DDDAF4B2B}" type="slidenum">
+              <a:rPr lang="en-US" smtClean="0"/>
+              <a:pPr/>
               <a:t>‹#›</a:t>
             </a:fld>
-            <a:endParaRPr lang="en-VN"/>
+            <a:endParaRPr lang="en-US"/>
           </a:p>
         </p:txBody>
       </p:sp>
     </p:spTree>
-    <p:extLst>
-      <p:ext uri="{BB962C8B-B14F-4D97-AF65-F5344CB8AC3E}">
-        <p14:creationId xmlns:p14="http://schemas.microsoft.com/office/powerpoint/2010/main" val="1675935188"/>
-      </p:ext>
-    </p:extLst>
   </p:cSld>
   <p:clrMapOvr>
     <a:masterClrMapping/>
@@ -2124,13 +1070,7 @@
       </p:grpSpPr>
       <p:sp>
         <p:nvSpPr>
-          <p:cNvPr id="2" name="Title 1">
-            <a:extLst>
-              <a:ext uri="{FF2B5EF4-FFF2-40B4-BE49-F238E27FC236}">
-                <a16:creationId xmlns:a16="http://schemas.microsoft.com/office/drawing/2014/main" id="{87C2787A-65BF-ADAA-B9A8-ECBDB38E5537}"/>
-              </a:ext>
-            </a:extLst>
-          </p:cNvPr>
+          <p:cNvPr id="2" name="Title 1"/>
           <p:cNvSpPr>
             <a:spLocks noGrp="1"/>
           </p:cNvSpPr>
@@ -2147,19 +1087,12 @@
               <a:rPr lang="en-US"/>
               <a:t>Click to edit Master title style</a:t>
             </a:r>
-            <a:endParaRPr lang="en-VN"/>
-          </a:p>
-        </p:txBody>
-      </p:sp>
-      <p:sp>
-        <p:nvSpPr>
-          <p:cNvPr id="3" name="Content Placeholder 2">
-            <a:extLst>
-              <a:ext uri="{FF2B5EF4-FFF2-40B4-BE49-F238E27FC236}">
-                <a16:creationId xmlns:a16="http://schemas.microsoft.com/office/drawing/2014/main" id="{F2DBF6A7-2FB0-07BF-D5B7-100DE6A6C3FF}"/>
-              </a:ext>
-            </a:extLst>
-          </p:cNvPr>
+          </a:p>
+        </p:txBody>
+      </p:sp>
+      <p:sp>
+        <p:nvSpPr>
+          <p:cNvPr id="3" name="Content Placeholder 2"/>
           <p:cNvSpPr>
             <a:spLocks noGrp="1"/>
           </p:cNvSpPr>
@@ -2205,24 +1138,17 @@
               <a:rPr lang="en-US"/>
               <a:t>Fifth level</a:t>
             </a:r>
-            <a:endParaRPr lang="en-VN"/>
-          </a:p>
-        </p:txBody>
-      </p:sp>
-      <p:sp>
-        <p:nvSpPr>
-          <p:cNvPr id="4" name="Date Placeholder 3">
-            <a:extLst>
-              <a:ext uri="{FF2B5EF4-FFF2-40B4-BE49-F238E27FC236}">
-                <a16:creationId xmlns:a16="http://schemas.microsoft.com/office/drawing/2014/main" id="{F2CF0505-45E1-E2E5-3AEB-3C2E89A049DE}"/>
-              </a:ext>
-            </a:extLst>
-          </p:cNvPr>
-          <p:cNvSpPr>
-            <a:spLocks noGrp="1"/>
-          </p:cNvSpPr>
-          <p:nvPr>
-            <p:ph type="dt" sz="half" idx="10"/>
+          </a:p>
+        </p:txBody>
+      </p:sp>
+      <p:sp>
+        <p:nvSpPr>
+          <p:cNvPr id="6" name="Slide Number Placeholder 5"/>
+          <p:cNvSpPr>
+            <a:spLocks noGrp="1"/>
+          </p:cNvSpPr>
+          <p:nvPr>
+            <p:ph type="sldNum" sz="quarter" idx="12"/>
           </p:nvPr>
         </p:nvSpPr>
         <p:spPr/>
@@ -2230,74 +1156,16 @@
           <a:bodyPr/>
           <a:lstStyle/>
           <a:p>
-            <a:fld id="{A99EE524-142D-D148-8FC1-FC703FF1171F}" type="datetimeFigureOut">
-              <a:rPr lang="en-VN" smtClean="0"/>
-              <a:t>23/01/2024</a:t>
-            </a:fld>
-            <a:endParaRPr lang="en-VN"/>
-          </a:p>
-        </p:txBody>
-      </p:sp>
-      <p:sp>
-        <p:nvSpPr>
-          <p:cNvPr id="5" name="Footer Placeholder 4">
-            <a:extLst>
-              <a:ext uri="{FF2B5EF4-FFF2-40B4-BE49-F238E27FC236}">
-                <a16:creationId xmlns:a16="http://schemas.microsoft.com/office/drawing/2014/main" id="{0B2E1A59-A8E1-F99B-E78E-8225F28A9E24}"/>
-              </a:ext>
-            </a:extLst>
-          </p:cNvPr>
-          <p:cNvSpPr>
-            <a:spLocks noGrp="1"/>
-          </p:cNvSpPr>
-          <p:nvPr>
-            <p:ph type="ftr" sz="quarter" idx="11"/>
-          </p:nvPr>
-        </p:nvSpPr>
-        <p:spPr/>
-        <p:txBody>
-          <a:bodyPr/>
-          <a:lstStyle/>
-          <a:p>
-            <a:endParaRPr lang="en-VN"/>
-          </a:p>
-        </p:txBody>
-      </p:sp>
-      <p:sp>
-        <p:nvSpPr>
-          <p:cNvPr id="6" name="Slide Number Placeholder 5">
-            <a:extLst>
-              <a:ext uri="{FF2B5EF4-FFF2-40B4-BE49-F238E27FC236}">
-                <a16:creationId xmlns:a16="http://schemas.microsoft.com/office/drawing/2014/main" id="{3D44627E-6F4D-6563-001A-1D96CD29C267}"/>
-              </a:ext>
-            </a:extLst>
-          </p:cNvPr>
-          <p:cNvSpPr>
-            <a:spLocks noGrp="1"/>
-          </p:cNvSpPr>
-          <p:nvPr>
-            <p:ph type="sldNum" sz="quarter" idx="12"/>
-          </p:nvPr>
-        </p:nvSpPr>
-        <p:spPr/>
-        <p:txBody>
-          <a:bodyPr/>
-          <a:lstStyle/>
-          <a:p>
-            <a:fld id="{D76E8BD5-B94D-EC48-828C-6394FDAF64CD}" type="slidenum">
-              <a:rPr lang="en-VN" smtClean="0"/>
+            <a:fld id="{B6F15528-21DE-4FAA-801E-634DDDAF4B2B}" type="slidenum">
+              <a:rPr lang="en-US" smtClean="0"/>
+              <a:pPr/>
               <a:t>‹#›</a:t>
             </a:fld>
-            <a:endParaRPr lang="en-VN"/>
+            <a:endParaRPr lang="en-US"/>
           </a:p>
         </p:txBody>
       </p:sp>
     </p:spTree>
-    <p:extLst>
-      <p:ext uri="{BB962C8B-B14F-4D97-AF65-F5344CB8AC3E}">
-        <p14:creationId xmlns:p14="http://schemas.microsoft.com/office/powerpoint/2010/main" val="1310239751"/>
-      </p:ext>
-    </p:extLst>
   </p:cSld>
   <p:clrMapOvr>
     <a:masterClrMapping/>
@@ -2324,13 +1192,7 @@
       </p:grpSpPr>
       <p:sp>
         <p:nvSpPr>
-          <p:cNvPr id="2" name="Title 1">
-            <a:extLst>
-              <a:ext uri="{FF2B5EF4-FFF2-40B4-BE49-F238E27FC236}">
-                <a16:creationId xmlns:a16="http://schemas.microsoft.com/office/drawing/2014/main" id="{849AC56B-3A6E-B966-4B7B-5F6F6E3EABB5}"/>
-              </a:ext>
-            </a:extLst>
-          </p:cNvPr>
+          <p:cNvPr id="2" name="Title 1"/>
           <p:cNvSpPr>
             <a:spLocks noGrp="1"/>
           </p:cNvSpPr>
@@ -2340,54 +1202,49 @@
         </p:nvSpPr>
         <p:spPr>
           <a:xfrm>
-            <a:off x="831850" y="1709738"/>
-            <a:ext cx="10515600" cy="2852737"/>
+            <a:off x="722312" y="4406900"/>
+            <a:ext cx="7888287" cy="2413000"/>
           </a:xfrm>
         </p:spPr>
         <p:txBody>
+          <a:bodyPr anchor="t">
+            <a:noAutofit/>
+          </a:bodyPr>
+          <a:lstStyle>
+            <a:lvl1pPr algn="l">
+              <a:defRPr sz="6000" b="1" cap="all"/>
+            </a:lvl1pPr>
+          </a:lstStyle>
+          <a:p>
+            <a:r>
+              <a:rPr lang="en-US" dirty="0"/>
+              <a:t>Click to edit Master title style</a:t>
+            </a:r>
+          </a:p>
+        </p:txBody>
+      </p:sp>
+      <p:sp>
+        <p:nvSpPr>
+          <p:cNvPr id="3" name="Text Placeholder 2"/>
+          <p:cNvSpPr>
+            <a:spLocks noGrp="1"/>
+          </p:cNvSpPr>
+          <p:nvPr>
+            <p:ph type="body" idx="1"/>
+          </p:nvPr>
+        </p:nvSpPr>
+        <p:spPr>
+          <a:xfrm>
+            <a:off x="722313" y="2906713"/>
+            <a:ext cx="7772400" cy="1500187"/>
+          </a:xfrm>
+        </p:spPr>
+        <p:txBody>
           <a:bodyPr anchor="b"/>
           <a:lstStyle>
-            <a:lvl1pPr>
-              <a:defRPr sz="6000"/>
-            </a:lvl1pPr>
-          </a:lstStyle>
-          <a:p>
-            <a:r>
-              <a:rPr lang="en-US"/>
-              <a:t>Click to edit Master title style</a:t>
-            </a:r>
-            <a:endParaRPr lang="en-VN"/>
-          </a:p>
-        </p:txBody>
-      </p:sp>
-      <p:sp>
-        <p:nvSpPr>
-          <p:cNvPr id="3" name="Text Placeholder 2">
-            <a:extLst>
-              <a:ext uri="{FF2B5EF4-FFF2-40B4-BE49-F238E27FC236}">
-                <a16:creationId xmlns:a16="http://schemas.microsoft.com/office/drawing/2014/main" id="{44EFF0E8-6E41-3DB4-724B-42EB7CD1B140}"/>
-              </a:ext>
-            </a:extLst>
-          </p:cNvPr>
-          <p:cNvSpPr>
-            <a:spLocks noGrp="1"/>
-          </p:cNvSpPr>
-          <p:nvPr>
-            <p:ph type="body" idx="1"/>
-          </p:nvPr>
-        </p:nvSpPr>
-        <p:spPr>
-          <a:xfrm>
-            <a:off x="831850" y="4589463"/>
-            <a:ext cx="10515600" cy="1500187"/>
-          </a:xfrm>
-        </p:spPr>
-        <p:txBody>
-          <a:bodyPr/>
-          <a:lstStyle>
             <a:lvl1pPr marL="0" indent="0">
               <a:buNone/>
-              <a:defRPr sz="2400">
+              <a:defRPr sz="2000">
                 <a:solidFill>
                   <a:schemeClr val="tx1">
                     <a:tint val="75000"/>
@@ -2397,7 +1254,7 @@
             </a:lvl1pPr>
             <a:lvl2pPr marL="457200" indent="0">
               <a:buNone/>
-              <a:defRPr sz="2000">
+              <a:defRPr sz="1800">
                 <a:solidFill>
                   <a:schemeClr val="tx1">
                     <a:tint val="75000"/>
@@ -2407,7 +1264,7 @@
             </a:lvl2pPr>
             <a:lvl3pPr marL="914400" indent="0">
               <a:buNone/>
-              <a:defRPr sz="1800">
+              <a:defRPr sz="1600">
                 <a:solidFill>
                   <a:schemeClr val="tx1">
                     <a:tint val="75000"/>
@@ -2417,7 +1274,7 @@
             </a:lvl3pPr>
             <a:lvl4pPr marL="1371600" indent="0">
               <a:buNone/>
-              <a:defRPr sz="1600">
+              <a:defRPr sz="1400">
                 <a:solidFill>
                   <a:schemeClr val="tx1">
                     <a:tint val="75000"/>
@@ -2427,7 +1284,7 @@
             </a:lvl4pPr>
             <a:lvl5pPr marL="1828800" indent="0">
               <a:buNone/>
-              <a:defRPr sz="1600">
+              <a:defRPr sz="1400">
                 <a:solidFill>
                   <a:schemeClr val="tx1">
                     <a:tint val="75000"/>
@@ -2437,7 +1294,7 @@
             </a:lvl5pPr>
             <a:lvl6pPr marL="2286000" indent="0">
               <a:buNone/>
-              <a:defRPr sz="1600">
+              <a:defRPr sz="1400">
                 <a:solidFill>
                   <a:schemeClr val="tx1">
                     <a:tint val="75000"/>
@@ -2447,7 +1304,7 @@
             </a:lvl6pPr>
             <a:lvl7pPr marL="2743200" indent="0">
               <a:buNone/>
-              <a:defRPr sz="1600">
+              <a:defRPr sz="1400">
                 <a:solidFill>
                   <a:schemeClr val="tx1">
                     <a:tint val="75000"/>
@@ -2457,7 +1314,7 @@
             </a:lvl7pPr>
             <a:lvl8pPr marL="3200400" indent="0">
               <a:buNone/>
-              <a:defRPr sz="1600">
+              <a:defRPr sz="1400">
                 <a:solidFill>
                   <a:schemeClr val="tx1">
                     <a:tint val="75000"/>
@@ -2467,7 +1324,7 @@
             </a:lvl8pPr>
             <a:lvl9pPr marL="3657600" indent="0">
               <a:buNone/>
-              <a:defRPr sz="1600">
+              <a:defRPr sz="1400">
                 <a:solidFill>
                   <a:schemeClr val="tx1">
                     <a:tint val="75000"/>
@@ -2487,93 +1344,33 @@
       </p:sp>
       <p:sp>
         <p:nvSpPr>
-          <p:cNvPr id="4" name="Date Placeholder 3">
-            <a:extLst>
-              <a:ext uri="{FF2B5EF4-FFF2-40B4-BE49-F238E27FC236}">
-                <a16:creationId xmlns:a16="http://schemas.microsoft.com/office/drawing/2014/main" id="{649B0991-0433-528B-7D58-06183F549C38}"/>
-              </a:ext>
-            </a:extLst>
-          </p:cNvPr>
-          <p:cNvSpPr>
-            <a:spLocks noGrp="1"/>
-          </p:cNvSpPr>
-          <p:nvPr>
-            <p:ph type="dt" sz="half" idx="10"/>
+          <p:cNvPr id="6" name="Slide Number Placeholder 5"/>
+          <p:cNvSpPr>
+            <a:spLocks noGrp="1"/>
+          </p:cNvSpPr>
+          <p:nvPr>
+            <p:ph type="sldNum" sz="quarter" idx="12"/>
           </p:nvPr>
         </p:nvSpPr>
         <p:spPr/>
         <p:txBody>
           <a:bodyPr/>
-          <a:lstStyle/>
-          <a:p>
-            <a:fld id="{A99EE524-142D-D148-8FC1-FC703FF1171F}" type="datetimeFigureOut">
-              <a:rPr lang="en-VN" smtClean="0"/>
-              <a:t>23/01/2024</a:t>
-            </a:fld>
-            <a:endParaRPr lang="en-VN"/>
-          </a:p>
-        </p:txBody>
-      </p:sp>
-      <p:sp>
-        <p:nvSpPr>
-          <p:cNvPr id="5" name="Footer Placeholder 4">
-            <a:extLst>
-              <a:ext uri="{FF2B5EF4-FFF2-40B4-BE49-F238E27FC236}">
-                <a16:creationId xmlns:a16="http://schemas.microsoft.com/office/drawing/2014/main" id="{9FAE8B01-BA03-1F39-52DF-CAF30200009F}"/>
-              </a:ext>
-            </a:extLst>
-          </p:cNvPr>
-          <p:cNvSpPr>
-            <a:spLocks noGrp="1"/>
-          </p:cNvSpPr>
-          <p:nvPr>
-            <p:ph type="ftr" sz="quarter" idx="11"/>
-          </p:nvPr>
-        </p:nvSpPr>
-        <p:spPr/>
-        <p:txBody>
-          <a:bodyPr/>
-          <a:lstStyle/>
-          <a:p>
-            <a:endParaRPr lang="en-VN"/>
-          </a:p>
-        </p:txBody>
-      </p:sp>
-      <p:sp>
-        <p:nvSpPr>
-          <p:cNvPr id="6" name="Slide Number Placeholder 5">
-            <a:extLst>
-              <a:ext uri="{FF2B5EF4-FFF2-40B4-BE49-F238E27FC236}">
-                <a16:creationId xmlns:a16="http://schemas.microsoft.com/office/drawing/2014/main" id="{1EB73F95-E0B2-D539-C66B-DA3956C66478}"/>
-              </a:ext>
-            </a:extLst>
-          </p:cNvPr>
-          <p:cNvSpPr>
-            <a:spLocks noGrp="1"/>
-          </p:cNvSpPr>
-          <p:nvPr>
-            <p:ph type="sldNum" sz="quarter" idx="12"/>
-          </p:nvPr>
-        </p:nvSpPr>
-        <p:spPr/>
-        <p:txBody>
-          <a:bodyPr/>
-          <a:lstStyle/>
-          <a:p>
-            <a:fld id="{D76E8BD5-B94D-EC48-828C-6394FDAF64CD}" type="slidenum">
-              <a:rPr lang="en-VN" smtClean="0"/>
+          <a:lstStyle>
+            <a:lvl1pPr>
+              <a:defRPr/>
+            </a:lvl1pPr>
+          </a:lstStyle>
+          <a:p>
+            <a:fld id="{B6F15528-21DE-4FAA-801E-634DDDAF4B2B}" type="slidenum">
+              <a:rPr lang="en-US" smtClean="0"/>
+              <a:pPr/>
               <a:t>‹#›</a:t>
             </a:fld>
-            <a:endParaRPr lang="en-VN"/>
+            <a:endParaRPr lang="en-US" dirty="0"/>
           </a:p>
         </p:txBody>
       </p:sp>
     </p:spTree>
-    <p:extLst>
-      <p:ext uri="{BB962C8B-B14F-4D97-AF65-F5344CB8AC3E}">
-        <p14:creationId xmlns:p14="http://schemas.microsoft.com/office/powerpoint/2010/main" val="835480655"/>
-      </p:ext>
-    </p:extLst>
   </p:cSld>
   <p:clrMapOvr>
     <a:masterClrMapping/>
@@ -2600,13 +1397,7 @@
       </p:grpSpPr>
       <p:sp>
         <p:nvSpPr>
-          <p:cNvPr id="2" name="Title 1">
-            <a:extLst>
-              <a:ext uri="{FF2B5EF4-FFF2-40B4-BE49-F238E27FC236}">
-                <a16:creationId xmlns:a16="http://schemas.microsoft.com/office/drawing/2014/main" id="{C4FBBC8D-0594-90A9-CBDF-98770E5A011E}"/>
-              </a:ext>
-            </a:extLst>
-          </p:cNvPr>
+          <p:cNvPr id="2" name="Title 1"/>
           <p:cNvSpPr>
             <a:spLocks noGrp="1"/>
           </p:cNvSpPr>
@@ -2623,19 +1414,12 @@
               <a:rPr lang="en-US"/>
               <a:t>Click to edit Master title style</a:t>
             </a:r>
-            <a:endParaRPr lang="en-VN"/>
-          </a:p>
-        </p:txBody>
-      </p:sp>
-      <p:sp>
-        <p:nvSpPr>
-          <p:cNvPr id="3" name="Content Placeholder 2">
-            <a:extLst>
-              <a:ext uri="{FF2B5EF4-FFF2-40B4-BE49-F238E27FC236}">
-                <a16:creationId xmlns:a16="http://schemas.microsoft.com/office/drawing/2014/main" id="{C366411A-08D2-C827-5A9A-F8796829D2AB}"/>
-              </a:ext>
-            </a:extLst>
-          </p:cNvPr>
+          </a:p>
+        </p:txBody>
+      </p:sp>
+      <p:sp>
+        <p:nvSpPr>
+          <p:cNvPr id="3" name="Content Placeholder 2"/>
           <p:cNvSpPr>
             <a:spLocks noGrp="1"/>
           </p:cNvSpPr>
@@ -2645,13 +1429,41 @@
         </p:nvSpPr>
         <p:spPr>
           <a:xfrm>
-            <a:off x="838200" y="1825625"/>
-            <a:ext cx="5181600" cy="4351338"/>
+            <a:off x="5105400" y="3086100"/>
+            <a:ext cx="4038600" cy="4525963"/>
           </a:xfrm>
         </p:spPr>
         <p:txBody>
           <a:bodyPr/>
-          <a:lstStyle/>
+          <a:lstStyle>
+            <a:lvl1pPr>
+              <a:defRPr sz="2800"/>
+            </a:lvl1pPr>
+            <a:lvl2pPr>
+              <a:defRPr sz="2400"/>
+            </a:lvl2pPr>
+            <a:lvl3pPr>
+              <a:defRPr sz="2000"/>
+            </a:lvl3pPr>
+            <a:lvl4pPr>
+              <a:defRPr sz="1800"/>
+            </a:lvl4pPr>
+            <a:lvl5pPr>
+              <a:defRPr sz="1800"/>
+            </a:lvl5pPr>
+            <a:lvl6pPr>
+              <a:defRPr sz="1800"/>
+            </a:lvl6pPr>
+            <a:lvl7pPr>
+              <a:defRPr sz="1800"/>
+            </a:lvl7pPr>
+            <a:lvl8pPr>
+              <a:defRPr sz="1800"/>
+            </a:lvl8pPr>
+            <a:lvl9pPr>
+              <a:defRPr sz="1800"/>
+            </a:lvl9pPr>
+          </a:lstStyle>
           <a:p>
             <a:pPr lvl="0"/>
             <a:r>
@@ -2686,19 +1498,12 @@
               <a:rPr lang="en-US"/>
               <a:t>Fifth level</a:t>
             </a:r>
-            <a:endParaRPr lang="en-VN"/>
-          </a:p>
-        </p:txBody>
-      </p:sp>
-      <p:sp>
-        <p:nvSpPr>
-          <p:cNvPr id="4" name="Content Placeholder 3">
-            <a:extLst>
-              <a:ext uri="{FF2B5EF4-FFF2-40B4-BE49-F238E27FC236}">
-                <a16:creationId xmlns:a16="http://schemas.microsoft.com/office/drawing/2014/main" id="{8531CBE8-A964-EE76-372D-8971B57BDC89}"/>
-              </a:ext>
-            </a:extLst>
-          </p:cNvPr>
+          </a:p>
+        </p:txBody>
+      </p:sp>
+      <p:sp>
+        <p:nvSpPr>
+          <p:cNvPr id="4" name="Content Placeholder 3"/>
           <p:cNvSpPr>
             <a:spLocks noGrp="1"/>
           </p:cNvSpPr>
@@ -2708,13 +1513,41 @@
         </p:nvSpPr>
         <p:spPr>
           <a:xfrm>
-            <a:off x="6172200" y="1825625"/>
-            <a:ext cx="5181600" cy="4351338"/>
+            <a:off x="9296400" y="3086100"/>
+            <a:ext cx="4038600" cy="4525963"/>
           </a:xfrm>
         </p:spPr>
         <p:txBody>
           <a:bodyPr/>
-          <a:lstStyle/>
+          <a:lstStyle>
+            <a:lvl1pPr>
+              <a:defRPr sz="2800"/>
+            </a:lvl1pPr>
+            <a:lvl2pPr>
+              <a:defRPr sz="2400"/>
+            </a:lvl2pPr>
+            <a:lvl3pPr>
+              <a:defRPr sz="2000"/>
+            </a:lvl3pPr>
+            <a:lvl4pPr>
+              <a:defRPr sz="1800"/>
+            </a:lvl4pPr>
+            <a:lvl5pPr>
+              <a:defRPr sz="1800"/>
+            </a:lvl5pPr>
+            <a:lvl6pPr>
+              <a:defRPr sz="1800"/>
+            </a:lvl6pPr>
+            <a:lvl7pPr>
+              <a:defRPr sz="1800"/>
+            </a:lvl7pPr>
+            <a:lvl8pPr>
+              <a:defRPr sz="1800"/>
+            </a:lvl8pPr>
+            <a:lvl9pPr>
+              <a:defRPr sz="1800"/>
+            </a:lvl9pPr>
+          </a:lstStyle>
           <a:p>
             <a:pPr lvl="0"/>
             <a:r>
@@ -2749,24 +1582,17 @@
               <a:rPr lang="en-US"/>
               <a:t>Fifth level</a:t>
             </a:r>
-            <a:endParaRPr lang="en-VN"/>
-          </a:p>
-        </p:txBody>
-      </p:sp>
-      <p:sp>
-        <p:nvSpPr>
-          <p:cNvPr id="5" name="Date Placeholder 4">
-            <a:extLst>
-              <a:ext uri="{FF2B5EF4-FFF2-40B4-BE49-F238E27FC236}">
-                <a16:creationId xmlns:a16="http://schemas.microsoft.com/office/drawing/2014/main" id="{B7608BB1-0296-3320-C654-B81151246CC6}"/>
-              </a:ext>
-            </a:extLst>
-          </p:cNvPr>
-          <p:cNvSpPr>
-            <a:spLocks noGrp="1"/>
-          </p:cNvSpPr>
-          <p:nvPr>
-            <p:ph type="dt" sz="half" idx="10"/>
+          </a:p>
+        </p:txBody>
+      </p:sp>
+      <p:sp>
+        <p:nvSpPr>
+          <p:cNvPr id="7" name="Slide Number Placeholder 6"/>
+          <p:cNvSpPr>
+            <a:spLocks noGrp="1"/>
+          </p:cNvSpPr>
+          <p:nvPr>
+            <p:ph type="sldNum" sz="quarter" idx="12"/>
           </p:nvPr>
         </p:nvSpPr>
         <p:spPr/>
@@ -2774,74 +1600,16 @@
           <a:bodyPr/>
           <a:lstStyle/>
           <a:p>
-            <a:fld id="{A99EE524-142D-D148-8FC1-FC703FF1171F}" type="datetimeFigureOut">
-              <a:rPr lang="en-VN" smtClean="0"/>
-              <a:t>23/01/2024</a:t>
-            </a:fld>
-            <a:endParaRPr lang="en-VN"/>
-          </a:p>
-        </p:txBody>
-      </p:sp>
-      <p:sp>
-        <p:nvSpPr>
-          <p:cNvPr id="6" name="Footer Placeholder 5">
-            <a:extLst>
-              <a:ext uri="{FF2B5EF4-FFF2-40B4-BE49-F238E27FC236}">
-                <a16:creationId xmlns:a16="http://schemas.microsoft.com/office/drawing/2014/main" id="{3AA6888C-2207-25C8-BD48-9ABE1145D18A}"/>
-              </a:ext>
-            </a:extLst>
-          </p:cNvPr>
-          <p:cNvSpPr>
-            <a:spLocks noGrp="1"/>
-          </p:cNvSpPr>
-          <p:nvPr>
-            <p:ph type="ftr" sz="quarter" idx="11"/>
-          </p:nvPr>
-        </p:nvSpPr>
-        <p:spPr/>
-        <p:txBody>
-          <a:bodyPr/>
-          <a:lstStyle/>
-          <a:p>
-            <a:endParaRPr lang="en-VN"/>
-          </a:p>
-        </p:txBody>
-      </p:sp>
-      <p:sp>
-        <p:nvSpPr>
-          <p:cNvPr id="7" name="Slide Number Placeholder 6">
-            <a:extLst>
-              <a:ext uri="{FF2B5EF4-FFF2-40B4-BE49-F238E27FC236}">
-                <a16:creationId xmlns:a16="http://schemas.microsoft.com/office/drawing/2014/main" id="{4B057237-13AA-712B-8A68-0B6CADB7E240}"/>
-              </a:ext>
-            </a:extLst>
-          </p:cNvPr>
-          <p:cNvSpPr>
-            <a:spLocks noGrp="1"/>
-          </p:cNvSpPr>
-          <p:nvPr>
-            <p:ph type="sldNum" sz="quarter" idx="12"/>
-          </p:nvPr>
-        </p:nvSpPr>
-        <p:spPr/>
-        <p:txBody>
-          <a:bodyPr/>
-          <a:lstStyle/>
-          <a:p>
-            <a:fld id="{D76E8BD5-B94D-EC48-828C-6394FDAF64CD}" type="slidenum">
-              <a:rPr lang="en-VN" smtClean="0"/>
+            <a:fld id="{B6F15528-21DE-4FAA-801E-634DDDAF4B2B}" type="slidenum">
+              <a:rPr lang="en-US" smtClean="0"/>
+              <a:pPr/>
               <a:t>‹#›</a:t>
             </a:fld>
-            <a:endParaRPr lang="en-VN"/>
+            <a:endParaRPr lang="en-US"/>
           </a:p>
         </p:txBody>
       </p:sp>
     </p:spTree>
-    <p:extLst>
-      <p:ext uri="{BB962C8B-B14F-4D97-AF65-F5344CB8AC3E}">
-        <p14:creationId xmlns:p14="http://schemas.microsoft.com/office/powerpoint/2010/main" val="298899245"/>
-      </p:ext>
-    </p:extLst>
   </p:cSld>
   <p:clrMapOvr>
     <a:masterClrMapping/>
@@ -2868,58 +1636,44 @@
       </p:grpSpPr>
       <p:sp>
         <p:nvSpPr>
-          <p:cNvPr id="2" name="Title 1">
-            <a:extLst>
-              <a:ext uri="{FF2B5EF4-FFF2-40B4-BE49-F238E27FC236}">
-                <a16:creationId xmlns:a16="http://schemas.microsoft.com/office/drawing/2014/main" id="{105BBE6F-AC73-8583-EC97-565CC3D2D262}"/>
-              </a:ext>
-            </a:extLst>
-          </p:cNvPr>
+          <p:cNvPr id="2" name="Title 1"/>
           <p:cNvSpPr>
             <a:spLocks noGrp="1"/>
           </p:cNvSpPr>
           <p:nvPr>
             <p:ph type="title"/>
+          </p:nvPr>
+        </p:nvSpPr>
+        <p:spPr/>
+        <p:txBody>
+          <a:bodyPr/>
+          <a:lstStyle>
+            <a:lvl1pPr>
+              <a:defRPr/>
+            </a:lvl1pPr>
+          </a:lstStyle>
+          <a:p>
+            <a:r>
+              <a:rPr lang="en-US"/>
+              <a:t>Click to edit Master title style</a:t>
+            </a:r>
+          </a:p>
+        </p:txBody>
+      </p:sp>
+      <p:sp>
+        <p:nvSpPr>
+          <p:cNvPr id="3" name="Text Placeholder 2"/>
+          <p:cNvSpPr>
+            <a:spLocks noGrp="1"/>
+          </p:cNvSpPr>
+          <p:nvPr>
+            <p:ph type="body" idx="1"/>
           </p:nvPr>
         </p:nvSpPr>
         <p:spPr>
           <a:xfrm>
-            <a:off x="839788" y="365125"/>
-            <a:ext cx="10515600" cy="1325563"/>
-          </a:xfrm>
-        </p:spPr>
-        <p:txBody>
-          <a:bodyPr/>
-          <a:lstStyle/>
-          <a:p>
-            <a:r>
-              <a:rPr lang="en-US"/>
-              <a:t>Click to edit Master title style</a:t>
-            </a:r>
-            <a:endParaRPr lang="en-VN"/>
-          </a:p>
-        </p:txBody>
-      </p:sp>
-      <p:sp>
-        <p:nvSpPr>
-          <p:cNvPr id="3" name="Text Placeholder 2">
-            <a:extLst>
-              <a:ext uri="{FF2B5EF4-FFF2-40B4-BE49-F238E27FC236}">
-                <a16:creationId xmlns:a16="http://schemas.microsoft.com/office/drawing/2014/main" id="{5DAB1C2B-E504-D3FC-39FC-B10A0CBDE7ED}"/>
-              </a:ext>
-            </a:extLst>
-          </p:cNvPr>
-          <p:cNvSpPr>
-            <a:spLocks noGrp="1"/>
-          </p:cNvSpPr>
-          <p:nvPr>
-            <p:ph type="body" idx="1"/>
-          </p:nvPr>
-        </p:nvSpPr>
-        <p:spPr>
-          <a:xfrm>
-            <a:off x="839788" y="1681163"/>
-            <a:ext cx="5157787" cy="823912"/>
+            <a:off x="5103812" y="2705100"/>
+            <a:ext cx="4040188" cy="639762"/>
           </a:xfrm>
         </p:spPr>
         <p:txBody>
@@ -2973,13 +1727,7 @@
       </p:sp>
       <p:sp>
         <p:nvSpPr>
-          <p:cNvPr id="4" name="Content Placeholder 3">
-            <a:extLst>
-              <a:ext uri="{FF2B5EF4-FFF2-40B4-BE49-F238E27FC236}">
-                <a16:creationId xmlns:a16="http://schemas.microsoft.com/office/drawing/2014/main" id="{711F4E11-C08B-F5F9-37E1-1ABC069441CB}"/>
-              </a:ext>
-            </a:extLst>
-          </p:cNvPr>
+          <p:cNvPr id="4" name="Content Placeholder 3"/>
           <p:cNvSpPr>
             <a:spLocks noGrp="1"/>
           </p:cNvSpPr>
@@ -2989,13 +1737,41 @@
         </p:nvSpPr>
         <p:spPr>
           <a:xfrm>
-            <a:off x="839788" y="2505075"/>
-            <a:ext cx="5157787" cy="3684588"/>
+            <a:off x="5103812" y="3344862"/>
+            <a:ext cx="4040188" cy="3951288"/>
           </a:xfrm>
         </p:spPr>
         <p:txBody>
           <a:bodyPr/>
-          <a:lstStyle/>
+          <a:lstStyle>
+            <a:lvl1pPr>
+              <a:defRPr sz="2400"/>
+            </a:lvl1pPr>
+            <a:lvl2pPr>
+              <a:defRPr sz="2000"/>
+            </a:lvl2pPr>
+            <a:lvl3pPr>
+              <a:defRPr sz="1800"/>
+            </a:lvl3pPr>
+            <a:lvl4pPr>
+              <a:defRPr sz="1600"/>
+            </a:lvl4pPr>
+            <a:lvl5pPr>
+              <a:defRPr sz="1600"/>
+            </a:lvl5pPr>
+            <a:lvl6pPr>
+              <a:defRPr sz="1600"/>
+            </a:lvl6pPr>
+            <a:lvl7pPr>
+              <a:defRPr sz="1600"/>
+            </a:lvl7pPr>
+            <a:lvl8pPr>
+              <a:defRPr sz="1600"/>
+            </a:lvl8pPr>
+            <a:lvl9pPr>
+              <a:defRPr sz="1600"/>
+            </a:lvl9pPr>
+          </a:lstStyle>
           <a:p>
             <a:pPr lvl="0"/>
             <a:r>
@@ -3030,19 +1806,12 @@
               <a:rPr lang="en-US"/>
               <a:t>Fifth level</a:t>
             </a:r>
-            <a:endParaRPr lang="en-VN"/>
-          </a:p>
-        </p:txBody>
-      </p:sp>
-      <p:sp>
-        <p:nvSpPr>
-          <p:cNvPr id="5" name="Text Placeholder 4">
-            <a:extLst>
-              <a:ext uri="{FF2B5EF4-FFF2-40B4-BE49-F238E27FC236}">
-                <a16:creationId xmlns:a16="http://schemas.microsoft.com/office/drawing/2014/main" id="{6DF62190-1A4E-41D1-FDFE-7010FFF03B32}"/>
-              </a:ext>
-            </a:extLst>
-          </p:cNvPr>
+          </a:p>
+        </p:txBody>
+      </p:sp>
+      <p:sp>
+        <p:nvSpPr>
+          <p:cNvPr id="5" name="Text Placeholder 4"/>
           <p:cNvSpPr>
             <a:spLocks noGrp="1"/>
           </p:cNvSpPr>
@@ -3052,8 +1821,8 @@
         </p:nvSpPr>
         <p:spPr>
           <a:xfrm>
-            <a:off x="6172200" y="1681163"/>
-            <a:ext cx="5183188" cy="823912"/>
+            <a:off x="9291637" y="2705100"/>
+            <a:ext cx="4041775" cy="639762"/>
           </a:xfrm>
         </p:spPr>
         <p:txBody>
@@ -3107,13 +1876,7 @@
       </p:sp>
       <p:sp>
         <p:nvSpPr>
-          <p:cNvPr id="6" name="Content Placeholder 5">
-            <a:extLst>
-              <a:ext uri="{FF2B5EF4-FFF2-40B4-BE49-F238E27FC236}">
-                <a16:creationId xmlns:a16="http://schemas.microsoft.com/office/drawing/2014/main" id="{73575AA4-B3CF-AB3E-4925-0D530D911E83}"/>
-              </a:ext>
-            </a:extLst>
-          </p:cNvPr>
+          <p:cNvPr id="6" name="Content Placeholder 5"/>
           <p:cNvSpPr>
             <a:spLocks noGrp="1"/>
           </p:cNvSpPr>
@@ -3123,13 +1886,41 @@
         </p:nvSpPr>
         <p:spPr>
           <a:xfrm>
-            <a:off x="6172200" y="2505075"/>
-            <a:ext cx="5183188" cy="3684588"/>
+            <a:off x="9291637" y="3344862"/>
+            <a:ext cx="4041775" cy="3951288"/>
           </a:xfrm>
         </p:spPr>
         <p:txBody>
           <a:bodyPr/>
-          <a:lstStyle/>
+          <a:lstStyle>
+            <a:lvl1pPr>
+              <a:defRPr sz="2400"/>
+            </a:lvl1pPr>
+            <a:lvl2pPr>
+              <a:defRPr sz="2000"/>
+            </a:lvl2pPr>
+            <a:lvl3pPr>
+              <a:defRPr sz="1800"/>
+            </a:lvl3pPr>
+            <a:lvl4pPr>
+              <a:defRPr sz="1600"/>
+            </a:lvl4pPr>
+            <a:lvl5pPr>
+              <a:defRPr sz="1600"/>
+            </a:lvl5pPr>
+            <a:lvl6pPr>
+              <a:defRPr sz="1600"/>
+            </a:lvl6pPr>
+            <a:lvl7pPr>
+              <a:defRPr sz="1600"/>
+            </a:lvl7pPr>
+            <a:lvl8pPr>
+              <a:defRPr sz="1600"/>
+            </a:lvl8pPr>
+            <a:lvl9pPr>
+              <a:defRPr sz="1600"/>
+            </a:lvl9pPr>
+          </a:lstStyle>
           <a:p>
             <a:pPr lvl="0"/>
             <a:r>
@@ -3164,24 +1955,17 @@
               <a:rPr lang="en-US"/>
               <a:t>Fifth level</a:t>
             </a:r>
-            <a:endParaRPr lang="en-VN"/>
-          </a:p>
-        </p:txBody>
-      </p:sp>
-      <p:sp>
-        <p:nvSpPr>
-          <p:cNvPr id="7" name="Date Placeholder 6">
-            <a:extLst>
-              <a:ext uri="{FF2B5EF4-FFF2-40B4-BE49-F238E27FC236}">
-                <a16:creationId xmlns:a16="http://schemas.microsoft.com/office/drawing/2014/main" id="{8E73F893-CBCC-2ABB-34C7-15744C74D8C6}"/>
-              </a:ext>
-            </a:extLst>
-          </p:cNvPr>
-          <p:cNvSpPr>
-            <a:spLocks noGrp="1"/>
-          </p:cNvSpPr>
-          <p:nvPr>
-            <p:ph type="dt" sz="half" idx="10"/>
+          </a:p>
+        </p:txBody>
+      </p:sp>
+      <p:sp>
+        <p:nvSpPr>
+          <p:cNvPr id="9" name="Slide Number Placeholder 8"/>
+          <p:cNvSpPr>
+            <a:spLocks noGrp="1"/>
+          </p:cNvSpPr>
+          <p:nvPr>
+            <p:ph type="sldNum" sz="quarter" idx="12"/>
           </p:nvPr>
         </p:nvSpPr>
         <p:spPr/>
@@ -3189,74 +1973,16 @@
           <a:bodyPr/>
           <a:lstStyle/>
           <a:p>
-            <a:fld id="{A99EE524-142D-D148-8FC1-FC703FF1171F}" type="datetimeFigureOut">
-              <a:rPr lang="en-VN" smtClean="0"/>
-              <a:t>23/01/2024</a:t>
-            </a:fld>
-            <a:endParaRPr lang="en-VN"/>
-          </a:p>
-        </p:txBody>
-      </p:sp>
-      <p:sp>
-        <p:nvSpPr>
-          <p:cNvPr id="8" name="Footer Placeholder 7">
-            <a:extLst>
-              <a:ext uri="{FF2B5EF4-FFF2-40B4-BE49-F238E27FC236}">
-                <a16:creationId xmlns:a16="http://schemas.microsoft.com/office/drawing/2014/main" id="{218A39BB-ADAD-CD30-C49C-515FCAAC4A44}"/>
-              </a:ext>
-            </a:extLst>
-          </p:cNvPr>
-          <p:cNvSpPr>
-            <a:spLocks noGrp="1"/>
-          </p:cNvSpPr>
-          <p:nvPr>
-            <p:ph type="ftr" sz="quarter" idx="11"/>
-          </p:nvPr>
-        </p:nvSpPr>
-        <p:spPr/>
-        <p:txBody>
-          <a:bodyPr/>
-          <a:lstStyle/>
-          <a:p>
-            <a:endParaRPr lang="en-VN"/>
-          </a:p>
-        </p:txBody>
-      </p:sp>
-      <p:sp>
-        <p:nvSpPr>
-          <p:cNvPr id="9" name="Slide Number Placeholder 8">
-            <a:extLst>
-              <a:ext uri="{FF2B5EF4-FFF2-40B4-BE49-F238E27FC236}">
-                <a16:creationId xmlns:a16="http://schemas.microsoft.com/office/drawing/2014/main" id="{76180EC9-42EF-02BF-2D6E-03E6CA90A5C4}"/>
-              </a:ext>
-            </a:extLst>
-          </p:cNvPr>
-          <p:cNvSpPr>
-            <a:spLocks noGrp="1"/>
-          </p:cNvSpPr>
-          <p:nvPr>
-            <p:ph type="sldNum" sz="quarter" idx="12"/>
-          </p:nvPr>
-        </p:nvSpPr>
-        <p:spPr/>
-        <p:txBody>
-          <a:bodyPr/>
-          <a:lstStyle/>
-          <a:p>
-            <a:fld id="{D76E8BD5-B94D-EC48-828C-6394FDAF64CD}" type="slidenum">
-              <a:rPr lang="en-VN" smtClean="0"/>
+            <a:fld id="{B6F15528-21DE-4FAA-801E-634DDDAF4B2B}" type="slidenum">
+              <a:rPr lang="en-US" smtClean="0"/>
+              <a:pPr/>
               <a:t>‹#›</a:t>
             </a:fld>
-            <a:endParaRPr lang="en-VN"/>
+            <a:endParaRPr lang="en-US"/>
           </a:p>
         </p:txBody>
       </p:sp>
     </p:spTree>
-    <p:extLst>
-      <p:ext uri="{BB962C8B-B14F-4D97-AF65-F5344CB8AC3E}">
-        <p14:creationId xmlns:p14="http://schemas.microsoft.com/office/powerpoint/2010/main" val="4105940468"/>
-      </p:ext>
-    </p:extLst>
   </p:cSld>
   <p:clrMapOvr>
     <a:masterClrMapping/>
@@ -3283,13 +2009,7 @@
       </p:grpSpPr>
       <p:sp>
         <p:nvSpPr>
-          <p:cNvPr id="2" name="Title 1">
-            <a:extLst>
-              <a:ext uri="{FF2B5EF4-FFF2-40B4-BE49-F238E27FC236}">
-                <a16:creationId xmlns:a16="http://schemas.microsoft.com/office/drawing/2014/main" id="{58C69179-D2FA-5581-1E8F-448CD9C3A9DC}"/>
-              </a:ext>
-            </a:extLst>
-          </p:cNvPr>
+          <p:cNvPr id="2" name="Title 1"/>
           <p:cNvSpPr>
             <a:spLocks noGrp="1"/>
           </p:cNvSpPr>
@@ -3306,24 +2026,17 @@
               <a:rPr lang="en-US"/>
               <a:t>Click to edit Master title style</a:t>
             </a:r>
-            <a:endParaRPr lang="en-VN"/>
-          </a:p>
-        </p:txBody>
-      </p:sp>
-      <p:sp>
-        <p:nvSpPr>
-          <p:cNvPr id="3" name="Date Placeholder 2">
-            <a:extLst>
-              <a:ext uri="{FF2B5EF4-FFF2-40B4-BE49-F238E27FC236}">
-                <a16:creationId xmlns:a16="http://schemas.microsoft.com/office/drawing/2014/main" id="{D8505F4B-51A0-A2EE-F3AB-B3FECE576EB8}"/>
-              </a:ext>
-            </a:extLst>
-          </p:cNvPr>
-          <p:cNvSpPr>
-            <a:spLocks noGrp="1"/>
-          </p:cNvSpPr>
-          <p:nvPr>
-            <p:ph type="dt" sz="half" idx="10"/>
+          </a:p>
+        </p:txBody>
+      </p:sp>
+      <p:sp>
+        <p:nvSpPr>
+          <p:cNvPr id="5" name="Slide Number Placeholder 4"/>
+          <p:cNvSpPr>
+            <a:spLocks noGrp="1"/>
+          </p:cNvSpPr>
+          <p:nvPr>
+            <p:ph type="sldNum" sz="quarter" idx="12"/>
           </p:nvPr>
         </p:nvSpPr>
         <p:spPr/>
@@ -3331,74 +2044,16 @@
           <a:bodyPr/>
           <a:lstStyle/>
           <a:p>
-            <a:fld id="{A99EE524-142D-D148-8FC1-FC703FF1171F}" type="datetimeFigureOut">
-              <a:rPr lang="en-VN" smtClean="0"/>
-              <a:t>23/01/2024</a:t>
-            </a:fld>
-            <a:endParaRPr lang="en-VN"/>
-          </a:p>
-        </p:txBody>
-      </p:sp>
-      <p:sp>
-        <p:nvSpPr>
-          <p:cNvPr id="4" name="Footer Placeholder 3">
-            <a:extLst>
-              <a:ext uri="{FF2B5EF4-FFF2-40B4-BE49-F238E27FC236}">
-                <a16:creationId xmlns:a16="http://schemas.microsoft.com/office/drawing/2014/main" id="{7A97791D-99D0-B14B-37B2-67B5EEE3FDB0}"/>
-              </a:ext>
-            </a:extLst>
-          </p:cNvPr>
-          <p:cNvSpPr>
-            <a:spLocks noGrp="1"/>
-          </p:cNvSpPr>
-          <p:nvPr>
-            <p:ph type="ftr" sz="quarter" idx="11"/>
-          </p:nvPr>
-        </p:nvSpPr>
-        <p:spPr/>
-        <p:txBody>
-          <a:bodyPr/>
-          <a:lstStyle/>
-          <a:p>
-            <a:endParaRPr lang="en-VN"/>
-          </a:p>
-        </p:txBody>
-      </p:sp>
-      <p:sp>
-        <p:nvSpPr>
-          <p:cNvPr id="5" name="Slide Number Placeholder 4">
-            <a:extLst>
-              <a:ext uri="{FF2B5EF4-FFF2-40B4-BE49-F238E27FC236}">
-                <a16:creationId xmlns:a16="http://schemas.microsoft.com/office/drawing/2014/main" id="{861AA92C-D45D-5D52-B99C-D43DB0792D2D}"/>
-              </a:ext>
-            </a:extLst>
-          </p:cNvPr>
-          <p:cNvSpPr>
-            <a:spLocks noGrp="1"/>
-          </p:cNvSpPr>
-          <p:nvPr>
-            <p:ph type="sldNum" sz="quarter" idx="12"/>
-          </p:nvPr>
-        </p:nvSpPr>
-        <p:spPr/>
-        <p:txBody>
-          <a:bodyPr/>
-          <a:lstStyle/>
-          <a:p>
-            <a:fld id="{D76E8BD5-B94D-EC48-828C-6394FDAF64CD}" type="slidenum">
-              <a:rPr lang="en-VN" smtClean="0"/>
+            <a:fld id="{B6F15528-21DE-4FAA-801E-634DDDAF4B2B}" type="slidenum">
+              <a:rPr lang="en-US" smtClean="0"/>
+              <a:pPr/>
               <a:t>‹#›</a:t>
             </a:fld>
-            <a:endParaRPr lang="en-VN"/>
+            <a:endParaRPr lang="en-US"/>
           </a:p>
         </p:txBody>
       </p:sp>
     </p:spTree>
-    <p:extLst>
-      <p:ext uri="{BB962C8B-B14F-4D97-AF65-F5344CB8AC3E}">
-        <p14:creationId xmlns:p14="http://schemas.microsoft.com/office/powerpoint/2010/main" val="1770296202"/>
-      </p:ext>
-    </p:extLst>
   </p:cSld>
   <p:clrMapOvr>
     <a:masterClrMapping/>
@@ -3425,18 +2080,12 @@
       </p:grpSpPr>
       <p:sp>
         <p:nvSpPr>
-          <p:cNvPr id="2" name="Date Placeholder 1">
-            <a:extLst>
-              <a:ext uri="{FF2B5EF4-FFF2-40B4-BE49-F238E27FC236}">
-                <a16:creationId xmlns:a16="http://schemas.microsoft.com/office/drawing/2014/main" id="{9C114F66-B14B-349F-E308-3B237945A418}"/>
-              </a:ext>
-            </a:extLst>
-          </p:cNvPr>
-          <p:cNvSpPr>
-            <a:spLocks noGrp="1"/>
-          </p:cNvSpPr>
-          <p:nvPr>
-            <p:ph type="dt" sz="half" idx="10"/>
+          <p:cNvPr id="4" name="Slide Number Placeholder 3"/>
+          <p:cNvSpPr>
+            <a:spLocks noGrp="1"/>
+          </p:cNvSpPr>
+          <p:nvPr>
+            <p:ph type="sldNum" sz="quarter" idx="12"/>
           </p:nvPr>
         </p:nvSpPr>
         <p:spPr/>
@@ -3444,74 +2093,16 @@
           <a:bodyPr/>
           <a:lstStyle/>
           <a:p>
-            <a:fld id="{A99EE524-142D-D148-8FC1-FC703FF1171F}" type="datetimeFigureOut">
-              <a:rPr lang="en-VN" smtClean="0"/>
-              <a:t>23/01/2024</a:t>
-            </a:fld>
-            <a:endParaRPr lang="en-VN"/>
-          </a:p>
-        </p:txBody>
-      </p:sp>
-      <p:sp>
-        <p:nvSpPr>
-          <p:cNvPr id="3" name="Footer Placeholder 2">
-            <a:extLst>
-              <a:ext uri="{FF2B5EF4-FFF2-40B4-BE49-F238E27FC236}">
-                <a16:creationId xmlns:a16="http://schemas.microsoft.com/office/drawing/2014/main" id="{2AE77E9E-7556-A129-797A-7808A2DDBFF5}"/>
-              </a:ext>
-            </a:extLst>
-          </p:cNvPr>
-          <p:cNvSpPr>
-            <a:spLocks noGrp="1"/>
-          </p:cNvSpPr>
-          <p:nvPr>
-            <p:ph type="ftr" sz="quarter" idx="11"/>
-          </p:nvPr>
-        </p:nvSpPr>
-        <p:spPr/>
-        <p:txBody>
-          <a:bodyPr/>
-          <a:lstStyle/>
-          <a:p>
-            <a:endParaRPr lang="en-VN"/>
-          </a:p>
-        </p:txBody>
-      </p:sp>
-      <p:sp>
-        <p:nvSpPr>
-          <p:cNvPr id="4" name="Slide Number Placeholder 3">
-            <a:extLst>
-              <a:ext uri="{FF2B5EF4-FFF2-40B4-BE49-F238E27FC236}">
-                <a16:creationId xmlns:a16="http://schemas.microsoft.com/office/drawing/2014/main" id="{ECFE9209-1658-46DE-B806-06CB0858CDA0}"/>
-              </a:ext>
-            </a:extLst>
-          </p:cNvPr>
-          <p:cNvSpPr>
-            <a:spLocks noGrp="1"/>
-          </p:cNvSpPr>
-          <p:nvPr>
-            <p:ph type="sldNum" sz="quarter" idx="12"/>
-          </p:nvPr>
-        </p:nvSpPr>
-        <p:spPr/>
-        <p:txBody>
-          <a:bodyPr/>
-          <a:lstStyle/>
-          <a:p>
-            <a:fld id="{D76E8BD5-B94D-EC48-828C-6394FDAF64CD}" type="slidenum">
-              <a:rPr lang="en-VN" smtClean="0"/>
+            <a:fld id="{B6F15528-21DE-4FAA-801E-634DDDAF4B2B}" type="slidenum">
+              <a:rPr lang="en-US" smtClean="0"/>
+              <a:pPr/>
               <a:t>‹#›</a:t>
             </a:fld>
-            <a:endParaRPr lang="en-VN"/>
+            <a:endParaRPr lang="en-US"/>
           </a:p>
         </p:txBody>
       </p:sp>
     </p:spTree>
-    <p:extLst>
-      <p:ext uri="{BB962C8B-B14F-4D97-AF65-F5344CB8AC3E}">
-        <p14:creationId xmlns:p14="http://schemas.microsoft.com/office/powerpoint/2010/main" val="4110205802"/>
-      </p:ext>
-    </p:extLst>
   </p:cSld>
   <p:clrMapOvr>
     <a:masterClrMapping/>
@@ -3538,13 +2129,7 @@
       </p:grpSpPr>
       <p:sp>
         <p:nvSpPr>
-          <p:cNvPr id="2" name="Title 1">
-            <a:extLst>
-              <a:ext uri="{FF2B5EF4-FFF2-40B4-BE49-F238E27FC236}">
-                <a16:creationId xmlns:a16="http://schemas.microsoft.com/office/drawing/2014/main" id="{212DD5F7-0E9B-DE10-2572-CB171DA344D0}"/>
-              </a:ext>
-            </a:extLst>
-          </p:cNvPr>
+          <p:cNvPr id="2" name="Title 1"/>
           <p:cNvSpPr>
             <a:spLocks noGrp="1"/>
           </p:cNvSpPr>
@@ -3554,35 +2139,30 @@
         </p:nvSpPr>
         <p:spPr>
           <a:xfrm>
-            <a:off x="839788" y="457200"/>
-            <a:ext cx="3932237" cy="1600200"/>
+            <a:off x="914399" y="495300"/>
+            <a:ext cx="5072743" cy="2228850"/>
           </a:xfrm>
         </p:spPr>
         <p:txBody>
-          <a:bodyPr anchor="b"/>
+          <a:bodyPr anchor="b">
+            <a:normAutofit/>
+          </a:bodyPr>
           <a:lstStyle>
-            <a:lvl1pPr>
-              <a:defRPr sz="3200"/>
+            <a:lvl1pPr algn="l">
+              <a:defRPr sz="5000" b="1"/>
             </a:lvl1pPr>
           </a:lstStyle>
           <a:p>
             <a:r>
-              <a:rPr lang="en-US"/>
+              <a:rPr lang="en-US" dirty="0"/>
               <a:t>Click to edit Master title style</a:t>
             </a:r>
-            <a:endParaRPr lang="en-VN"/>
-          </a:p>
-        </p:txBody>
-      </p:sp>
-      <p:sp>
-        <p:nvSpPr>
-          <p:cNvPr id="3" name="Content Placeholder 2">
-            <a:extLst>
-              <a:ext uri="{FF2B5EF4-FFF2-40B4-BE49-F238E27FC236}">
-                <a16:creationId xmlns:a16="http://schemas.microsoft.com/office/drawing/2014/main" id="{25BFF782-D20E-5DD7-A19A-14653329A2F5}"/>
-              </a:ext>
-            </a:extLst>
-          </p:cNvPr>
+          </a:p>
+        </p:txBody>
+      </p:sp>
+      <p:sp>
+        <p:nvSpPr>
+          <p:cNvPr id="3" name="Content Placeholder 2"/>
           <p:cNvSpPr>
             <a:spLocks noGrp="1"/>
           </p:cNvSpPr>
@@ -3592,27 +2172,29 @@
         </p:nvSpPr>
         <p:spPr>
           <a:xfrm>
-            <a:off x="5183188" y="987425"/>
-            <a:ext cx="6172200" cy="4873625"/>
+            <a:off x="6019800" y="495300"/>
+            <a:ext cx="12192000" cy="8686800"/>
           </a:xfrm>
         </p:spPr>
         <p:txBody>
-          <a:bodyPr/>
+          <a:bodyPr>
+            <a:normAutofit/>
+          </a:bodyPr>
           <a:lstStyle>
             <a:lvl1pPr>
               <a:defRPr sz="3200"/>
             </a:lvl1pPr>
             <a:lvl2pPr>
-              <a:defRPr sz="2800"/>
+              <a:defRPr sz="3200"/>
             </a:lvl2pPr>
             <a:lvl3pPr>
-              <a:defRPr sz="2400"/>
+              <a:defRPr sz="3200"/>
             </a:lvl3pPr>
             <a:lvl4pPr>
-              <a:defRPr sz="2000"/>
+              <a:defRPr sz="3200"/>
             </a:lvl4pPr>
             <a:lvl5pPr>
-              <a:defRPr sz="2000"/>
+              <a:defRPr sz="3200"/>
             </a:lvl5pPr>
             <a:lvl6pPr>
               <a:defRPr sz="2000"/>
@@ -3630,50 +2212,43 @@
           <a:p>
             <a:pPr lvl="0"/>
             <a:r>
-              <a:rPr lang="en-US"/>
+              <a:rPr lang="en-US" dirty="0"/>
               <a:t>Click to edit Master text styles</a:t>
             </a:r>
           </a:p>
           <a:p>
             <a:pPr lvl="1"/>
             <a:r>
-              <a:rPr lang="en-US"/>
+              <a:rPr lang="en-US" dirty="0"/>
               <a:t>Second level</a:t>
             </a:r>
           </a:p>
           <a:p>
             <a:pPr lvl="2"/>
             <a:r>
-              <a:rPr lang="en-US"/>
+              <a:rPr lang="en-US" dirty="0"/>
               <a:t>Third level</a:t>
             </a:r>
           </a:p>
           <a:p>
             <a:pPr lvl="3"/>
             <a:r>
-              <a:rPr lang="en-US"/>
+              <a:rPr lang="en-US" dirty="0"/>
               <a:t>Fourth level</a:t>
             </a:r>
           </a:p>
           <a:p>
             <a:pPr lvl="4"/>
             <a:r>
-              <a:rPr lang="en-US"/>
+              <a:rPr lang="en-US" dirty="0"/>
               <a:t>Fifth level</a:t>
             </a:r>
-            <a:endParaRPr lang="en-VN"/>
-          </a:p>
-        </p:txBody>
-      </p:sp>
-      <p:sp>
-        <p:nvSpPr>
-          <p:cNvPr id="4" name="Text Placeholder 3">
-            <a:extLst>
-              <a:ext uri="{FF2B5EF4-FFF2-40B4-BE49-F238E27FC236}">
-                <a16:creationId xmlns:a16="http://schemas.microsoft.com/office/drawing/2014/main" id="{4A30BAA5-6307-4A89-3789-8A6BD3E4F0BB}"/>
-              </a:ext>
-            </a:extLst>
-          </p:cNvPr>
+          </a:p>
+        </p:txBody>
+      </p:sp>
+      <p:sp>
+        <p:nvSpPr>
+          <p:cNvPr id="4" name="Text Placeholder 3"/>
           <p:cNvSpPr>
             <a:spLocks noGrp="1"/>
           </p:cNvSpPr>
@@ -3683,54 +2258,56 @@
         </p:nvSpPr>
         <p:spPr>
           <a:xfrm>
-            <a:off x="839788" y="2057400"/>
-            <a:ext cx="3932237" cy="3811588"/>
+            <a:off x="914399" y="2748643"/>
+            <a:ext cx="5072743" cy="6457950"/>
           </a:xfrm>
         </p:spPr>
         <p:txBody>
-          <a:bodyPr/>
+          <a:bodyPr>
+            <a:normAutofit/>
+          </a:bodyPr>
           <a:lstStyle>
             <a:lvl1pPr marL="0" indent="0">
               <a:buNone/>
-              <a:defRPr sz="1600"/>
+              <a:defRPr sz="3200"/>
             </a:lvl1pPr>
             <a:lvl2pPr marL="457200" indent="0">
               <a:buNone/>
-              <a:defRPr sz="1400"/>
+              <a:defRPr sz="1200"/>
             </a:lvl2pPr>
             <a:lvl3pPr marL="914400" indent="0">
               <a:buNone/>
-              <a:defRPr sz="1200"/>
+              <a:defRPr sz="1000"/>
             </a:lvl3pPr>
             <a:lvl4pPr marL="1371600" indent="0">
               <a:buNone/>
-              <a:defRPr sz="1000"/>
+              <a:defRPr sz="900"/>
             </a:lvl4pPr>
             <a:lvl5pPr marL="1828800" indent="0">
               <a:buNone/>
-              <a:defRPr sz="1000"/>
+              <a:defRPr sz="900"/>
             </a:lvl5pPr>
             <a:lvl6pPr marL="2286000" indent="0">
               <a:buNone/>
-              <a:defRPr sz="1000"/>
+              <a:defRPr sz="900"/>
             </a:lvl6pPr>
             <a:lvl7pPr marL="2743200" indent="0">
               <a:buNone/>
-              <a:defRPr sz="1000"/>
+              <a:defRPr sz="900"/>
             </a:lvl7pPr>
             <a:lvl8pPr marL="3200400" indent="0">
               <a:buNone/>
-              <a:defRPr sz="1000"/>
+              <a:defRPr sz="900"/>
             </a:lvl8pPr>
             <a:lvl9pPr marL="3657600" indent="0">
               <a:buNone/>
-              <a:defRPr sz="1000"/>
+              <a:defRPr sz="900"/>
             </a:lvl9pPr>
           </a:lstStyle>
           <a:p>
             <a:pPr lvl="0"/>
             <a:r>
-              <a:rPr lang="en-US"/>
+              <a:rPr lang="en-US" dirty="0"/>
               <a:t>Click to edit Master text styles</a:t>
             </a:r>
           </a:p>
@@ -3738,18 +2315,12 @@
       </p:sp>
       <p:sp>
         <p:nvSpPr>
-          <p:cNvPr id="5" name="Date Placeholder 4">
-            <a:extLst>
-              <a:ext uri="{FF2B5EF4-FFF2-40B4-BE49-F238E27FC236}">
-                <a16:creationId xmlns:a16="http://schemas.microsoft.com/office/drawing/2014/main" id="{D1B5997D-CB1D-9395-3E34-0A44C104122A}"/>
-              </a:ext>
-            </a:extLst>
-          </p:cNvPr>
-          <p:cNvSpPr>
-            <a:spLocks noGrp="1"/>
-          </p:cNvSpPr>
-          <p:nvPr>
-            <p:ph type="dt" sz="half" idx="10"/>
+          <p:cNvPr id="7" name="Slide Number Placeholder 6"/>
+          <p:cNvSpPr>
+            <a:spLocks noGrp="1"/>
+          </p:cNvSpPr>
+          <p:nvPr>
+            <p:ph type="sldNum" sz="quarter" idx="12"/>
           </p:nvPr>
         </p:nvSpPr>
         <p:spPr/>
@@ -3757,74 +2328,16 @@
           <a:bodyPr/>
           <a:lstStyle/>
           <a:p>
-            <a:fld id="{A99EE524-142D-D148-8FC1-FC703FF1171F}" type="datetimeFigureOut">
-              <a:rPr lang="en-VN" smtClean="0"/>
-              <a:t>23/01/2024</a:t>
-            </a:fld>
-            <a:endParaRPr lang="en-VN"/>
-          </a:p>
-        </p:txBody>
-      </p:sp>
-      <p:sp>
-        <p:nvSpPr>
-          <p:cNvPr id="6" name="Footer Placeholder 5">
-            <a:extLst>
-              <a:ext uri="{FF2B5EF4-FFF2-40B4-BE49-F238E27FC236}">
-                <a16:creationId xmlns:a16="http://schemas.microsoft.com/office/drawing/2014/main" id="{EA8B61DC-4918-EAEA-FA27-8CBA91A0A8B3}"/>
-              </a:ext>
-            </a:extLst>
-          </p:cNvPr>
-          <p:cNvSpPr>
-            <a:spLocks noGrp="1"/>
-          </p:cNvSpPr>
-          <p:nvPr>
-            <p:ph type="ftr" sz="quarter" idx="11"/>
-          </p:nvPr>
-        </p:nvSpPr>
-        <p:spPr/>
-        <p:txBody>
-          <a:bodyPr/>
-          <a:lstStyle/>
-          <a:p>
-            <a:endParaRPr lang="en-VN"/>
-          </a:p>
-        </p:txBody>
-      </p:sp>
-      <p:sp>
-        <p:nvSpPr>
-          <p:cNvPr id="7" name="Slide Number Placeholder 6">
-            <a:extLst>
-              <a:ext uri="{FF2B5EF4-FFF2-40B4-BE49-F238E27FC236}">
-                <a16:creationId xmlns:a16="http://schemas.microsoft.com/office/drawing/2014/main" id="{779809A5-1D97-1648-04A2-C0800E4034DF}"/>
-              </a:ext>
-            </a:extLst>
-          </p:cNvPr>
-          <p:cNvSpPr>
-            <a:spLocks noGrp="1"/>
-          </p:cNvSpPr>
-          <p:nvPr>
-            <p:ph type="sldNum" sz="quarter" idx="12"/>
-          </p:nvPr>
-        </p:nvSpPr>
-        <p:spPr/>
-        <p:txBody>
-          <a:bodyPr/>
-          <a:lstStyle/>
-          <a:p>
-            <a:fld id="{D76E8BD5-B94D-EC48-828C-6394FDAF64CD}" type="slidenum">
-              <a:rPr lang="en-VN" smtClean="0"/>
+            <a:fld id="{B6F15528-21DE-4FAA-801E-634DDDAF4B2B}" type="slidenum">
+              <a:rPr lang="en-US" smtClean="0"/>
+              <a:pPr/>
               <a:t>‹#›</a:t>
             </a:fld>
-            <a:endParaRPr lang="en-VN"/>
+            <a:endParaRPr lang="en-US"/>
           </a:p>
         </p:txBody>
       </p:sp>
     </p:spTree>
-    <p:extLst>
-      <p:ext uri="{BB962C8B-B14F-4D97-AF65-F5344CB8AC3E}">
-        <p14:creationId xmlns:p14="http://schemas.microsoft.com/office/powerpoint/2010/main" val="767247638"/>
-      </p:ext>
-    </p:extLst>
   </p:cSld>
   <p:clrMapOvr>
     <a:masterClrMapping/>
@@ -3851,13 +2364,7 @@
       </p:grpSpPr>
       <p:sp>
         <p:nvSpPr>
-          <p:cNvPr id="2" name="Title 1">
-            <a:extLst>
-              <a:ext uri="{FF2B5EF4-FFF2-40B4-BE49-F238E27FC236}">
-                <a16:creationId xmlns:a16="http://schemas.microsoft.com/office/drawing/2014/main" id="{BC6F86C3-DA7E-BA49-5241-8698E6BE3A85}"/>
-              </a:ext>
-            </a:extLst>
-          </p:cNvPr>
+          <p:cNvPr id="2" name="Title 1"/>
           <p:cNvSpPr>
             <a:spLocks noGrp="1"/>
           </p:cNvSpPr>
@@ -3867,15 +2374,15 @@
         </p:nvSpPr>
         <p:spPr>
           <a:xfrm>
-            <a:off x="839788" y="457200"/>
-            <a:ext cx="3932237" cy="1600200"/>
+            <a:off x="1792288" y="4800600"/>
+            <a:ext cx="5486400" cy="566738"/>
           </a:xfrm>
         </p:spPr>
         <p:txBody>
           <a:bodyPr anchor="b"/>
           <a:lstStyle>
-            <a:lvl1pPr>
-              <a:defRPr sz="3200"/>
+            <a:lvl1pPr algn="l">
+              <a:defRPr sz="2000" b="1"/>
             </a:lvl1pPr>
           </a:lstStyle>
           <a:p>
@@ -3883,19 +2390,12 @@
               <a:rPr lang="en-US"/>
               <a:t>Click to edit Master title style</a:t>
             </a:r>
-            <a:endParaRPr lang="en-VN"/>
-          </a:p>
-        </p:txBody>
-      </p:sp>
-      <p:sp>
-        <p:nvSpPr>
-          <p:cNvPr id="3" name="Picture Placeholder 2">
-            <a:extLst>
-              <a:ext uri="{FF2B5EF4-FFF2-40B4-BE49-F238E27FC236}">
-                <a16:creationId xmlns:a16="http://schemas.microsoft.com/office/drawing/2014/main" id="{616C5DCF-EE36-32E1-00AF-9AD81B668715}"/>
-              </a:ext>
-            </a:extLst>
-          </p:cNvPr>
+          </a:p>
+        </p:txBody>
+      </p:sp>
+      <p:sp>
+        <p:nvSpPr>
+          <p:cNvPr id="3" name="Picture Placeholder 2"/>
           <p:cNvSpPr>
             <a:spLocks noGrp="1"/>
           </p:cNvSpPr>
@@ -3905,8 +2405,8 @@
         </p:nvSpPr>
         <p:spPr>
           <a:xfrm>
-            <a:off x="5183188" y="987425"/>
-            <a:ext cx="6172200" cy="4873625"/>
+            <a:off x="1792288" y="612775"/>
+            <a:ext cx="5486400" cy="4114800"/>
           </a:xfrm>
         </p:spPr>
         <p:txBody>
@@ -3950,19 +2450,13 @@
             </a:lvl9pPr>
           </a:lstStyle>
           <a:p>
-            <a:endParaRPr lang="en-VN"/>
-          </a:p>
-        </p:txBody>
-      </p:sp>
-      <p:sp>
-        <p:nvSpPr>
-          <p:cNvPr id="4" name="Text Placeholder 3">
-            <a:extLst>
-              <a:ext uri="{FF2B5EF4-FFF2-40B4-BE49-F238E27FC236}">
-                <a16:creationId xmlns:a16="http://schemas.microsoft.com/office/drawing/2014/main" id="{D895B2CD-6DFB-3044-5CA7-9FD7F09C12CE}"/>
-              </a:ext>
-            </a:extLst>
-          </p:cNvPr>
+            <a:endParaRPr lang="en-US"/>
+          </a:p>
+        </p:txBody>
+      </p:sp>
+      <p:sp>
+        <p:nvSpPr>
+          <p:cNvPr id="4" name="Text Placeholder 3"/>
           <p:cNvSpPr>
             <a:spLocks noGrp="1"/>
           </p:cNvSpPr>
@@ -3972,8 +2466,8 @@
         </p:nvSpPr>
         <p:spPr>
           <a:xfrm>
-            <a:off x="839788" y="2057400"/>
-            <a:ext cx="3932237" cy="3811588"/>
+            <a:off x="1792288" y="5367338"/>
+            <a:ext cx="5486400" cy="804862"/>
           </a:xfrm>
         </p:spPr>
         <p:txBody>
@@ -3981,39 +2475,39 @@
           <a:lstStyle>
             <a:lvl1pPr marL="0" indent="0">
               <a:buNone/>
-              <a:defRPr sz="1600"/>
+              <a:defRPr sz="1400"/>
             </a:lvl1pPr>
             <a:lvl2pPr marL="457200" indent="0">
               <a:buNone/>
-              <a:defRPr sz="1400"/>
+              <a:defRPr sz="1200"/>
             </a:lvl2pPr>
             <a:lvl3pPr marL="914400" indent="0">
               <a:buNone/>
-              <a:defRPr sz="1200"/>
+              <a:defRPr sz="1000"/>
             </a:lvl3pPr>
             <a:lvl4pPr marL="1371600" indent="0">
               <a:buNone/>
-              <a:defRPr sz="1000"/>
+              <a:defRPr sz="900"/>
             </a:lvl4pPr>
             <a:lvl5pPr marL="1828800" indent="0">
               <a:buNone/>
-              <a:defRPr sz="1000"/>
+              <a:defRPr sz="900"/>
             </a:lvl5pPr>
             <a:lvl6pPr marL="2286000" indent="0">
               <a:buNone/>
-              <a:defRPr sz="1000"/>
+              <a:defRPr sz="900"/>
             </a:lvl6pPr>
             <a:lvl7pPr marL="2743200" indent="0">
               <a:buNone/>
-              <a:defRPr sz="1000"/>
+              <a:defRPr sz="900"/>
             </a:lvl7pPr>
             <a:lvl8pPr marL="3200400" indent="0">
               <a:buNone/>
-              <a:defRPr sz="1000"/>
+              <a:defRPr sz="900"/>
             </a:lvl8pPr>
             <a:lvl9pPr marL="3657600" indent="0">
               <a:buNone/>
-              <a:defRPr sz="1000"/>
+              <a:defRPr sz="900"/>
             </a:lvl9pPr>
           </a:lstStyle>
           <a:p>
@@ -4027,18 +2521,12 @@
       </p:sp>
       <p:sp>
         <p:nvSpPr>
-          <p:cNvPr id="5" name="Date Placeholder 4">
-            <a:extLst>
-              <a:ext uri="{FF2B5EF4-FFF2-40B4-BE49-F238E27FC236}">
-                <a16:creationId xmlns:a16="http://schemas.microsoft.com/office/drawing/2014/main" id="{26A93176-D90A-5828-1D58-9F196BBA3DD8}"/>
-              </a:ext>
-            </a:extLst>
-          </p:cNvPr>
-          <p:cNvSpPr>
-            <a:spLocks noGrp="1"/>
-          </p:cNvSpPr>
-          <p:nvPr>
-            <p:ph type="dt" sz="half" idx="10"/>
+          <p:cNvPr id="7" name="Slide Number Placeholder 6"/>
+          <p:cNvSpPr>
+            <a:spLocks noGrp="1"/>
+          </p:cNvSpPr>
+          <p:nvPr>
+            <p:ph type="sldNum" sz="quarter" idx="12"/>
           </p:nvPr>
         </p:nvSpPr>
         <p:spPr/>
@@ -4046,74 +2534,16 @@
           <a:bodyPr/>
           <a:lstStyle/>
           <a:p>
-            <a:fld id="{A99EE524-142D-D148-8FC1-FC703FF1171F}" type="datetimeFigureOut">
-              <a:rPr lang="en-VN" smtClean="0"/>
-              <a:t>23/01/2024</a:t>
-            </a:fld>
-            <a:endParaRPr lang="en-VN"/>
-          </a:p>
-        </p:txBody>
-      </p:sp>
-      <p:sp>
-        <p:nvSpPr>
-          <p:cNvPr id="6" name="Footer Placeholder 5">
-            <a:extLst>
-              <a:ext uri="{FF2B5EF4-FFF2-40B4-BE49-F238E27FC236}">
-                <a16:creationId xmlns:a16="http://schemas.microsoft.com/office/drawing/2014/main" id="{40A667C7-D79C-724B-F9BE-486ACC260F4A}"/>
-              </a:ext>
-            </a:extLst>
-          </p:cNvPr>
-          <p:cNvSpPr>
-            <a:spLocks noGrp="1"/>
-          </p:cNvSpPr>
-          <p:nvPr>
-            <p:ph type="ftr" sz="quarter" idx="11"/>
-          </p:nvPr>
-        </p:nvSpPr>
-        <p:spPr/>
-        <p:txBody>
-          <a:bodyPr/>
-          <a:lstStyle/>
-          <a:p>
-            <a:endParaRPr lang="en-VN"/>
-          </a:p>
-        </p:txBody>
-      </p:sp>
-      <p:sp>
-        <p:nvSpPr>
-          <p:cNvPr id="7" name="Slide Number Placeholder 6">
-            <a:extLst>
-              <a:ext uri="{FF2B5EF4-FFF2-40B4-BE49-F238E27FC236}">
-                <a16:creationId xmlns:a16="http://schemas.microsoft.com/office/drawing/2014/main" id="{BC68941B-1265-AF63-E532-C75F7BA78FF7}"/>
-              </a:ext>
-            </a:extLst>
-          </p:cNvPr>
-          <p:cNvSpPr>
-            <a:spLocks noGrp="1"/>
-          </p:cNvSpPr>
-          <p:nvPr>
-            <p:ph type="sldNum" sz="quarter" idx="12"/>
-          </p:nvPr>
-        </p:nvSpPr>
-        <p:spPr/>
-        <p:txBody>
-          <a:bodyPr/>
-          <a:lstStyle/>
-          <a:p>
-            <a:fld id="{D76E8BD5-B94D-EC48-828C-6394FDAF64CD}" type="slidenum">
-              <a:rPr lang="en-VN" smtClean="0"/>
+            <a:fld id="{B6F15528-21DE-4FAA-801E-634DDDAF4B2B}" type="slidenum">
+              <a:rPr lang="en-US" smtClean="0"/>
+              <a:pPr/>
               <a:t>‹#›</a:t>
             </a:fld>
-            <a:endParaRPr lang="en-VN"/>
+            <a:endParaRPr lang="en-US"/>
           </a:p>
         </p:txBody>
       </p:sp>
     </p:spTree>
-    <p:extLst>
-      <p:ext uri="{BB962C8B-B14F-4D97-AF65-F5344CB8AC3E}">
-        <p14:creationId xmlns:p14="http://schemas.microsoft.com/office/powerpoint/2010/main" val="589544155"/>
-      </p:ext>
-    </p:extLst>
   </p:cSld>
   <p:clrMapOvr>
     <a:masterClrMapping/>
@@ -4125,9 +2555,14 @@
 <p:sldMaster xmlns:a="http://schemas.openxmlformats.org/drawingml/2006/main" xmlns:r="http://schemas.openxmlformats.org/officeDocument/2006/relationships" xmlns:p="http://schemas.openxmlformats.org/presentationml/2006/main">
   <p:cSld>
     <p:bg>
-      <p:bgRef idx="1001">
-        <a:schemeClr val="bg1"/>
-      </p:bgRef>
+      <p:bgPr>
+        <a:solidFill>
+          <a:schemeClr val="bg1">
+            <a:lumMod val="95000"/>
+          </a:schemeClr>
+        </a:solidFill>
+        <a:effectLst/>
+      </p:bgPr>
     </p:bg>
     <p:spTree>
       <p:nvGrpSpPr>
@@ -4145,13 +2580,7 @@
       </p:grpSpPr>
       <p:sp>
         <p:nvSpPr>
-          <p:cNvPr id="2" name="Title Placeholder 1">
-            <a:extLst>
-              <a:ext uri="{FF2B5EF4-FFF2-40B4-BE49-F238E27FC236}">
-                <a16:creationId xmlns:a16="http://schemas.microsoft.com/office/drawing/2014/main" id="{F52547AE-FC17-A780-9ECB-CBB61C399CEA}"/>
-              </a:ext>
-            </a:extLst>
-          </p:cNvPr>
+          <p:cNvPr id="2" name="Title Placeholder 1"/>
           <p:cNvSpPr>
             <a:spLocks noGrp="1"/>
           </p:cNvSpPr>
@@ -4161,8 +2590,8 @@
         </p:nvSpPr>
         <p:spPr>
           <a:xfrm>
-            <a:off x="838200" y="365125"/>
-            <a:ext cx="10515600" cy="1325563"/>
+            <a:off x="4381500" y="342900"/>
+            <a:ext cx="9525000" cy="1143000"/>
           </a:xfrm>
           <a:prstGeom prst="rect">
             <a:avLst/>
@@ -4175,22 +2604,15 @@
           <a:lstStyle/>
           <a:p>
             <a:r>
-              <a:rPr lang="en-US"/>
+              <a:rPr lang="en-US" dirty="0"/>
               <a:t>Click to edit Master title style</a:t>
             </a:r>
-            <a:endParaRPr lang="en-VN"/>
-          </a:p>
-        </p:txBody>
-      </p:sp>
-      <p:sp>
-        <p:nvSpPr>
-          <p:cNvPr id="3" name="Text Placeholder 2">
-            <a:extLst>
-              <a:ext uri="{FF2B5EF4-FFF2-40B4-BE49-F238E27FC236}">
-                <a16:creationId xmlns:a16="http://schemas.microsoft.com/office/drawing/2014/main" id="{DEC7F594-F076-2C0C-267B-B1274F3F31BA}"/>
-              </a:ext>
-            </a:extLst>
-          </p:cNvPr>
+          </a:p>
+        </p:txBody>
+      </p:sp>
+      <p:sp>
+        <p:nvSpPr>
+          <p:cNvPr id="3" name="Text Placeholder 2"/>
           <p:cNvSpPr>
             <a:spLocks noGrp="1"/>
           </p:cNvSpPr>
@@ -4200,8 +2622,8 @@
         </p:nvSpPr>
         <p:spPr>
           <a:xfrm>
-            <a:off x="838200" y="1825625"/>
-            <a:ext cx="10515600" cy="4351338"/>
+            <a:off x="977835" y="3009900"/>
+            <a:ext cx="8229600" cy="4525963"/>
           </a:xfrm>
           <a:prstGeom prst="rect">
             <a:avLst/>
@@ -4215,184 +2637,205 @@
           <a:p>
             <a:pPr lvl="0"/>
             <a:r>
-              <a:rPr lang="en-US"/>
+              <a:rPr lang="en-US" dirty="0"/>
               <a:t>Click to edit Master text styles</a:t>
             </a:r>
           </a:p>
           <a:p>
             <a:pPr lvl="1"/>
             <a:r>
-              <a:rPr lang="en-US"/>
+              <a:rPr lang="en-US" dirty="0"/>
               <a:t>Second level</a:t>
             </a:r>
           </a:p>
           <a:p>
             <a:pPr lvl="2"/>
             <a:r>
-              <a:rPr lang="en-US"/>
+              <a:rPr lang="en-US" dirty="0"/>
               <a:t>Third level</a:t>
             </a:r>
           </a:p>
           <a:p>
             <a:pPr lvl="3"/>
             <a:r>
-              <a:rPr lang="en-US"/>
+              <a:rPr lang="en-US" dirty="0"/>
               <a:t>Fourth level</a:t>
             </a:r>
           </a:p>
           <a:p>
             <a:pPr lvl="4"/>
             <a:r>
-              <a:rPr lang="en-US"/>
+              <a:rPr lang="en-US" dirty="0"/>
               <a:t>Fifth level</a:t>
             </a:r>
-            <a:endParaRPr lang="en-VN"/>
-          </a:p>
-        </p:txBody>
-      </p:sp>
-      <p:sp>
-        <p:nvSpPr>
-          <p:cNvPr id="4" name="Date Placeholder 3">
-            <a:extLst>
-              <a:ext uri="{FF2B5EF4-FFF2-40B4-BE49-F238E27FC236}">
-                <a16:creationId xmlns:a16="http://schemas.microsoft.com/office/drawing/2014/main" id="{509D2771-76B9-9447-72A9-064AFACFA26B}"/>
-              </a:ext>
-            </a:extLst>
-          </p:cNvPr>
-          <p:cNvSpPr>
-            <a:spLocks noGrp="1"/>
-          </p:cNvSpPr>
-          <p:nvPr>
-            <p:ph type="dt" sz="half" idx="2"/>
+          </a:p>
+        </p:txBody>
+      </p:sp>
+      <p:sp>
+        <p:nvSpPr>
+          <p:cNvPr id="6" name="Slide Number Placeholder 5"/>
+          <p:cNvSpPr>
+            <a:spLocks noGrp="1"/>
+          </p:cNvSpPr>
+          <p:nvPr>
+            <p:ph type="sldNum" sz="quarter" idx="4"/>
           </p:nvPr>
         </p:nvSpPr>
         <p:spPr>
           <a:xfrm>
-            <a:off x="838200" y="6356350"/>
-            <a:ext cx="2743200" cy="365125"/>
+            <a:off x="16078200" y="9563100"/>
+            <a:ext cx="2133600" cy="365125"/>
           </a:xfrm>
           <a:prstGeom prst="rect">
             <a:avLst/>
           </a:prstGeom>
+          <a:noFill/>
         </p:spPr>
         <p:txBody>
           <a:bodyPr vert="horz" lIns="91440" tIns="45720" rIns="91440" bIns="45720" rtlCol="0" anchor="ctr"/>
           <a:lstStyle>
-            <a:lvl1pPr algn="l">
-              <a:defRPr sz="1200">
+            <a:lvl1pPr algn="r">
+              <a:defRPr sz="2400">
                 <a:solidFill>
                   <a:schemeClr val="tx1">
                     <a:tint val="75000"/>
                   </a:schemeClr>
                 </a:solidFill>
+                <a:latin typeface="+mj-lt"/>
               </a:defRPr>
             </a:lvl1pPr>
           </a:lstStyle>
           <a:p>
-            <a:fld id="{A99EE524-142D-D148-8FC1-FC703FF1171F}" type="datetimeFigureOut">
-              <a:rPr lang="en-VN" smtClean="0"/>
-              <a:t>23/01/2024</a:t>
+            <a:fld id="{B6F15528-21DE-4FAA-801E-634DDDAF4B2B}" type="slidenum">
+              <a:rPr lang="en-US" smtClean="0"/>
+              <a:pPr/>
+              <a:t>‹#›</a:t>
             </a:fld>
-            <a:endParaRPr lang="en-VN"/>
-          </a:p>
-        </p:txBody>
-      </p:sp>
-      <p:sp>
-        <p:nvSpPr>
-          <p:cNvPr id="5" name="Footer Placeholder 4">
+            <a:endParaRPr lang="en-US"/>
+          </a:p>
+        </p:txBody>
+      </p:sp>
+      <p:grpSp>
+        <p:nvGrpSpPr>
+          <p:cNvPr id="7" name="Group 5">
             <a:extLst>
               <a:ext uri="{FF2B5EF4-FFF2-40B4-BE49-F238E27FC236}">
-                <a16:creationId xmlns:a16="http://schemas.microsoft.com/office/drawing/2014/main" id="{D955D3E6-D4EF-7CFA-04CF-A8768C53440C}"/>
+                <a16:creationId xmlns:a16="http://schemas.microsoft.com/office/drawing/2014/main" id="{5FF91E99-1146-C6AF-7A7D-A588B2757F0E}"/>
               </a:ext>
             </a:extLst>
           </p:cNvPr>
-          <p:cNvSpPr>
-            <a:spLocks noGrp="1"/>
-          </p:cNvSpPr>
-          <p:nvPr>
-            <p:ph type="ftr" sz="quarter" idx="3"/>
-          </p:nvPr>
-        </p:nvSpPr>
-        <p:spPr>
+          <p:cNvGrpSpPr/>
+          <p:nvPr userDrawn="1"/>
+        </p:nvGrpSpPr>
+        <p:grpSpPr>
           <a:xfrm>
-            <a:off x="4038600" y="6356350"/>
-            <a:ext cx="4114800" cy="365125"/>
+            <a:off x="228600" y="9258300"/>
+            <a:ext cx="932820" cy="693452"/>
+            <a:chOff x="0" y="0"/>
+            <a:chExt cx="1243760" cy="924603"/>
           </a:xfrm>
-          <a:prstGeom prst="rect">
-            <a:avLst/>
-          </a:prstGeom>
-        </p:spPr>
-        <p:txBody>
-          <a:bodyPr vert="horz" lIns="91440" tIns="45720" rIns="91440" bIns="45720" rtlCol="0" anchor="ctr"/>
-          <a:lstStyle>
-            <a:lvl1pPr algn="ctr">
-              <a:defRPr sz="1200">
-                <a:solidFill>
-                  <a:schemeClr val="tx1">
-                    <a:tint val="75000"/>
-                  </a:schemeClr>
-                </a:solidFill>
-              </a:defRPr>
-            </a:lvl1pPr>
-          </a:lstStyle>
-          <a:p>
-            <a:endParaRPr lang="en-VN"/>
-          </a:p>
-        </p:txBody>
-      </p:sp>
-      <p:sp>
-        <p:nvSpPr>
-          <p:cNvPr id="6" name="Slide Number Placeholder 5">
-            <a:extLst>
-              <a:ext uri="{FF2B5EF4-FFF2-40B4-BE49-F238E27FC236}">
-                <a16:creationId xmlns:a16="http://schemas.microsoft.com/office/drawing/2014/main" id="{7381027D-732E-8BF5-39CB-DD3080B553CF}"/>
-              </a:ext>
-            </a:extLst>
-          </p:cNvPr>
-          <p:cNvSpPr>
-            <a:spLocks noGrp="1"/>
-          </p:cNvSpPr>
-          <p:nvPr>
-            <p:ph type="sldNum" sz="quarter" idx="4"/>
-          </p:nvPr>
-        </p:nvSpPr>
-        <p:spPr>
-          <a:xfrm>
-            <a:off x="8610600" y="6356350"/>
-            <a:ext cx="2743200" cy="365125"/>
-          </a:xfrm>
-          <a:prstGeom prst="rect">
-            <a:avLst/>
-          </a:prstGeom>
-        </p:spPr>
-        <p:txBody>
-          <a:bodyPr vert="horz" lIns="91440" tIns="45720" rIns="91440" bIns="45720" rtlCol="0" anchor="ctr"/>
-          <a:lstStyle>
-            <a:lvl1pPr algn="r">
-              <a:defRPr sz="1200">
-                <a:solidFill>
-                  <a:schemeClr val="tx1">
-                    <a:tint val="75000"/>
-                  </a:schemeClr>
-                </a:solidFill>
-              </a:defRPr>
-            </a:lvl1pPr>
-          </a:lstStyle>
-          <a:p>
-            <a:fld id="{D76E8BD5-B94D-EC48-828C-6394FDAF64CD}" type="slidenum">
-              <a:rPr lang="en-VN" smtClean="0"/>
-              <a:t>‹#›</a:t>
-            </a:fld>
-            <a:endParaRPr lang="en-VN"/>
-          </a:p>
-        </p:txBody>
-      </p:sp>
+        </p:grpSpPr>
+        <p:sp>
+          <p:nvSpPr>
+            <p:cNvPr id="8" name="Freeform 6">
+              <a:extLst>
+                <a:ext uri="{FF2B5EF4-FFF2-40B4-BE49-F238E27FC236}">
+                  <a16:creationId xmlns:a16="http://schemas.microsoft.com/office/drawing/2014/main" id="{5FEB4DB5-F1C6-3F8A-0E53-42915BB4EAF0}"/>
+                </a:ext>
+              </a:extLst>
+            </p:cNvPr>
+            <p:cNvSpPr/>
+            <p:nvPr/>
+          </p:nvSpPr>
+          <p:spPr>
+            <a:xfrm>
+              <a:off x="244781" y="0"/>
+              <a:ext cx="754199" cy="754199"/>
+            </a:xfrm>
+            <a:custGeom>
+              <a:avLst/>
+              <a:gdLst/>
+              <a:ahLst/>
+              <a:cxnLst/>
+              <a:rect l="l" t="t" r="r" b="b"/>
+              <a:pathLst>
+                <a:path w="754199" h="754199">
+                  <a:moveTo>
+                    <a:pt x="0" y="0"/>
+                  </a:moveTo>
+                  <a:lnTo>
+                    <a:pt x="754198" y="0"/>
+                  </a:lnTo>
+                  <a:lnTo>
+                    <a:pt x="754198" y="754199"/>
+                  </a:lnTo>
+                  <a:lnTo>
+                    <a:pt x="0" y="754199"/>
+                  </a:lnTo>
+                  <a:lnTo>
+                    <a:pt x="0" y="0"/>
+                  </a:lnTo>
+                  <a:close/>
+                </a:path>
+              </a:pathLst>
+            </a:custGeom>
+            <a:blipFill>
+              <a:blip r:embed="rId13"/>
+              <a:stretch>
+                <a:fillRect/>
+              </a:stretch>
+            </a:blipFill>
+          </p:spPr>
+        </p:sp>
+        <p:sp>
+          <p:nvSpPr>
+            <p:cNvPr id="9" name="TextBox 7">
+              <a:extLst>
+                <a:ext uri="{FF2B5EF4-FFF2-40B4-BE49-F238E27FC236}">
+                  <a16:creationId xmlns:a16="http://schemas.microsoft.com/office/drawing/2014/main" id="{299F1F1B-6FB1-907A-A192-7F7FEF332019}"/>
+                </a:ext>
+              </a:extLst>
+            </p:cNvPr>
+            <p:cNvSpPr txBox="1"/>
+            <p:nvPr/>
+          </p:nvSpPr>
+          <p:spPr>
+            <a:xfrm>
+              <a:off x="0" y="735149"/>
+              <a:ext cx="1243760" cy="189454"/>
+            </a:xfrm>
+            <a:prstGeom prst="rect">
+              <a:avLst/>
+            </a:prstGeom>
+          </p:spPr>
+          <p:txBody>
+            <a:bodyPr lIns="0" tIns="0" rIns="0" bIns="0" rtlCol="0" anchor="t">
+              <a:spAutoFit/>
+            </a:bodyPr>
+            <a:lstStyle/>
+            <a:p>
+              <a:pPr marL="0" lvl="0" indent="0" algn="ctr">
+                <a:lnSpc>
+                  <a:spcPts val="1197"/>
+                </a:lnSpc>
+                <a:spcBef>
+                  <a:spcPct val="0"/>
+                </a:spcBef>
+              </a:pPr>
+              <a:r>
+                <a:rPr lang="en-US" sz="867" spc="85">
+                  <a:solidFill>
+                    <a:srgbClr val="231F20"/>
+                  </a:solidFill>
+                  <a:latin typeface="Montserrat Classic Bold"/>
+                </a:rPr>
+                <a:t>SOTAZK</a:t>
+              </a:r>
+            </a:p>
+          </p:txBody>
+        </p:sp>
+      </p:grpSp>
     </p:spTree>
-    <p:extLst>
-      <p:ext uri="{BB962C8B-B14F-4D97-AF65-F5344CB8AC3E}">
-        <p14:creationId xmlns:p14="http://schemas.microsoft.com/office/powerpoint/2010/main" val="67451232"/>
-      </p:ext>
-    </p:extLst>
   </p:cSld>
   <p:clrMap bg1="lt1" tx1="dk1" bg2="lt2" tx2="dk2" accent1="accent1" accent2="accent2" accent3="accent3" accent4="accent4" accent5="accent5" accent6="accent6" hlink="hlink" folHlink="folHlink"/>
   <p:sldLayoutIdLst>
@@ -4408,17 +2851,15 @@
     <p:sldLayoutId id="2147483658" r:id="rId10"/>
     <p:sldLayoutId id="2147483659" r:id="rId11"/>
   </p:sldLayoutIdLst>
+  <p:hf hdr="0" ftr="0" dt="0"/>
   <p:txStyles>
     <p:titleStyle>
-      <a:lvl1pPr algn="l" defTabSz="914400" rtl="0" eaLnBrk="1" latinLnBrk="0" hangingPunct="1">
-        <a:lnSpc>
-          <a:spcPct val="90000"/>
-        </a:lnSpc>
+      <a:lvl1pPr algn="ctr" defTabSz="914400" rtl="0" eaLnBrk="1" latinLnBrk="0" hangingPunct="1">
         <a:spcBef>
           <a:spcPct val="0"/>
         </a:spcBef>
         <a:buNone/>
-        <a:defRPr sz="4400" kern="1200">
+        <a:defRPr sz="6000" kern="1200">
           <a:solidFill>
             <a:schemeClr val="tx1"/>
           </a:solidFill>
@@ -4429,15 +2870,27 @@
       </a:lvl1pPr>
     </p:titleStyle>
     <p:bodyStyle>
-      <a:lvl1pPr marL="228600" indent="-228600" algn="l" defTabSz="914400" rtl="0" eaLnBrk="1" latinLnBrk="0" hangingPunct="1">
-        <a:lnSpc>
-          <a:spcPct val="90000"/>
-        </a:lnSpc>
+      <a:lvl1pPr marL="342900" indent="-342900" algn="l" defTabSz="914400" rtl="0" eaLnBrk="1" latinLnBrk="0" hangingPunct="1">
         <a:spcBef>
-          <a:spcPts val="1000"/>
+          <a:spcPct val="20000"/>
         </a:spcBef>
-        <a:buFont typeface="Arial" panose="020B0604020202020204" pitchFamily="34" charset="0"/>
+        <a:buFont typeface="Arial" pitchFamily="34" charset="0"/>
         <a:buChar char="•"/>
+        <a:defRPr sz="3200" kern="1200">
+          <a:solidFill>
+            <a:schemeClr val="tx1"/>
+          </a:solidFill>
+          <a:latin typeface="+mn-lt"/>
+          <a:ea typeface="+mn-ea"/>
+          <a:cs typeface="+mn-cs"/>
+        </a:defRPr>
+      </a:lvl1pPr>
+      <a:lvl2pPr marL="742950" indent="-285750" algn="l" defTabSz="914400" rtl="0" eaLnBrk="1" latinLnBrk="0" hangingPunct="1">
+        <a:spcBef>
+          <a:spcPct val="20000"/>
+        </a:spcBef>
+        <a:buFont typeface="Arial" pitchFamily="34" charset="0"/>
+        <a:buChar char="–"/>
         <a:defRPr sz="2800" kern="1200">
           <a:solidFill>
             <a:schemeClr val="tx1"/>
@@ -4446,15 +2899,12 @@
           <a:ea typeface="+mn-ea"/>
           <a:cs typeface="+mn-cs"/>
         </a:defRPr>
-      </a:lvl1pPr>
-      <a:lvl2pPr marL="685800" indent="-228600" algn="l" defTabSz="914400" rtl="0" eaLnBrk="1" latinLnBrk="0" hangingPunct="1">
-        <a:lnSpc>
-          <a:spcPct val="90000"/>
-        </a:lnSpc>
+      </a:lvl2pPr>
+      <a:lvl3pPr marL="1143000" indent="-228600" algn="l" defTabSz="914400" rtl="0" eaLnBrk="1" latinLnBrk="0" hangingPunct="1">
         <a:spcBef>
-          <a:spcPts val="500"/>
+          <a:spcPct val="20000"/>
         </a:spcBef>
-        <a:buFont typeface="Arial" panose="020B0604020202020204" pitchFamily="34" charset="0"/>
+        <a:buFont typeface="Arial" pitchFamily="34" charset="0"/>
         <a:buChar char="•"/>
         <a:defRPr sz="2400" kern="1200">
           <a:solidFill>
@@ -4464,15 +2914,42 @@
           <a:ea typeface="+mn-ea"/>
           <a:cs typeface="+mn-cs"/>
         </a:defRPr>
-      </a:lvl2pPr>
-      <a:lvl3pPr marL="1143000" indent="-228600" algn="l" defTabSz="914400" rtl="0" eaLnBrk="1" latinLnBrk="0" hangingPunct="1">
-        <a:lnSpc>
-          <a:spcPct val="90000"/>
-        </a:lnSpc>
+      </a:lvl3pPr>
+      <a:lvl4pPr marL="1600200" indent="-228600" algn="l" defTabSz="914400" rtl="0" eaLnBrk="1" latinLnBrk="0" hangingPunct="1">
         <a:spcBef>
-          <a:spcPts val="500"/>
+          <a:spcPct val="20000"/>
         </a:spcBef>
-        <a:buFont typeface="Arial" panose="020B0604020202020204" pitchFamily="34" charset="0"/>
+        <a:buFont typeface="Arial" pitchFamily="34" charset="0"/>
+        <a:buChar char="–"/>
+        <a:defRPr sz="2000" kern="1200">
+          <a:solidFill>
+            <a:schemeClr val="tx1"/>
+          </a:solidFill>
+          <a:latin typeface="+mn-lt"/>
+          <a:ea typeface="+mn-ea"/>
+          <a:cs typeface="+mn-cs"/>
+        </a:defRPr>
+      </a:lvl4pPr>
+      <a:lvl5pPr marL="2057400" indent="-228600" algn="l" defTabSz="914400" rtl="0" eaLnBrk="1" latinLnBrk="0" hangingPunct="1">
+        <a:spcBef>
+          <a:spcPct val="20000"/>
+        </a:spcBef>
+        <a:buFont typeface="Arial" pitchFamily="34" charset="0"/>
+        <a:buChar char="»"/>
+        <a:defRPr sz="2000" kern="1200">
+          <a:solidFill>
+            <a:schemeClr val="tx1"/>
+          </a:solidFill>
+          <a:latin typeface="+mn-lt"/>
+          <a:ea typeface="+mn-ea"/>
+          <a:cs typeface="+mn-cs"/>
+        </a:defRPr>
+      </a:lvl5pPr>
+      <a:lvl6pPr marL="2514600" indent="-228600" algn="l" defTabSz="914400" rtl="0" eaLnBrk="1" latinLnBrk="0" hangingPunct="1">
+        <a:spcBef>
+          <a:spcPct val="20000"/>
+        </a:spcBef>
+        <a:buFont typeface="Arial" pitchFamily="34" charset="0"/>
         <a:buChar char="•"/>
         <a:defRPr sz="2000" kern="1200">
           <a:solidFill>
@@ -4482,71 +2959,14 @@
           <a:ea typeface="+mn-ea"/>
           <a:cs typeface="+mn-cs"/>
         </a:defRPr>
-      </a:lvl3pPr>
-      <a:lvl4pPr marL="1600200" indent="-228600" algn="l" defTabSz="914400" rtl="0" eaLnBrk="1" latinLnBrk="0" hangingPunct="1">
-        <a:lnSpc>
-          <a:spcPct val="90000"/>
-        </a:lnSpc>
-        <a:spcBef>
-          <a:spcPts val="500"/>
-        </a:spcBef>
-        <a:buFont typeface="Arial" panose="020B0604020202020204" pitchFamily="34" charset="0"/>
-        <a:buChar char="•"/>
-        <a:defRPr sz="1800" kern="1200">
-          <a:solidFill>
-            <a:schemeClr val="tx1"/>
-          </a:solidFill>
-          <a:latin typeface="+mn-lt"/>
-          <a:ea typeface="+mn-ea"/>
-          <a:cs typeface="+mn-cs"/>
-        </a:defRPr>
-      </a:lvl4pPr>
-      <a:lvl5pPr marL="2057400" indent="-228600" algn="l" defTabSz="914400" rtl="0" eaLnBrk="1" latinLnBrk="0" hangingPunct="1">
-        <a:lnSpc>
-          <a:spcPct val="90000"/>
-        </a:lnSpc>
-        <a:spcBef>
-          <a:spcPts val="500"/>
-        </a:spcBef>
-        <a:buFont typeface="Arial" panose="020B0604020202020204" pitchFamily="34" charset="0"/>
-        <a:buChar char="•"/>
-        <a:defRPr sz="1800" kern="1200">
-          <a:solidFill>
-            <a:schemeClr val="tx1"/>
-          </a:solidFill>
-          <a:latin typeface="+mn-lt"/>
-          <a:ea typeface="+mn-ea"/>
-          <a:cs typeface="+mn-cs"/>
-        </a:defRPr>
-      </a:lvl5pPr>
-      <a:lvl6pPr marL="2514600" indent="-228600" algn="l" defTabSz="914400" rtl="0" eaLnBrk="1" latinLnBrk="0" hangingPunct="1">
-        <a:lnSpc>
-          <a:spcPct val="90000"/>
-        </a:lnSpc>
-        <a:spcBef>
-          <a:spcPts val="500"/>
-        </a:spcBef>
-        <a:buFont typeface="Arial" panose="020B0604020202020204" pitchFamily="34" charset="0"/>
-        <a:buChar char="•"/>
-        <a:defRPr sz="1800" kern="1200">
-          <a:solidFill>
-            <a:schemeClr val="tx1"/>
-          </a:solidFill>
-          <a:latin typeface="+mn-lt"/>
-          <a:ea typeface="+mn-ea"/>
-          <a:cs typeface="+mn-cs"/>
-        </a:defRPr>
       </a:lvl6pPr>
       <a:lvl7pPr marL="2971800" indent="-228600" algn="l" defTabSz="914400" rtl="0" eaLnBrk="1" latinLnBrk="0" hangingPunct="1">
-        <a:lnSpc>
-          <a:spcPct val="90000"/>
-        </a:lnSpc>
         <a:spcBef>
-          <a:spcPts val="500"/>
+          <a:spcPct val="20000"/>
         </a:spcBef>
-        <a:buFont typeface="Arial" panose="020B0604020202020204" pitchFamily="34" charset="0"/>
+        <a:buFont typeface="Arial" pitchFamily="34" charset="0"/>
         <a:buChar char="•"/>
-        <a:defRPr sz="1800" kern="1200">
+        <a:defRPr sz="2000" kern="1200">
           <a:solidFill>
             <a:schemeClr val="tx1"/>
           </a:solidFill>
@@ -4556,15 +2976,12 @@
         </a:defRPr>
       </a:lvl7pPr>
       <a:lvl8pPr marL="3429000" indent="-228600" algn="l" defTabSz="914400" rtl="0" eaLnBrk="1" latinLnBrk="0" hangingPunct="1">
-        <a:lnSpc>
-          <a:spcPct val="90000"/>
-        </a:lnSpc>
         <a:spcBef>
-          <a:spcPts val="500"/>
+          <a:spcPct val="20000"/>
         </a:spcBef>
-        <a:buFont typeface="Arial" panose="020B0604020202020204" pitchFamily="34" charset="0"/>
+        <a:buFont typeface="Arial" pitchFamily="34" charset="0"/>
         <a:buChar char="•"/>
-        <a:defRPr sz="1800" kern="1200">
+        <a:defRPr sz="2000" kern="1200">
           <a:solidFill>
             <a:schemeClr val="tx1"/>
           </a:solidFill>
@@ -4574,15 +2991,12 @@
         </a:defRPr>
       </a:lvl8pPr>
       <a:lvl9pPr marL="3886200" indent="-228600" algn="l" defTabSz="914400" rtl="0" eaLnBrk="1" latinLnBrk="0" hangingPunct="1">
-        <a:lnSpc>
-          <a:spcPct val="90000"/>
-        </a:lnSpc>
         <a:spcBef>
-          <a:spcPts val="500"/>
+          <a:spcPct val="20000"/>
         </a:spcBef>
-        <a:buFont typeface="Arial" panose="020B0604020202020204" pitchFamily="34" charset="0"/>
+        <a:buFont typeface="Arial" pitchFamily="34" charset="0"/>
         <a:buChar char="•"/>
-        <a:defRPr sz="1800" kern="1200">
+        <a:defRPr sz="2000" kern="1200">
           <a:solidFill>
             <a:schemeClr val="tx1"/>
           </a:solidFill>
@@ -4594,7 +3008,7 @@
     </p:bodyStyle>
     <p:otherStyle>
       <a:defPPr>
-        <a:defRPr lang="en-VN"/>
+        <a:defRPr lang="en-US"/>
       </a:defPPr>
       <a:lvl1pPr marL="0" algn="l" defTabSz="914400" rtl="0" eaLnBrk="1" latinLnBrk="0" hangingPunct="1">
         <a:defRPr sz="1800" kern="1200">
@@ -4694,6 +3108,16 @@
 <file path=ppt/slides/slide1.xml><?xml version="1.0" encoding="utf-8"?>
 <p:sld xmlns:a="http://schemas.openxmlformats.org/drawingml/2006/main" xmlns:r="http://schemas.openxmlformats.org/officeDocument/2006/relationships" xmlns:p="http://schemas.openxmlformats.org/presentationml/2006/main">
   <p:cSld>
+    <p:bg>
+      <p:bgPr>
+        <a:solidFill>
+          <a:schemeClr val="bg1">
+            <a:lumMod val="95000"/>
+          </a:schemeClr>
+        </a:solidFill>
+        <a:effectLst/>
+      </p:bgPr>
+    </p:bg>
     <p:spTree>
       <p:nvGrpSpPr>
         <p:cNvPr id="1" name=""/>
@@ -4708,12 +3132,192 @@
           <a:chExt cx="0" cy="0"/>
         </a:xfrm>
       </p:grpSpPr>
-      <p:sp>
-        <p:nvSpPr>
-          <p:cNvPr id="2" name="Title 1">
+      <p:grpSp>
+        <p:nvGrpSpPr>
+          <p:cNvPr id="3" name="Group 3"/>
+          <p:cNvGrpSpPr/>
+          <p:nvPr/>
+        </p:nvGrpSpPr>
+        <p:grpSpPr>
+          <a:xfrm>
+            <a:off x="4236346" y="2019298"/>
+            <a:ext cx="9815307" cy="5686425"/>
+            <a:chOff x="0" y="-53344"/>
+            <a:chExt cx="1895495" cy="1098141"/>
+          </a:xfrm>
+        </p:grpSpPr>
+        <p:sp>
+          <p:nvSpPr>
+            <p:cNvPr id="4" name="Freeform 4"/>
+            <p:cNvSpPr/>
+            <p:nvPr/>
+          </p:nvSpPr>
+          <p:spPr>
+            <a:xfrm>
+              <a:off x="0" y="-53344"/>
+              <a:ext cx="1895495" cy="1098141"/>
+            </a:xfrm>
+            <a:custGeom>
+              <a:avLst/>
+              <a:gdLst/>
+              <a:ahLst/>
+              <a:cxnLst/>
+              <a:rect l="l" t="t" r="r" b="b"/>
+              <a:pathLst>
+                <a:path w="1895495" h="812800">
+                  <a:moveTo>
+                    <a:pt x="0" y="0"/>
+                  </a:moveTo>
+                  <a:lnTo>
+                    <a:pt x="1895495" y="0"/>
+                  </a:lnTo>
+                  <a:lnTo>
+                    <a:pt x="1895495" y="812800"/>
+                  </a:lnTo>
+                  <a:lnTo>
+                    <a:pt x="0" y="812800"/>
+                  </a:lnTo>
+                  <a:close/>
+                </a:path>
+              </a:pathLst>
+            </a:custGeom>
+            <a:solidFill>
+              <a:srgbClr val="000000">
+                <a:alpha val="0"/>
+              </a:srgbClr>
+            </a:solidFill>
+            <a:ln w="38100" cap="sq">
+              <a:solidFill>
+                <a:srgbClr val="000000"/>
+              </a:solidFill>
+              <a:prstDash val="solid"/>
+              <a:miter/>
+            </a:ln>
+          </p:spPr>
+        </p:sp>
+        <p:sp>
+          <p:nvSpPr>
+            <p:cNvPr id="5" name="TextBox 5"/>
+            <p:cNvSpPr txBox="1"/>
+            <p:nvPr/>
+          </p:nvSpPr>
+          <p:spPr>
+            <a:xfrm>
+              <a:off x="0" y="-19050"/>
+              <a:ext cx="1895495" cy="831850"/>
+            </a:xfrm>
+            <a:prstGeom prst="rect">
+              <a:avLst/>
+            </a:prstGeom>
+          </p:spPr>
+          <p:txBody>
+            <a:bodyPr lIns="50800" tIns="50800" rIns="50800" bIns="50800" rtlCol="0" anchor="ctr"/>
+            <a:lstStyle/>
+            <a:p>
+              <a:pPr algn="ctr">
+                <a:lnSpc>
+                  <a:spcPts val="2859"/>
+                </a:lnSpc>
+              </a:pPr>
+              <a:endParaRPr>
+                <a:latin typeface="+mj-lt"/>
+              </a:endParaRPr>
+            </a:p>
+          </p:txBody>
+        </p:sp>
+      </p:grpSp>
+      <p:sp>
+        <p:nvSpPr>
+          <p:cNvPr id="6" name="TextBox 6"/>
+          <p:cNvSpPr txBox="1"/>
+          <p:nvPr/>
+        </p:nvSpPr>
+        <p:spPr>
+          <a:xfrm>
+            <a:off x="4225460" y="2019300"/>
+            <a:ext cx="9815307" cy="2766619"/>
+          </a:xfrm>
+          <a:prstGeom prst="rect">
+            <a:avLst/>
+          </a:prstGeom>
+        </p:spPr>
+        <p:txBody>
+          <a:bodyPr lIns="0" tIns="0" rIns="0" bIns="0" rtlCol="0" anchor="t">
+            <a:spAutoFit/>
+          </a:bodyPr>
+          <a:lstStyle/>
+          <a:p>
+            <a:pPr algn="ctr">
+              <a:lnSpc>
+                <a:spcPts val="22684"/>
+              </a:lnSpc>
+            </a:pPr>
+            <a:r>
+              <a:rPr lang="en-US" sz="16437" spc="1610" dirty="0">
+                <a:solidFill>
+                  <a:srgbClr val="231F20"/>
+                </a:solidFill>
+                <a:latin typeface="+mj-lt"/>
+                <a:cs typeface="Calibri" panose="020F0502020204030204" pitchFamily="34" charset="0"/>
+              </a:rPr>
+              <a:t>ZKP</a:t>
+            </a:r>
+            <a:r>
+              <a:rPr lang="en-US" sz="16437" spc="1610" dirty="0">
+                <a:solidFill>
+                  <a:srgbClr val="231F20"/>
+                </a:solidFill>
+                <a:latin typeface="+mj-lt"/>
+              </a:rPr>
+              <a:t> </a:t>
+            </a:r>
+          </a:p>
+        </p:txBody>
+      </p:sp>
+      <p:sp>
+        <p:nvSpPr>
+          <p:cNvPr id="7" name="TextBox 7"/>
+          <p:cNvSpPr txBox="1"/>
+          <p:nvPr/>
+        </p:nvSpPr>
+        <p:spPr>
+          <a:xfrm>
+            <a:off x="4247232" y="4773847"/>
+            <a:ext cx="9815307" cy="2416046"/>
+          </a:xfrm>
+          <a:prstGeom prst="rect">
+            <a:avLst/>
+          </a:prstGeom>
+        </p:spPr>
+        <p:txBody>
+          <a:bodyPr lIns="0" tIns="0" rIns="0" bIns="0" rtlCol="0" anchor="t">
+            <a:spAutoFit/>
+          </a:bodyPr>
+          <a:lstStyle/>
+          <a:p>
+            <a:pPr algn="ctr">
+              <a:lnSpc>
+                <a:spcPts val="9748"/>
+              </a:lnSpc>
+            </a:pPr>
+            <a:r>
+              <a:rPr lang="en-US" sz="7063" spc="692" dirty="0">
+                <a:solidFill>
+                  <a:srgbClr val="231F20"/>
+                </a:solidFill>
+                <a:latin typeface="+mj-lt"/>
+              </a:rPr>
+              <a:t>TECHNOLOGY OVERVIEW</a:t>
+            </a:r>
+          </a:p>
+        </p:txBody>
+      </p:sp>
+      <p:sp>
+        <p:nvSpPr>
+          <p:cNvPr id="11" name="Slide Number Placeholder 10">
             <a:extLst>
               <a:ext uri="{FF2B5EF4-FFF2-40B4-BE49-F238E27FC236}">
-                <a16:creationId xmlns:a16="http://schemas.microsoft.com/office/drawing/2014/main" id="{10E48922-7BD8-5941-0B0F-EBA92FE9521A}"/>
+                <a16:creationId xmlns:a16="http://schemas.microsoft.com/office/drawing/2014/main" id="{63466EA5-63F4-6A19-7B8D-DBB3B469AD86}"/>
               </a:ext>
             </a:extLst>
           </p:cNvPr>
@@ -4721,32 +3325,72 @@
             <a:spLocks noGrp="1"/>
           </p:cNvSpPr>
           <p:nvPr>
-            <p:ph type="title"/>
-          </p:nvPr>
+            <p:ph type="sldNum" sz="quarter" idx="12"/>
+          </p:nvPr>
+        </p:nvSpPr>
+        <p:spPr/>
+        <p:txBody>
+          <a:bodyPr/>
+          <a:lstStyle/>
+          <a:p>
+            <a:fld id="{B6F15528-21DE-4FAA-801E-634DDDAF4B2B}" type="slidenum">
+              <a:rPr lang="en-US" smtClean="0">
+                <a:latin typeface="+mj-lt"/>
+              </a:rPr>
+              <a:pPr/>
+              <a:t>1</a:t>
+            </a:fld>
+            <a:endParaRPr lang="en-US" dirty="0">
+              <a:latin typeface="+mj-lt"/>
+            </a:endParaRPr>
+          </a:p>
+        </p:txBody>
+      </p:sp>
+      <p:sp>
+        <p:nvSpPr>
+          <p:cNvPr id="2" name="TextBox 7">
+            <a:extLst>
+              <a:ext uri="{FF2B5EF4-FFF2-40B4-BE49-F238E27FC236}">
+                <a16:creationId xmlns:a16="http://schemas.microsoft.com/office/drawing/2014/main" id="{29F89780-EA32-7B55-1785-4BEC6F9BE2D8}"/>
+              </a:ext>
+            </a:extLst>
+          </p:cNvPr>
+          <p:cNvSpPr txBox="1"/>
+          <p:nvPr/>
         </p:nvSpPr>
         <p:spPr>
           <a:xfrm>
-            <a:off x="3967744" y="2766218"/>
-            <a:ext cx="4256512" cy="1325563"/>
+            <a:off x="4225459" y="6671209"/>
+            <a:ext cx="9815307" cy="1034514"/>
           </a:xfrm>
+          <a:prstGeom prst="rect">
+            <a:avLst/>
+          </a:prstGeom>
         </p:spPr>
         <p:txBody>
-          <a:bodyPr/>
-          <a:lstStyle/>
-          <a:p>
-            <a:r>
-              <a:rPr lang="en-VN" dirty="0"/>
-              <a:t>ZK Tech Overview</a:t>
+          <a:bodyPr lIns="0" tIns="0" rIns="0" bIns="0" rtlCol="0" anchor="t">
+            <a:spAutoFit/>
+          </a:bodyPr>
+          <a:lstStyle/>
+          <a:p>
+            <a:pPr algn="ctr">
+              <a:lnSpc>
+                <a:spcPts val="9748"/>
+              </a:lnSpc>
+            </a:pPr>
+            <a:r>
+              <a:rPr lang="en-US" sz="3000" spc="692" dirty="0">
+                <a:solidFill>
+                  <a:srgbClr val="231F20"/>
+                </a:solidFill>
+                <a:latin typeface="+mj-lt"/>
+              </a:rPr>
+              <a:t>Harry Nguyen</a:t>
             </a:r>
           </a:p>
         </p:txBody>
       </p:sp>
     </p:spTree>
-    <p:extLst>
-      <p:ext uri="{BB962C8B-B14F-4D97-AF65-F5344CB8AC3E}">
-        <p14:creationId xmlns:p14="http://schemas.microsoft.com/office/powerpoint/2010/main" val="3160519732"/>
-      </p:ext>
-    </p:extLst>
   </p:cSld>
   <p:clrMapOvr>
     <a:masterClrMapping/>
@@ -4754,7 +3398,7 @@
 </p:sld>
 </file>
 
-<file path=ppt/slides/slide2.xml><?xml version="1.0" encoding="utf-8"?>
+<file path=ppt/slides/slide10.xml><?xml version="1.0" encoding="utf-8"?>
 <p:sld xmlns:a="http://schemas.openxmlformats.org/drawingml/2006/main" xmlns:r="http://schemas.openxmlformats.org/officeDocument/2006/relationships" xmlns:p="http://schemas.openxmlformats.org/presentationml/2006/main">
   <p:cSld>
     <p:spTree>
@@ -4773,45 +3417,71 @@
       </p:grpSpPr>
       <p:sp>
         <p:nvSpPr>
-          <p:cNvPr id="5" name="TextBox 4">
+          <p:cNvPr id="2" name="Title 1">
             <a:extLst>
               <a:ext uri="{FF2B5EF4-FFF2-40B4-BE49-F238E27FC236}">
-                <a16:creationId xmlns:a16="http://schemas.microsoft.com/office/drawing/2014/main" id="{BE736C04-44DB-605D-26BC-95CD9B412BF1}"/>
+                <a16:creationId xmlns:a16="http://schemas.microsoft.com/office/drawing/2014/main" id="{B59F4075-9878-DCC3-6F5D-4B457A242002}"/>
               </a:ext>
             </a:extLst>
           </p:cNvPr>
-          <p:cNvSpPr txBox="1"/>
-          <p:nvPr/>
-        </p:nvSpPr>
-        <p:spPr>
-          <a:xfrm>
-            <a:off x="500975" y="296853"/>
-            <a:ext cx="6138152" cy="584775"/>
-          </a:xfrm>
-          <a:prstGeom prst="rect">
-            <a:avLst/>
-          </a:prstGeom>
-          <a:noFill/>
-        </p:spPr>
-        <p:txBody>
-          <a:bodyPr wrap="square">
-            <a:spAutoFit/>
+          <p:cNvSpPr>
+            <a:spLocks noGrp="1"/>
+          </p:cNvSpPr>
+          <p:nvPr>
+            <p:ph type="title"/>
+          </p:nvPr>
+        </p:nvSpPr>
+        <p:spPr/>
+        <p:txBody>
+          <a:bodyPr>
+            <a:normAutofit/>
           </a:bodyPr>
           <a:lstStyle/>
           <a:p>
             <a:r>
-              <a:rPr lang="en-VN" sz="3200" dirty="0"/>
-              <a:t>ZkSync</a:t>
-            </a:r>
+              <a:rPr lang="en-US" sz="6000" dirty="0"/>
+              <a:t>Scroll $135M</a:t>
+            </a:r>
+            <a:endParaRPr lang="en-VN" sz="6000" dirty="0"/>
+          </a:p>
+        </p:txBody>
+      </p:sp>
+      <p:sp>
+        <p:nvSpPr>
+          <p:cNvPr id="4" name="Slide Number Placeholder 3">
+            <a:extLst>
+              <a:ext uri="{FF2B5EF4-FFF2-40B4-BE49-F238E27FC236}">
+                <a16:creationId xmlns:a16="http://schemas.microsoft.com/office/drawing/2014/main" id="{72B33737-C3EE-1EA1-2D04-047B9638D9E1}"/>
+              </a:ext>
+            </a:extLst>
+          </p:cNvPr>
+          <p:cNvSpPr>
+            <a:spLocks noGrp="1"/>
+          </p:cNvSpPr>
+          <p:nvPr>
+            <p:ph type="sldNum" sz="quarter" idx="12"/>
+          </p:nvPr>
+        </p:nvSpPr>
+        <p:spPr/>
+        <p:txBody>
+          <a:bodyPr/>
+          <a:lstStyle/>
+          <a:p>
+            <a:fld id="{B6F15528-21DE-4FAA-801E-634DDDAF4B2B}" type="slidenum">
+              <a:rPr lang="en-US" smtClean="0"/>
+              <a:pPr/>
+              <a:t>10</a:t>
+            </a:fld>
+            <a:endParaRPr lang="en-US"/>
           </a:p>
         </p:txBody>
       </p:sp>
       <p:pic>
         <p:nvPicPr>
-          <p:cNvPr id="14" name="Picture 13">
+          <p:cNvPr id="7" name="Picture 6">
             <a:extLst>
               <a:ext uri="{FF2B5EF4-FFF2-40B4-BE49-F238E27FC236}">
-                <a16:creationId xmlns:a16="http://schemas.microsoft.com/office/drawing/2014/main" id="{48503DE6-ABAF-B576-FC4D-F2EFB5B279C9}"/>
+                <a16:creationId xmlns:a16="http://schemas.microsoft.com/office/drawing/2014/main" id="{8B47216A-BEE7-645D-7272-BCEAEB545290}"/>
               </a:ext>
             </a:extLst>
           </p:cNvPr>
@@ -4821,15 +3491,15 @@
           <p:nvPr/>
         </p:nvPicPr>
         <p:blipFill>
-          <a:blip r:embed="rId3"/>
+          <a:blip r:embed="rId2"/>
           <a:stretch>
             <a:fillRect/>
           </a:stretch>
         </p:blipFill>
         <p:spPr>
           <a:xfrm>
-            <a:off x="0" y="866824"/>
-            <a:ext cx="12191302" cy="3554173"/>
+            <a:off x="23892" y="2471762"/>
+            <a:ext cx="18264108" cy="5343476"/>
           </a:xfrm>
           <a:prstGeom prst="rect">
             <a:avLst/>
@@ -4838,10 +3508,10 @@
       </p:pic>
       <p:sp>
         <p:nvSpPr>
-          <p:cNvPr id="15" name="Frame 14">
+          <p:cNvPr id="8" name="Frame 7">
             <a:extLst>
               <a:ext uri="{FF2B5EF4-FFF2-40B4-BE49-F238E27FC236}">
-                <a16:creationId xmlns:a16="http://schemas.microsoft.com/office/drawing/2014/main" id="{94CDF540-A46B-4719-436A-C33BBC824299}"/>
+                <a16:creationId xmlns:a16="http://schemas.microsoft.com/office/drawing/2014/main" id="{00254264-A319-57C8-FA44-F1FA2021EB59}"/>
               </a:ext>
             </a:extLst>
           </p:cNvPr>
@@ -4850,8 +3520,8 @@
         </p:nvSpPr>
         <p:spPr>
           <a:xfrm>
-            <a:off x="2885167" y="3783646"/>
-            <a:ext cx="653680" cy="443970"/>
+            <a:off x="4463716" y="6819011"/>
+            <a:ext cx="786875" cy="667481"/>
           </a:xfrm>
           <a:prstGeom prst="frame">
             <a:avLst>
@@ -4889,16 +3559,17 @@
               <a:solidFill>
                 <a:schemeClr val="tx1"/>
               </a:solidFill>
+              <a:latin typeface="+mj-lt"/>
             </a:endParaRPr>
           </a:p>
         </p:txBody>
       </p:sp>
       <p:sp>
         <p:nvSpPr>
-          <p:cNvPr id="16" name="Frame 15">
+          <p:cNvPr id="9" name="Frame 8">
             <a:extLst>
               <a:ext uri="{FF2B5EF4-FFF2-40B4-BE49-F238E27FC236}">
-                <a16:creationId xmlns:a16="http://schemas.microsoft.com/office/drawing/2014/main" id="{BC784674-270E-A553-FA6C-BC1A0A6B3CD3}"/>
+                <a16:creationId xmlns:a16="http://schemas.microsoft.com/office/drawing/2014/main" id="{51C792DC-B1BB-8D51-E39F-ADDDE3C256BD}"/>
               </a:ext>
             </a:extLst>
           </p:cNvPr>
@@ -4907,8 +3578,8 @@
         </p:nvSpPr>
         <p:spPr>
           <a:xfrm>
-            <a:off x="3788228" y="3788960"/>
-            <a:ext cx="494879" cy="438656"/>
+            <a:off x="12877800" y="6827000"/>
+            <a:ext cx="595717" cy="659492"/>
           </a:xfrm>
           <a:prstGeom prst="frame">
             <a:avLst>
@@ -4946,44 +3617,15 @@
               <a:solidFill>
                 <a:schemeClr val="tx1"/>
               </a:solidFill>
+              <a:latin typeface="+mj-lt"/>
             </a:endParaRPr>
           </a:p>
         </p:txBody>
       </p:sp>
-      <p:pic>
-        <p:nvPicPr>
-          <p:cNvPr id="18" name="Picture 17">
-            <a:extLst>
-              <a:ext uri="{FF2B5EF4-FFF2-40B4-BE49-F238E27FC236}">
-                <a16:creationId xmlns:a16="http://schemas.microsoft.com/office/drawing/2014/main" id="{F9A1660A-5A45-8272-B642-DD138D503D91}"/>
-              </a:ext>
-            </a:extLst>
-          </p:cNvPr>
-          <p:cNvPicPr>
-            <a:picLocks noChangeAspect="1"/>
-          </p:cNvPicPr>
-          <p:nvPr/>
-        </p:nvPicPr>
-        <p:blipFill>
-          <a:blip r:embed="rId4"/>
-          <a:stretch>
-            <a:fillRect/>
-          </a:stretch>
-        </p:blipFill>
-        <p:spPr>
-          <a:xfrm>
-            <a:off x="2435225" y="337724"/>
-            <a:ext cx="7772400" cy="421444"/>
-          </a:xfrm>
-          <a:prstGeom prst="rect">
-            <a:avLst/>
-          </a:prstGeom>
-        </p:spPr>
-      </p:pic>
     </p:spTree>
     <p:extLst>
       <p:ext uri="{BB962C8B-B14F-4D97-AF65-F5344CB8AC3E}">
-        <p14:creationId xmlns:p14="http://schemas.microsoft.com/office/powerpoint/2010/main" val="2674341202"/>
+        <p14:creationId xmlns:p14="http://schemas.microsoft.com/office/powerpoint/2010/main" val="1206163124"/>
       </p:ext>
     </p:extLst>
   </p:cSld>
@@ -4993,7 +3635,7 @@
 </p:sld>
 </file>
 
-<file path=ppt/slides/slide3.xml><?xml version="1.0" encoding="utf-8"?>
+<file path=ppt/slides/slide2.xml><?xml version="1.0" encoding="utf-8"?>
 <p:sld xmlns:a="http://schemas.openxmlformats.org/drawingml/2006/main" xmlns:r="http://schemas.openxmlformats.org/officeDocument/2006/relationships" xmlns:p="http://schemas.openxmlformats.org/presentationml/2006/main">
   <p:cSld>
     <p:spTree>
@@ -5012,66 +3654,71 @@
       </p:grpSpPr>
       <p:sp>
         <p:nvSpPr>
-          <p:cNvPr id="5" name="TextBox 4">
+          <p:cNvPr id="2" name="Title 1">
             <a:extLst>
               <a:ext uri="{FF2B5EF4-FFF2-40B4-BE49-F238E27FC236}">
-                <a16:creationId xmlns:a16="http://schemas.microsoft.com/office/drawing/2014/main" id="{BE736C04-44DB-605D-26BC-95CD9B412BF1}"/>
+                <a16:creationId xmlns:a16="http://schemas.microsoft.com/office/drawing/2014/main" id="{B59F4075-9878-DCC3-6F5D-4B457A242002}"/>
               </a:ext>
             </a:extLst>
           </p:cNvPr>
-          <p:cNvSpPr txBox="1"/>
-          <p:nvPr/>
-        </p:nvSpPr>
-        <p:spPr>
-          <a:xfrm>
-            <a:off x="500975" y="296853"/>
-            <a:ext cx="6138152" cy="584775"/>
-          </a:xfrm>
-          <a:prstGeom prst="rect">
-            <a:avLst/>
-          </a:prstGeom>
-          <a:noFill/>
-        </p:spPr>
-        <p:txBody>
-          <a:bodyPr wrap="square">
-            <a:spAutoFit/>
+          <p:cNvSpPr>
+            <a:spLocks noGrp="1"/>
+          </p:cNvSpPr>
+          <p:nvPr>
+            <p:ph type="title"/>
+          </p:nvPr>
+        </p:nvSpPr>
+        <p:spPr/>
+        <p:txBody>
+          <a:bodyPr>
+            <a:normAutofit/>
           </a:bodyPr>
           <a:lstStyle/>
           <a:p>
             <a:r>
-              <a:rPr lang="en-VN" sz="3200" dirty="0"/>
-              <a:t>dYdX (</a:t>
-            </a:r>
-            <a:r>
-              <a:rPr lang="en-US" sz="3200" b="0" i="0" u="none" strike="noStrike" dirty="0" err="1">
-                <a:solidFill>
-                  <a:srgbClr val="2A3C42"/>
-                </a:solidFill>
-                <a:effectLst/>
-                <a:latin typeface="-apple-system"/>
-              </a:rPr>
-              <a:t>StarkEx</a:t>
-            </a:r>
-            <a:r>
-              <a:rPr lang="en-US" sz="3200" b="0" i="0" u="none" strike="noStrike" dirty="0">
-                <a:solidFill>
-                  <a:srgbClr val="2A3C42"/>
-                </a:solidFill>
-                <a:effectLst/>
-                <a:latin typeface="-apple-system"/>
-              </a:rPr>
-              <a:t>)</a:t>
-            </a:r>
-            <a:endParaRPr lang="en-VN" sz="3200" dirty="0"/>
+              <a:rPr lang="en-VN" sz="6000" dirty="0"/>
+              <a:t>Starknet $1.34B</a:t>
+            </a:r>
+            <a:endParaRPr lang="en-VN" dirty="0"/>
+          </a:p>
+        </p:txBody>
+      </p:sp>
+      <p:sp>
+        <p:nvSpPr>
+          <p:cNvPr id="4" name="Slide Number Placeholder 3">
+            <a:extLst>
+              <a:ext uri="{FF2B5EF4-FFF2-40B4-BE49-F238E27FC236}">
+                <a16:creationId xmlns:a16="http://schemas.microsoft.com/office/drawing/2014/main" id="{72B33737-C3EE-1EA1-2D04-047B9638D9E1}"/>
+              </a:ext>
+            </a:extLst>
+          </p:cNvPr>
+          <p:cNvSpPr>
+            <a:spLocks noGrp="1"/>
+          </p:cNvSpPr>
+          <p:nvPr>
+            <p:ph type="sldNum" sz="quarter" idx="12"/>
+          </p:nvPr>
+        </p:nvSpPr>
+        <p:spPr/>
+        <p:txBody>
+          <a:bodyPr/>
+          <a:lstStyle/>
+          <a:p>
+            <a:fld id="{B6F15528-21DE-4FAA-801E-634DDDAF4B2B}" type="slidenum">
+              <a:rPr lang="en-US" smtClean="0"/>
+              <a:pPr/>
+              <a:t>2</a:t>
+            </a:fld>
+            <a:endParaRPr lang="en-US"/>
           </a:p>
         </p:txBody>
       </p:sp>
       <p:pic>
         <p:nvPicPr>
-          <p:cNvPr id="14" name="Picture 13">
+          <p:cNvPr id="7" name="Picture 6">
             <a:extLst>
               <a:ext uri="{FF2B5EF4-FFF2-40B4-BE49-F238E27FC236}">
-                <a16:creationId xmlns:a16="http://schemas.microsoft.com/office/drawing/2014/main" id="{48503DE6-ABAF-B576-FC4D-F2EFB5B279C9}"/>
+                <a16:creationId xmlns:a16="http://schemas.microsoft.com/office/drawing/2014/main" id="{8B47216A-BEE7-645D-7272-BCEAEB545290}"/>
               </a:ext>
             </a:extLst>
           </p:cNvPr>
@@ -5081,15 +3728,15 @@
           <p:nvPr/>
         </p:nvPicPr>
         <p:blipFill>
-          <a:blip r:embed="rId3"/>
+          <a:blip r:embed="rId2"/>
           <a:stretch>
             <a:fillRect/>
           </a:stretch>
         </p:blipFill>
         <p:spPr>
           <a:xfrm>
-            <a:off x="0" y="866824"/>
-            <a:ext cx="12191302" cy="3554173"/>
+            <a:off x="23892" y="2471762"/>
+            <a:ext cx="18264108" cy="5343476"/>
           </a:xfrm>
           <a:prstGeom prst="rect">
             <a:avLst/>
@@ -5098,10 +3745,10 @@
       </p:pic>
       <p:sp>
         <p:nvSpPr>
-          <p:cNvPr id="15" name="Frame 14">
+          <p:cNvPr id="8" name="Frame 7">
             <a:extLst>
               <a:ext uri="{FF2B5EF4-FFF2-40B4-BE49-F238E27FC236}">
-                <a16:creationId xmlns:a16="http://schemas.microsoft.com/office/drawing/2014/main" id="{94CDF540-A46B-4719-436A-C33BBC824299}"/>
+                <a16:creationId xmlns:a16="http://schemas.microsoft.com/office/drawing/2014/main" id="{00254264-A319-57C8-FA44-F1FA2021EB59}"/>
               </a:ext>
             </a:extLst>
           </p:cNvPr>
@@ -5110,8 +3757,8 @@
         </p:nvSpPr>
         <p:spPr>
           <a:xfrm>
-            <a:off x="2885167" y="3783646"/>
-            <a:ext cx="653680" cy="443970"/>
+            <a:off x="4463716" y="6819011"/>
+            <a:ext cx="786875" cy="667481"/>
           </a:xfrm>
           <a:prstGeom prst="frame">
             <a:avLst>
@@ -5149,16 +3796,17 @@
               <a:solidFill>
                 <a:schemeClr val="tx1"/>
               </a:solidFill>
+              <a:latin typeface="+mj-lt"/>
             </a:endParaRPr>
           </a:p>
         </p:txBody>
       </p:sp>
       <p:sp>
         <p:nvSpPr>
-          <p:cNvPr id="16" name="Frame 15">
+          <p:cNvPr id="9" name="Frame 8">
             <a:extLst>
               <a:ext uri="{FF2B5EF4-FFF2-40B4-BE49-F238E27FC236}">
-                <a16:creationId xmlns:a16="http://schemas.microsoft.com/office/drawing/2014/main" id="{BC784674-270E-A553-FA6C-BC1A0A6B3CD3}"/>
+                <a16:creationId xmlns:a16="http://schemas.microsoft.com/office/drawing/2014/main" id="{51C792DC-B1BB-8D51-E39F-ADDDE3C256BD}"/>
               </a:ext>
             </a:extLst>
           </p:cNvPr>
@@ -5167,8 +3815,8 @@
         </p:nvSpPr>
         <p:spPr>
           <a:xfrm>
-            <a:off x="3788228" y="3788960"/>
-            <a:ext cx="494879" cy="438656"/>
+            <a:off x="5791200" y="6827000"/>
+            <a:ext cx="595717" cy="659492"/>
           </a:xfrm>
           <a:prstGeom prst="frame">
             <a:avLst>
@@ -5206,44 +3854,15 @@
               <a:solidFill>
                 <a:schemeClr val="tx1"/>
               </a:solidFill>
+              <a:latin typeface="+mj-lt"/>
             </a:endParaRPr>
           </a:p>
         </p:txBody>
       </p:sp>
-      <p:pic>
-        <p:nvPicPr>
-          <p:cNvPr id="20" name="Picture 19">
-            <a:extLst>
-              <a:ext uri="{FF2B5EF4-FFF2-40B4-BE49-F238E27FC236}">
-                <a16:creationId xmlns:a16="http://schemas.microsoft.com/office/drawing/2014/main" id="{673ACA96-E1B7-7DB9-37C1-D3D9DF0F9D98}"/>
-              </a:ext>
-            </a:extLst>
-          </p:cNvPr>
-          <p:cNvPicPr>
-            <a:picLocks noChangeAspect="1"/>
-          </p:cNvPicPr>
-          <p:nvPr/>
-        </p:nvPicPr>
-        <p:blipFill>
-          <a:blip r:embed="rId4"/>
-          <a:stretch>
-            <a:fillRect/>
-          </a:stretch>
-        </p:blipFill>
-        <p:spPr>
-          <a:xfrm>
-            <a:off x="3402013" y="390180"/>
-            <a:ext cx="7772400" cy="383318"/>
-          </a:xfrm>
-          <a:prstGeom prst="rect">
-            <a:avLst/>
-          </a:prstGeom>
-        </p:spPr>
-      </p:pic>
     </p:spTree>
     <p:extLst>
       <p:ext uri="{BB962C8B-B14F-4D97-AF65-F5344CB8AC3E}">
-        <p14:creationId xmlns:p14="http://schemas.microsoft.com/office/powerpoint/2010/main" val="3029436931"/>
+        <p14:creationId xmlns:p14="http://schemas.microsoft.com/office/powerpoint/2010/main" val="2289324260"/>
       </p:ext>
     </p:extLst>
   </p:cSld>
@@ -5253,7 +3872,7 @@
 </p:sld>
 </file>
 
-<file path=ppt/slides/slide4.xml><?xml version="1.0" encoding="utf-8"?>
+<file path=ppt/slides/slide3.xml><?xml version="1.0" encoding="utf-8"?>
 <p:sld xmlns:a="http://schemas.openxmlformats.org/drawingml/2006/main" xmlns:r="http://schemas.openxmlformats.org/officeDocument/2006/relationships" xmlns:p="http://schemas.openxmlformats.org/presentationml/2006/main">
   <p:cSld>
     <p:spTree>
@@ -5272,45 +3891,71 @@
       </p:grpSpPr>
       <p:sp>
         <p:nvSpPr>
-          <p:cNvPr id="5" name="TextBox 4">
+          <p:cNvPr id="2" name="Title 1">
             <a:extLst>
               <a:ext uri="{FF2B5EF4-FFF2-40B4-BE49-F238E27FC236}">
-                <a16:creationId xmlns:a16="http://schemas.microsoft.com/office/drawing/2014/main" id="{BE736C04-44DB-605D-26BC-95CD9B412BF1}"/>
+                <a16:creationId xmlns:a16="http://schemas.microsoft.com/office/drawing/2014/main" id="{B59F4075-9878-DCC3-6F5D-4B457A242002}"/>
               </a:ext>
             </a:extLst>
           </p:cNvPr>
-          <p:cNvSpPr txBox="1"/>
-          <p:nvPr/>
-        </p:nvSpPr>
-        <p:spPr>
-          <a:xfrm>
-            <a:off x="500975" y="296853"/>
-            <a:ext cx="6138152" cy="584775"/>
-          </a:xfrm>
-          <a:prstGeom prst="rect">
-            <a:avLst/>
-          </a:prstGeom>
-          <a:noFill/>
-        </p:spPr>
-        <p:txBody>
-          <a:bodyPr wrap="square">
-            <a:spAutoFit/>
+          <p:cNvSpPr>
+            <a:spLocks noGrp="1"/>
+          </p:cNvSpPr>
+          <p:nvPr>
+            <p:ph type="title"/>
+          </p:nvPr>
+        </p:nvSpPr>
+        <p:spPr/>
+        <p:txBody>
+          <a:bodyPr>
+            <a:normAutofit/>
           </a:bodyPr>
           <a:lstStyle/>
           <a:p>
             <a:r>
-              <a:rPr lang="en-VN" sz="3200" dirty="0"/>
-              <a:t>Polygon Zero (Plonky2)</a:t>
-            </a:r>
+              <a:rPr lang="en-VN" sz="6000" dirty="0"/>
+              <a:t>ZkSync Era (Boojum) $707M</a:t>
+            </a:r>
+            <a:endParaRPr lang="en-VN" dirty="0"/>
+          </a:p>
+        </p:txBody>
+      </p:sp>
+      <p:sp>
+        <p:nvSpPr>
+          <p:cNvPr id="4" name="Slide Number Placeholder 3">
+            <a:extLst>
+              <a:ext uri="{FF2B5EF4-FFF2-40B4-BE49-F238E27FC236}">
+                <a16:creationId xmlns:a16="http://schemas.microsoft.com/office/drawing/2014/main" id="{72B33737-C3EE-1EA1-2D04-047B9638D9E1}"/>
+              </a:ext>
+            </a:extLst>
+          </p:cNvPr>
+          <p:cNvSpPr>
+            <a:spLocks noGrp="1"/>
+          </p:cNvSpPr>
+          <p:nvPr>
+            <p:ph type="sldNum" sz="quarter" idx="12"/>
+          </p:nvPr>
+        </p:nvSpPr>
+        <p:spPr/>
+        <p:txBody>
+          <a:bodyPr/>
+          <a:lstStyle/>
+          <a:p>
+            <a:fld id="{B6F15528-21DE-4FAA-801E-634DDDAF4B2B}" type="slidenum">
+              <a:rPr lang="en-US" smtClean="0"/>
+              <a:pPr/>
+              <a:t>3</a:t>
+            </a:fld>
+            <a:endParaRPr lang="en-US"/>
           </a:p>
         </p:txBody>
       </p:sp>
       <p:pic>
         <p:nvPicPr>
-          <p:cNvPr id="14" name="Picture 13">
+          <p:cNvPr id="7" name="Picture 6">
             <a:extLst>
               <a:ext uri="{FF2B5EF4-FFF2-40B4-BE49-F238E27FC236}">
-                <a16:creationId xmlns:a16="http://schemas.microsoft.com/office/drawing/2014/main" id="{48503DE6-ABAF-B576-FC4D-F2EFB5B279C9}"/>
+                <a16:creationId xmlns:a16="http://schemas.microsoft.com/office/drawing/2014/main" id="{8B47216A-BEE7-645D-7272-BCEAEB545290}"/>
               </a:ext>
             </a:extLst>
           </p:cNvPr>
@@ -5320,15 +3965,15 @@
           <p:nvPr/>
         </p:nvPicPr>
         <p:blipFill>
-          <a:blip r:embed="rId3"/>
+          <a:blip r:embed="rId2"/>
           <a:stretch>
             <a:fillRect/>
           </a:stretch>
         </p:blipFill>
         <p:spPr>
           <a:xfrm>
-            <a:off x="0" y="866824"/>
-            <a:ext cx="12191302" cy="3554173"/>
+            <a:off x="23892" y="2471762"/>
+            <a:ext cx="18264108" cy="5343476"/>
           </a:xfrm>
           <a:prstGeom prst="rect">
             <a:avLst/>
@@ -5337,10 +3982,10 @@
       </p:pic>
       <p:sp>
         <p:nvSpPr>
-          <p:cNvPr id="15" name="Frame 14">
+          <p:cNvPr id="8" name="Frame 7">
             <a:extLst>
               <a:ext uri="{FF2B5EF4-FFF2-40B4-BE49-F238E27FC236}">
-                <a16:creationId xmlns:a16="http://schemas.microsoft.com/office/drawing/2014/main" id="{94CDF540-A46B-4719-436A-C33BBC824299}"/>
+                <a16:creationId xmlns:a16="http://schemas.microsoft.com/office/drawing/2014/main" id="{00254264-A319-57C8-FA44-F1FA2021EB59}"/>
               </a:ext>
             </a:extLst>
           </p:cNvPr>
@@ -5349,8 +3994,8 @@
         </p:nvSpPr>
         <p:spPr>
           <a:xfrm>
-            <a:off x="2885167" y="3783646"/>
-            <a:ext cx="653680" cy="443970"/>
+            <a:off x="4463716" y="6819011"/>
+            <a:ext cx="786875" cy="667481"/>
           </a:xfrm>
           <a:prstGeom prst="frame">
             <a:avLst>
@@ -5388,16 +4033,17 @@
               <a:solidFill>
                 <a:schemeClr val="tx1"/>
               </a:solidFill>
+              <a:latin typeface="+mj-lt"/>
             </a:endParaRPr>
           </a:p>
         </p:txBody>
       </p:sp>
       <p:sp>
         <p:nvSpPr>
-          <p:cNvPr id="16" name="Frame 15">
+          <p:cNvPr id="3" name="Frame 2">
             <a:extLst>
               <a:ext uri="{FF2B5EF4-FFF2-40B4-BE49-F238E27FC236}">
-                <a16:creationId xmlns:a16="http://schemas.microsoft.com/office/drawing/2014/main" id="{BC784674-270E-A553-FA6C-BC1A0A6B3CD3}"/>
+                <a16:creationId xmlns:a16="http://schemas.microsoft.com/office/drawing/2014/main" id="{4CFC004A-96A8-AC2A-9240-C9C9CECE21A7}"/>
               </a:ext>
             </a:extLst>
           </p:cNvPr>
@@ -5406,8 +4052,8 @@
         </p:nvSpPr>
         <p:spPr>
           <a:xfrm>
-            <a:off x="3747406" y="3800706"/>
-            <a:ext cx="494879" cy="438656"/>
+            <a:off x="5791200" y="6819900"/>
+            <a:ext cx="595717" cy="659492"/>
           </a:xfrm>
           <a:prstGeom prst="frame">
             <a:avLst>
@@ -5445,44 +4091,15 @@
               <a:solidFill>
                 <a:schemeClr val="tx1"/>
               </a:solidFill>
+              <a:latin typeface="+mj-lt"/>
             </a:endParaRPr>
           </a:p>
         </p:txBody>
       </p:sp>
-      <p:pic>
-        <p:nvPicPr>
-          <p:cNvPr id="4" name="Picture 3">
-            <a:extLst>
-              <a:ext uri="{FF2B5EF4-FFF2-40B4-BE49-F238E27FC236}">
-                <a16:creationId xmlns:a16="http://schemas.microsoft.com/office/drawing/2014/main" id="{3A77239F-F426-B7DB-7901-475AEEDCDEE4}"/>
-              </a:ext>
-            </a:extLst>
-          </p:cNvPr>
-          <p:cNvPicPr>
-            <a:picLocks noChangeAspect="1"/>
-          </p:cNvPicPr>
-          <p:nvPr/>
-        </p:nvPicPr>
-        <p:blipFill>
-          <a:blip r:embed="rId4"/>
-          <a:stretch>
-            <a:fillRect/>
-          </a:stretch>
-        </p:blipFill>
-        <p:spPr>
-          <a:xfrm>
-            <a:off x="4418902" y="403613"/>
-            <a:ext cx="7772400" cy="356452"/>
-          </a:xfrm>
-          <a:prstGeom prst="rect">
-            <a:avLst/>
-          </a:prstGeom>
-        </p:spPr>
-      </p:pic>
     </p:spTree>
     <p:extLst>
       <p:ext uri="{BB962C8B-B14F-4D97-AF65-F5344CB8AC3E}">
-        <p14:creationId xmlns:p14="http://schemas.microsoft.com/office/powerpoint/2010/main" val="2261075762"/>
+        <p14:creationId xmlns:p14="http://schemas.microsoft.com/office/powerpoint/2010/main" val="2003925845"/>
       </p:ext>
     </p:extLst>
   </p:cSld>
@@ -5492,7 +4109,7 @@
 </p:sld>
 </file>
 
-<file path=ppt/slides/slide5.xml><?xml version="1.0" encoding="utf-8"?>
+<file path=ppt/slides/slide4.xml><?xml version="1.0" encoding="utf-8"?>
 <p:sld xmlns:a="http://schemas.openxmlformats.org/drawingml/2006/main" xmlns:r="http://schemas.openxmlformats.org/officeDocument/2006/relationships" xmlns:p="http://schemas.openxmlformats.org/presentationml/2006/main">
   <p:cSld>
     <p:spTree>
@@ -5511,66 +4128,89 @@
       </p:grpSpPr>
       <p:sp>
         <p:nvSpPr>
-          <p:cNvPr id="5" name="TextBox 4">
+          <p:cNvPr id="2" name="Title 1">
             <a:extLst>
               <a:ext uri="{FF2B5EF4-FFF2-40B4-BE49-F238E27FC236}">
-                <a16:creationId xmlns:a16="http://schemas.microsoft.com/office/drawing/2014/main" id="{BE736C04-44DB-605D-26BC-95CD9B412BF1}"/>
+                <a16:creationId xmlns:a16="http://schemas.microsoft.com/office/drawing/2014/main" id="{B59F4075-9878-DCC3-6F5D-4B457A242002}"/>
               </a:ext>
             </a:extLst>
           </p:cNvPr>
-          <p:cNvSpPr txBox="1"/>
-          <p:nvPr/>
-        </p:nvSpPr>
-        <p:spPr>
-          <a:xfrm>
-            <a:off x="500975" y="296853"/>
-            <a:ext cx="6138152" cy="584775"/>
-          </a:xfrm>
-          <a:prstGeom prst="rect">
-            <a:avLst/>
-          </a:prstGeom>
-          <a:noFill/>
-        </p:spPr>
-        <p:txBody>
-          <a:bodyPr wrap="square">
-            <a:spAutoFit/>
+          <p:cNvSpPr>
+            <a:spLocks noGrp="1"/>
+          </p:cNvSpPr>
+          <p:nvPr>
+            <p:ph type="title"/>
+          </p:nvPr>
+        </p:nvSpPr>
+        <p:spPr/>
+        <p:txBody>
+          <a:bodyPr>
+            <a:normAutofit/>
           </a:bodyPr>
           <a:lstStyle/>
           <a:p>
             <a:r>
-              <a:rPr lang="en-VN" sz="3200" dirty="0"/>
-              <a:t>Polygon </a:t>
-            </a:r>
-            <a:r>
-              <a:rPr lang="en-US" sz="3200" b="0" i="0" u="none" strike="noStrike" dirty="0" err="1">
+              <a:rPr lang="en-VN" sz="6000" dirty="0"/>
+              <a:t>dYdX (</a:t>
+            </a:r>
+            <a:r>
+              <a:rPr lang="en-US" sz="6000" b="0" i="0" u="none" strike="noStrike" dirty="0" err="1">
                 <a:solidFill>
-                  <a:srgbClr val="1F2328"/>
+                  <a:srgbClr val="2A3C42"/>
                 </a:solidFill>
                 <a:effectLst/>
-                <a:latin typeface="-apple-system"/>
               </a:rPr>
-              <a:t>Hermez</a:t>
-            </a:r>
-            <a:r>
-              <a:rPr lang="en-US" sz="3200" b="0" i="0" u="none" strike="noStrike" dirty="0">
+              <a:t>StarkEx</a:t>
+            </a:r>
+            <a:r>
+              <a:rPr lang="en-US" sz="6000" b="0" i="0" u="none" strike="noStrike" dirty="0">
                 <a:solidFill>
-                  <a:srgbClr val="1F2328"/>
+                  <a:srgbClr val="2A3C42"/>
                 </a:solidFill>
                 <a:effectLst/>
-                <a:latin typeface="-apple-system"/>
               </a:rPr>
-              <a:t> ?</a:t>
-            </a:r>
-            <a:endParaRPr lang="en-VN" sz="3200" dirty="0"/>
+              <a:t>) $394M</a:t>
+            </a:r>
+            <a:endParaRPr lang="en-VN" sz="6000" dirty="0"/>
+          </a:p>
+        </p:txBody>
+      </p:sp>
+      <p:sp>
+        <p:nvSpPr>
+          <p:cNvPr id="4" name="Slide Number Placeholder 3">
+            <a:extLst>
+              <a:ext uri="{FF2B5EF4-FFF2-40B4-BE49-F238E27FC236}">
+                <a16:creationId xmlns:a16="http://schemas.microsoft.com/office/drawing/2014/main" id="{72B33737-C3EE-1EA1-2D04-047B9638D9E1}"/>
+              </a:ext>
+            </a:extLst>
+          </p:cNvPr>
+          <p:cNvSpPr>
+            <a:spLocks noGrp="1"/>
+          </p:cNvSpPr>
+          <p:nvPr>
+            <p:ph type="sldNum" sz="quarter" idx="12"/>
+          </p:nvPr>
+        </p:nvSpPr>
+        <p:spPr/>
+        <p:txBody>
+          <a:bodyPr/>
+          <a:lstStyle/>
+          <a:p>
+            <a:fld id="{B6F15528-21DE-4FAA-801E-634DDDAF4B2B}" type="slidenum">
+              <a:rPr lang="en-US" smtClean="0"/>
+              <a:pPr/>
+              <a:t>4</a:t>
+            </a:fld>
+            <a:endParaRPr lang="en-US"/>
           </a:p>
         </p:txBody>
       </p:sp>
       <p:pic>
         <p:nvPicPr>
-          <p:cNvPr id="14" name="Picture 13">
+          <p:cNvPr id="7" name="Picture 6">
             <a:extLst>
               <a:ext uri="{FF2B5EF4-FFF2-40B4-BE49-F238E27FC236}">
-                <a16:creationId xmlns:a16="http://schemas.microsoft.com/office/drawing/2014/main" id="{48503DE6-ABAF-B576-FC4D-F2EFB5B279C9}"/>
+                <a16:creationId xmlns:a16="http://schemas.microsoft.com/office/drawing/2014/main" id="{8B47216A-BEE7-645D-7272-BCEAEB545290}"/>
               </a:ext>
             </a:extLst>
           </p:cNvPr>
@@ -5580,15 +4220,15 @@
           <p:nvPr/>
         </p:nvPicPr>
         <p:blipFill>
-          <a:blip r:embed="rId3"/>
+          <a:blip r:embed="rId2"/>
           <a:stretch>
             <a:fillRect/>
           </a:stretch>
         </p:blipFill>
         <p:spPr>
           <a:xfrm>
-            <a:off x="0" y="866824"/>
-            <a:ext cx="12191302" cy="3554173"/>
+            <a:off x="23892" y="2471762"/>
+            <a:ext cx="18264108" cy="5343476"/>
           </a:xfrm>
           <a:prstGeom prst="rect">
             <a:avLst/>
@@ -5597,10 +4237,10 @@
       </p:pic>
       <p:sp>
         <p:nvSpPr>
-          <p:cNvPr id="15" name="Frame 14">
+          <p:cNvPr id="8" name="Frame 7">
             <a:extLst>
               <a:ext uri="{FF2B5EF4-FFF2-40B4-BE49-F238E27FC236}">
-                <a16:creationId xmlns:a16="http://schemas.microsoft.com/office/drawing/2014/main" id="{94CDF540-A46B-4719-436A-C33BBC824299}"/>
+                <a16:creationId xmlns:a16="http://schemas.microsoft.com/office/drawing/2014/main" id="{00254264-A319-57C8-FA44-F1FA2021EB59}"/>
               </a:ext>
             </a:extLst>
           </p:cNvPr>
@@ -5609,8 +4249,8 @@
         </p:nvSpPr>
         <p:spPr>
           <a:xfrm>
-            <a:off x="2916371" y="3771487"/>
-            <a:ext cx="653680" cy="443970"/>
+            <a:off x="4463716" y="6819011"/>
+            <a:ext cx="786875" cy="667481"/>
           </a:xfrm>
           <a:prstGeom prst="frame">
             <a:avLst>
@@ -5648,16 +4288,17 @@
               <a:solidFill>
                 <a:schemeClr val="tx1"/>
               </a:solidFill>
+              <a:latin typeface="+mj-lt"/>
             </a:endParaRPr>
           </a:p>
         </p:txBody>
       </p:sp>
       <p:sp>
         <p:nvSpPr>
-          <p:cNvPr id="16" name="Frame 15">
+          <p:cNvPr id="9" name="Frame 8">
             <a:extLst>
               <a:ext uri="{FF2B5EF4-FFF2-40B4-BE49-F238E27FC236}">
-                <a16:creationId xmlns:a16="http://schemas.microsoft.com/office/drawing/2014/main" id="{BC784674-270E-A553-FA6C-BC1A0A6B3CD3}"/>
+                <a16:creationId xmlns:a16="http://schemas.microsoft.com/office/drawing/2014/main" id="{51C792DC-B1BB-8D51-E39F-ADDDE3C256BD}"/>
               </a:ext>
             </a:extLst>
           </p:cNvPr>
@@ -5666,8 +4307,8 @@
         </p:nvSpPr>
         <p:spPr>
           <a:xfrm>
-            <a:off x="3871913" y="3800706"/>
-            <a:ext cx="370372" cy="385532"/>
+            <a:off x="5791200" y="6827000"/>
+            <a:ext cx="595717" cy="659492"/>
           </a:xfrm>
           <a:prstGeom prst="frame">
             <a:avLst>
@@ -5705,16 +4346,147 @@
               <a:solidFill>
                 <a:schemeClr val="tx1"/>
               </a:solidFill>
+              <a:latin typeface="+mj-lt"/>
             </a:endParaRPr>
           </a:p>
         </p:txBody>
       </p:sp>
-      <p:sp>
-        <p:nvSpPr>
-          <p:cNvPr id="2" name="Frame 1">
+    </p:spTree>
+    <p:extLst>
+      <p:ext uri="{BB962C8B-B14F-4D97-AF65-F5344CB8AC3E}">
+        <p14:creationId xmlns:p14="http://schemas.microsoft.com/office/powerpoint/2010/main" val="3636237907"/>
+      </p:ext>
+    </p:extLst>
+  </p:cSld>
+  <p:clrMapOvr>
+    <a:masterClrMapping/>
+  </p:clrMapOvr>
+</p:sld>
+</file>
+
+<file path=ppt/slides/slide5.xml><?xml version="1.0" encoding="utf-8"?>
+<p:sld xmlns:a="http://schemas.openxmlformats.org/drawingml/2006/main" xmlns:r="http://schemas.openxmlformats.org/officeDocument/2006/relationships" xmlns:p="http://schemas.openxmlformats.org/presentationml/2006/main">
+  <p:cSld>
+    <p:spTree>
+      <p:nvGrpSpPr>
+        <p:cNvPr id="1" name=""/>
+        <p:cNvGrpSpPr/>
+        <p:nvPr/>
+      </p:nvGrpSpPr>
+      <p:grpSpPr>
+        <a:xfrm>
+          <a:off x="0" y="0"/>
+          <a:ext cx="0" cy="0"/>
+          <a:chOff x="0" y="0"/>
+          <a:chExt cx="0" cy="0"/>
+        </a:xfrm>
+      </p:grpSpPr>
+      <p:sp>
+        <p:nvSpPr>
+          <p:cNvPr id="2" name="Title 1">
             <a:extLst>
               <a:ext uri="{FF2B5EF4-FFF2-40B4-BE49-F238E27FC236}">
-                <a16:creationId xmlns:a16="http://schemas.microsoft.com/office/drawing/2014/main" id="{7A1BB627-2556-8DC9-7508-CD68604B50B2}"/>
+                <a16:creationId xmlns:a16="http://schemas.microsoft.com/office/drawing/2014/main" id="{B59F4075-9878-DCC3-6F5D-4B457A242002}"/>
+              </a:ext>
+            </a:extLst>
+          </p:cNvPr>
+          <p:cNvSpPr>
+            <a:spLocks noGrp="1"/>
+          </p:cNvSpPr>
+          <p:nvPr>
+            <p:ph type="title"/>
+          </p:nvPr>
+        </p:nvSpPr>
+        <p:spPr/>
+        <p:txBody>
+          <a:bodyPr>
+            <a:normAutofit/>
+          </a:bodyPr>
+          <a:lstStyle/>
+          <a:p>
+            <a:r>
+              <a:rPr lang="en-VN" sz="6000" dirty="0"/>
+              <a:t>Linea</a:t>
+            </a:r>
+            <a:r>
+              <a:rPr lang="en-US" sz="6000" b="0" i="0" u="none" strike="noStrike" dirty="0">
+                <a:solidFill>
+                  <a:srgbClr val="2A3C42"/>
+                </a:solidFill>
+                <a:effectLst/>
+              </a:rPr>
+              <a:t> $382M</a:t>
+            </a:r>
+            <a:endParaRPr lang="en-VN" sz="6000" dirty="0"/>
+          </a:p>
+        </p:txBody>
+      </p:sp>
+      <p:sp>
+        <p:nvSpPr>
+          <p:cNvPr id="4" name="Slide Number Placeholder 3">
+            <a:extLst>
+              <a:ext uri="{FF2B5EF4-FFF2-40B4-BE49-F238E27FC236}">
+                <a16:creationId xmlns:a16="http://schemas.microsoft.com/office/drawing/2014/main" id="{72B33737-C3EE-1EA1-2D04-047B9638D9E1}"/>
+              </a:ext>
+            </a:extLst>
+          </p:cNvPr>
+          <p:cNvSpPr>
+            <a:spLocks noGrp="1"/>
+          </p:cNvSpPr>
+          <p:nvPr>
+            <p:ph type="sldNum" sz="quarter" idx="12"/>
+          </p:nvPr>
+        </p:nvSpPr>
+        <p:spPr/>
+        <p:txBody>
+          <a:bodyPr/>
+          <a:lstStyle/>
+          <a:p>
+            <a:fld id="{B6F15528-21DE-4FAA-801E-634DDDAF4B2B}" type="slidenum">
+              <a:rPr lang="en-US" smtClean="0"/>
+              <a:pPr/>
+              <a:t>5</a:t>
+            </a:fld>
+            <a:endParaRPr lang="en-US"/>
+          </a:p>
+        </p:txBody>
+      </p:sp>
+      <p:pic>
+        <p:nvPicPr>
+          <p:cNvPr id="7" name="Picture 6">
+            <a:extLst>
+              <a:ext uri="{FF2B5EF4-FFF2-40B4-BE49-F238E27FC236}">
+                <a16:creationId xmlns:a16="http://schemas.microsoft.com/office/drawing/2014/main" id="{8B47216A-BEE7-645D-7272-BCEAEB545290}"/>
+              </a:ext>
+            </a:extLst>
+          </p:cNvPr>
+          <p:cNvPicPr>
+            <a:picLocks noChangeAspect="1"/>
+          </p:cNvPicPr>
+          <p:nvPr/>
+        </p:nvPicPr>
+        <p:blipFill>
+          <a:blip r:embed="rId2"/>
+          <a:stretch>
+            <a:fillRect/>
+          </a:stretch>
+        </p:blipFill>
+        <p:spPr>
+          <a:xfrm>
+            <a:off x="23892" y="2471762"/>
+            <a:ext cx="18264108" cy="5343476"/>
+          </a:xfrm>
+          <a:prstGeom prst="rect">
+            <a:avLst/>
+          </a:prstGeom>
+        </p:spPr>
+      </p:pic>
+      <p:sp>
+        <p:nvSpPr>
+          <p:cNvPr id="8" name="Frame 7">
+            <a:extLst>
+              <a:ext uri="{FF2B5EF4-FFF2-40B4-BE49-F238E27FC236}">
+                <a16:creationId xmlns:a16="http://schemas.microsoft.com/office/drawing/2014/main" id="{00254264-A319-57C8-FA44-F1FA2021EB59}"/>
               </a:ext>
             </a:extLst>
           </p:cNvPr>
@@ -5723,8 +4495,8 @@
         </p:nvSpPr>
         <p:spPr>
           <a:xfrm>
-            <a:off x="10569709" y="2421925"/>
-            <a:ext cx="653680" cy="443970"/>
+            <a:off x="4463716" y="6819011"/>
+            <a:ext cx="786875" cy="667481"/>
           </a:xfrm>
           <a:prstGeom prst="frame">
             <a:avLst>
@@ -5762,149 +4534,17 @@
               <a:solidFill>
                 <a:schemeClr val="tx1"/>
               </a:solidFill>
+              <a:latin typeface="+mj-lt"/>
             </a:endParaRPr>
           </a:p>
         </p:txBody>
       </p:sp>
-      <p:pic>
-        <p:nvPicPr>
-          <p:cNvPr id="3" name="Picture 2">
+      <p:sp>
+        <p:nvSpPr>
+          <p:cNvPr id="9" name="Frame 8">
             <a:extLst>
               <a:ext uri="{FF2B5EF4-FFF2-40B4-BE49-F238E27FC236}">
-                <a16:creationId xmlns:a16="http://schemas.microsoft.com/office/drawing/2014/main" id="{C87E4D0C-3435-29AC-30E7-088177F3577E}"/>
-              </a:ext>
-            </a:extLst>
-          </p:cNvPr>
-          <p:cNvPicPr>
-            <a:picLocks noChangeAspect="1"/>
-          </p:cNvPicPr>
-          <p:nvPr/>
-        </p:nvPicPr>
-        <p:blipFill>
-          <a:blip r:embed="rId4"/>
-          <a:stretch>
-            <a:fillRect/>
-          </a:stretch>
-        </p:blipFill>
-        <p:spPr>
-          <a:xfrm>
-            <a:off x="4418902" y="403613"/>
-            <a:ext cx="7772400" cy="356452"/>
-          </a:xfrm>
-          <a:prstGeom prst="rect">
-            <a:avLst/>
-          </a:prstGeom>
-        </p:spPr>
-      </p:pic>
-    </p:spTree>
-    <p:extLst>
-      <p:ext uri="{BB962C8B-B14F-4D97-AF65-F5344CB8AC3E}">
-        <p14:creationId xmlns:p14="http://schemas.microsoft.com/office/powerpoint/2010/main" val="3073148031"/>
-      </p:ext>
-    </p:extLst>
-  </p:cSld>
-  <p:clrMapOvr>
-    <a:masterClrMapping/>
-  </p:clrMapOvr>
-</p:sld>
-</file>
-
-<file path=ppt/slides/slide6.xml><?xml version="1.0" encoding="utf-8"?>
-<p:sld xmlns:a="http://schemas.openxmlformats.org/drawingml/2006/main" xmlns:r="http://schemas.openxmlformats.org/officeDocument/2006/relationships" xmlns:p="http://schemas.openxmlformats.org/presentationml/2006/main">
-  <p:cSld>
-    <p:spTree>
-      <p:nvGrpSpPr>
-        <p:cNvPr id="1" name=""/>
-        <p:cNvGrpSpPr/>
-        <p:nvPr/>
-      </p:nvGrpSpPr>
-      <p:grpSpPr>
-        <a:xfrm>
-          <a:off x="0" y="0"/>
-          <a:ext cx="0" cy="0"/>
-          <a:chOff x="0" y="0"/>
-          <a:chExt cx="0" cy="0"/>
-        </a:xfrm>
-      </p:grpSpPr>
-      <p:sp>
-        <p:nvSpPr>
-          <p:cNvPr id="5" name="TextBox 4">
-            <a:extLst>
-              <a:ext uri="{FF2B5EF4-FFF2-40B4-BE49-F238E27FC236}">
-                <a16:creationId xmlns:a16="http://schemas.microsoft.com/office/drawing/2014/main" id="{BE736C04-44DB-605D-26BC-95CD9B412BF1}"/>
-              </a:ext>
-            </a:extLst>
-          </p:cNvPr>
-          <p:cNvSpPr txBox="1"/>
-          <p:nvPr/>
-        </p:nvSpPr>
-        <p:spPr>
-          <a:xfrm>
-            <a:off x="500975" y="296853"/>
-            <a:ext cx="6138152" cy="584775"/>
-          </a:xfrm>
-          <a:prstGeom prst="rect">
-            <a:avLst/>
-          </a:prstGeom>
-          <a:noFill/>
-        </p:spPr>
-        <p:txBody>
-          <a:bodyPr wrap="square">
-            <a:spAutoFit/>
-          </a:bodyPr>
-          <a:lstStyle/>
-          <a:p>
-            <a:r>
-              <a:rPr lang="en-VN" sz="3200" dirty="0"/>
-              <a:t>Z</a:t>
-            </a:r>
-            <a:r>
-              <a:rPr lang="en-US" sz="3200" dirty="0"/>
-              <a:t>c</a:t>
-            </a:r>
-            <a:r>
-              <a:rPr lang="en-VN" sz="3200" dirty="0"/>
-              <a:t>ash (Halo2)</a:t>
-            </a:r>
-          </a:p>
-        </p:txBody>
-      </p:sp>
-      <p:pic>
-        <p:nvPicPr>
-          <p:cNvPr id="14" name="Picture 13">
-            <a:extLst>
-              <a:ext uri="{FF2B5EF4-FFF2-40B4-BE49-F238E27FC236}">
-                <a16:creationId xmlns:a16="http://schemas.microsoft.com/office/drawing/2014/main" id="{48503DE6-ABAF-B576-FC4D-F2EFB5B279C9}"/>
-              </a:ext>
-            </a:extLst>
-          </p:cNvPr>
-          <p:cNvPicPr>
-            <a:picLocks noChangeAspect="1"/>
-          </p:cNvPicPr>
-          <p:nvPr/>
-        </p:nvPicPr>
-        <p:blipFill>
-          <a:blip r:embed="rId3"/>
-          <a:stretch>
-            <a:fillRect/>
-          </a:stretch>
-        </p:blipFill>
-        <p:spPr>
-          <a:xfrm>
-            <a:off x="0" y="866824"/>
-            <a:ext cx="12191302" cy="3554173"/>
-          </a:xfrm>
-          <a:prstGeom prst="rect">
-            <a:avLst/>
-          </a:prstGeom>
-        </p:spPr>
-      </p:pic>
-      <p:sp>
-        <p:nvSpPr>
-          <p:cNvPr id="15" name="Frame 14">
-            <a:extLst>
-              <a:ext uri="{FF2B5EF4-FFF2-40B4-BE49-F238E27FC236}">
-                <a16:creationId xmlns:a16="http://schemas.microsoft.com/office/drawing/2014/main" id="{94CDF540-A46B-4719-436A-C33BBC824299}"/>
+                <a16:creationId xmlns:a16="http://schemas.microsoft.com/office/drawing/2014/main" id="{51C792DC-B1BB-8D51-E39F-ADDDE3C256BD}"/>
               </a:ext>
             </a:extLst>
           </p:cNvPr>
@@ -5913,8 +4553,8 @@
         </p:nvSpPr>
         <p:spPr>
           <a:xfrm>
-            <a:off x="2885167" y="3783646"/>
-            <a:ext cx="653680" cy="443970"/>
+            <a:off x="15925800" y="4914900"/>
+            <a:ext cx="914400" cy="659492"/>
           </a:xfrm>
           <a:prstGeom prst="frame">
             <a:avLst>
@@ -5952,16 +4592,137 @@
               <a:solidFill>
                 <a:schemeClr val="tx1"/>
               </a:solidFill>
+              <a:latin typeface="+mj-lt"/>
             </a:endParaRPr>
           </a:p>
         </p:txBody>
       </p:sp>
-      <p:sp>
-        <p:nvSpPr>
-          <p:cNvPr id="16" name="Frame 15">
+    </p:spTree>
+    <p:extLst>
+      <p:ext uri="{BB962C8B-B14F-4D97-AF65-F5344CB8AC3E}">
+        <p14:creationId xmlns:p14="http://schemas.microsoft.com/office/powerpoint/2010/main" val="822374324"/>
+      </p:ext>
+    </p:extLst>
+  </p:cSld>
+  <p:clrMapOvr>
+    <a:masterClrMapping/>
+  </p:clrMapOvr>
+</p:sld>
+</file>
+
+<file path=ppt/slides/slide6.xml><?xml version="1.0" encoding="utf-8"?>
+<p:sld xmlns:a="http://schemas.openxmlformats.org/drawingml/2006/main" xmlns:r="http://schemas.openxmlformats.org/officeDocument/2006/relationships" xmlns:p="http://schemas.openxmlformats.org/presentationml/2006/main">
+  <p:cSld>
+    <p:spTree>
+      <p:nvGrpSpPr>
+        <p:cNvPr id="1" name=""/>
+        <p:cNvGrpSpPr/>
+        <p:nvPr/>
+      </p:nvGrpSpPr>
+      <p:grpSpPr>
+        <a:xfrm>
+          <a:off x="0" y="0"/>
+          <a:ext cx="0" cy="0"/>
+          <a:chOff x="0" y="0"/>
+          <a:chExt cx="0" cy="0"/>
+        </a:xfrm>
+      </p:grpSpPr>
+      <p:sp>
+        <p:nvSpPr>
+          <p:cNvPr id="2" name="Title 1">
             <a:extLst>
               <a:ext uri="{FF2B5EF4-FFF2-40B4-BE49-F238E27FC236}">
-                <a16:creationId xmlns:a16="http://schemas.microsoft.com/office/drawing/2014/main" id="{BC784674-270E-A553-FA6C-BC1A0A6B3CD3}"/>
+                <a16:creationId xmlns:a16="http://schemas.microsoft.com/office/drawing/2014/main" id="{B59F4075-9878-DCC3-6F5D-4B457A242002}"/>
+              </a:ext>
+            </a:extLst>
+          </p:cNvPr>
+          <p:cNvSpPr>
+            <a:spLocks noGrp="1"/>
+          </p:cNvSpPr>
+          <p:nvPr>
+            <p:ph type="title"/>
+          </p:nvPr>
+        </p:nvSpPr>
+        <p:spPr/>
+        <p:txBody>
+          <a:bodyPr>
+            <a:normAutofit fontScale="90000"/>
+          </a:bodyPr>
+          <a:lstStyle/>
+          <a:p>
+            <a:r>
+              <a:rPr lang="en-VN" sz="6000" dirty="0"/>
+              <a:t>Polygon Zero (Plonky2) $155M</a:t>
+            </a:r>
+          </a:p>
+        </p:txBody>
+      </p:sp>
+      <p:sp>
+        <p:nvSpPr>
+          <p:cNvPr id="4" name="Slide Number Placeholder 3">
+            <a:extLst>
+              <a:ext uri="{FF2B5EF4-FFF2-40B4-BE49-F238E27FC236}">
+                <a16:creationId xmlns:a16="http://schemas.microsoft.com/office/drawing/2014/main" id="{72B33737-C3EE-1EA1-2D04-047B9638D9E1}"/>
+              </a:ext>
+            </a:extLst>
+          </p:cNvPr>
+          <p:cNvSpPr>
+            <a:spLocks noGrp="1"/>
+          </p:cNvSpPr>
+          <p:nvPr>
+            <p:ph type="sldNum" sz="quarter" idx="12"/>
+          </p:nvPr>
+        </p:nvSpPr>
+        <p:spPr/>
+        <p:txBody>
+          <a:bodyPr/>
+          <a:lstStyle/>
+          <a:p>
+            <a:fld id="{B6F15528-21DE-4FAA-801E-634DDDAF4B2B}" type="slidenum">
+              <a:rPr lang="en-US" smtClean="0"/>
+              <a:pPr/>
+              <a:t>6</a:t>
+            </a:fld>
+            <a:endParaRPr lang="en-US"/>
+          </a:p>
+        </p:txBody>
+      </p:sp>
+      <p:pic>
+        <p:nvPicPr>
+          <p:cNvPr id="7" name="Picture 6">
+            <a:extLst>
+              <a:ext uri="{FF2B5EF4-FFF2-40B4-BE49-F238E27FC236}">
+                <a16:creationId xmlns:a16="http://schemas.microsoft.com/office/drawing/2014/main" id="{8B47216A-BEE7-645D-7272-BCEAEB545290}"/>
+              </a:ext>
+            </a:extLst>
+          </p:cNvPr>
+          <p:cNvPicPr>
+            <a:picLocks noChangeAspect="1"/>
+          </p:cNvPicPr>
+          <p:nvPr/>
+        </p:nvPicPr>
+        <p:blipFill>
+          <a:blip r:embed="rId2"/>
+          <a:stretch>
+            <a:fillRect/>
+          </a:stretch>
+        </p:blipFill>
+        <p:spPr>
+          <a:xfrm>
+            <a:off x="23892" y="2471762"/>
+            <a:ext cx="18264108" cy="5343476"/>
+          </a:xfrm>
+          <a:prstGeom prst="rect">
+            <a:avLst/>
+          </a:prstGeom>
+        </p:spPr>
+      </p:pic>
+      <p:sp>
+        <p:nvSpPr>
+          <p:cNvPr id="8" name="Frame 7">
+            <a:extLst>
+              <a:ext uri="{FF2B5EF4-FFF2-40B4-BE49-F238E27FC236}">
+                <a16:creationId xmlns:a16="http://schemas.microsoft.com/office/drawing/2014/main" id="{00254264-A319-57C8-FA44-F1FA2021EB59}"/>
               </a:ext>
             </a:extLst>
           </p:cNvPr>
@@ -5970,8 +4731,8 @@
         </p:nvSpPr>
         <p:spPr>
           <a:xfrm>
-            <a:off x="6639127" y="3793543"/>
-            <a:ext cx="794826" cy="434073"/>
+            <a:off x="4463716" y="6819011"/>
+            <a:ext cx="786875" cy="667481"/>
           </a:xfrm>
           <a:prstGeom prst="frame">
             <a:avLst>
@@ -6009,111 +4770,17 @@
               <a:solidFill>
                 <a:schemeClr val="tx1"/>
               </a:solidFill>
+              <a:latin typeface="+mj-lt"/>
             </a:endParaRPr>
           </a:p>
         </p:txBody>
       </p:sp>
-    </p:spTree>
-    <p:extLst>
-      <p:ext uri="{BB962C8B-B14F-4D97-AF65-F5344CB8AC3E}">
-        <p14:creationId xmlns:p14="http://schemas.microsoft.com/office/powerpoint/2010/main" val="1230649998"/>
-      </p:ext>
-    </p:extLst>
-  </p:cSld>
-  <p:clrMapOvr>
-    <a:masterClrMapping/>
-  </p:clrMapOvr>
-</p:sld>
-</file>
-
-<file path=ppt/slides/slide7.xml><?xml version="1.0" encoding="utf-8"?>
-<p:sld xmlns:a="http://schemas.openxmlformats.org/drawingml/2006/main" xmlns:r="http://schemas.openxmlformats.org/officeDocument/2006/relationships" xmlns:p="http://schemas.openxmlformats.org/presentationml/2006/main">
-  <p:cSld>
-    <p:spTree>
-      <p:nvGrpSpPr>
-        <p:cNvPr id="1" name=""/>
-        <p:cNvGrpSpPr/>
-        <p:nvPr/>
-      </p:nvGrpSpPr>
-      <p:grpSpPr>
-        <a:xfrm>
-          <a:off x="0" y="0"/>
-          <a:ext cx="0" cy="0"/>
-          <a:chOff x="0" y="0"/>
-          <a:chExt cx="0" cy="0"/>
-        </a:xfrm>
-      </p:grpSpPr>
-      <p:sp>
-        <p:nvSpPr>
-          <p:cNvPr id="5" name="TextBox 4">
+      <p:sp>
+        <p:nvSpPr>
+          <p:cNvPr id="9" name="Frame 8">
             <a:extLst>
               <a:ext uri="{FF2B5EF4-FFF2-40B4-BE49-F238E27FC236}">
-                <a16:creationId xmlns:a16="http://schemas.microsoft.com/office/drawing/2014/main" id="{BE736C04-44DB-605D-26BC-95CD9B412BF1}"/>
-              </a:ext>
-            </a:extLst>
-          </p:cNvPr>
-          <p:cNvSpPr txBox="1"/>
-          <p:nvPr/>
-        </p:nvSpPr>
-        <p:spPr>
-          <a:xfrm>
-            <a:off x="500975" y="296853"/>
-            <a:ext cx="6138152" cy="584775"/>
-          </a:xfrm>
-          <a:prstGeom prst="rect">
-            <a:avLst/>
-          </a:prstGeom>
-          <a:noFill/>
-        </p:spPr>
-        <p:txBody>
-          <a:bodyPr wrap="square">
-            <a:spAutoFit/>
-          </a:bodyPr>
-          <a:lstStyle/>
-          <a:p>
-            <a:r>
-              <a:rPr lang="en-VN" sz="3200" dirty="0"/>
-              <a:t>Scroll</a:t>
-            </a:r>
-          </a:p>
-        </p:txBody>
-      </p:sp>
-      <p:pic>
-        <p:nvPicPr>
-          <p:cNvPr id="14" name="Picture 13">
-            <a:extLst>
-              <a:ext uri="{FF2B5EF4-FFF2-40B4-BE49-F238E27FC236}">
-                <a16:creationId xmlns:a16="http://schemas.microsoft.com/office/drawing/2014/main" id="{48503DE6-ABAF-B576-FC4D-F2EFB5B279C9}"/>
-              </a:ext>
-            </a:extLst>
-          </p:cNvPr>
-          <p:cNvPicPr>
-            <a:picLocks noChangeAspect="1"/>
-          </p:cNvPicPr>
-          <p:nvPr/>
-        </p:nvPicPr>
-        <p:blipFill>
-          <a:blip r:embed="rId3"/>
-          <a:stretch>
-            <a:fillRect/>
-          </a:stretch>
-        </p:blipFill>
-        <p:spPr>
-          <a:xfrm>
-            <a:off x="0" y="866824"/>
-            <a:ext cx="12191302" cy="3554173"/>
-          </a:xfrm>
-          <a:prstGeom prst="rect">
-            <a:avLst/>
-          </a:prstGeom>
-        </p:spPr>
-      </p:pic>
-      <p:sp>
-        <p:nvSpPr>
-          <p:cNvPr id="15" name="Frame 14">
-            <a:extLst>
-              <a:ext uri="{FF2B5EF4-FFF2-40B4-BE49-F238E27FC236}">
-                <a16:creationId xmlns:a16="http://schemas.microsoft.com/office/drawing/2014/main" id="{94CDF540-A46B-4719-436A-C33BBC824299}"/>
+                <a16:creationId xmlns:a16="http://schemas.microsoft.com/office/drawing/2014/main" id="{51C792DC-B1BB-8D51-E39F-ADDDE3C256BD}"/>
               </a:ext>
             </a:extLst>
           </p:cNvPr>
@@ -6122,8 +4789,8 @@
         </p:nvSpPr>
         <p:spPr>
           <a:xfrm>
-            <a:off x="2885167" y="3783646"/>
-            <a:ext cx="653680" cy="443970"/>
+            <a:off x="5791200" y="6827000"/>
+            <a:ext cx="595717" cy="659492"/>
           </a:xfrm>
           <a:prstGeom prst="frame">
             <a:avLst>
@@ -6161,16 +4828,147 @@
               <a:solidFill>
                 <a:schemeClr val="tx1"/>
               </a:solidFill>
+              <a:latin typeface="+mj-lt"/>
             </a:endParaRPr>
           </a:p>
         </p:txBody>
       </p:sp>
-      <p:sp>
-        <p:nvSpPr>
-          <p:cNvPr id="16" name="Frame 15">
+    </p:spTree>
+    <p:extLst>
+      <p:ext uri="{BB962C8B-B14F-4D97-AF65-F5344CB8AC3E}">
+        <p14:creationId xmlns:p14="http://schemas.microsoft.com/office/powerpoint/2010/main" val="3132895978"/>
+      </p:ext>
+    </p:extLst>
+  </p:cSld>
+  <p:clrMapOvr>
+    <a:masterClrMapping/>
+  </p:clrMapOvr>
+</p:sld>
+</file>
+
+<file path=ppt/slides/slide7.xml><?xml version="1.0" encoding="utf-8"?>
+<p:sld xmlns:a="http://schemas.openxmlformats.org/drawingml/2006/main" xmlns:r="http://schemas.openxmlformats.org/officeDocument/2006/relationships" xmlns:p="http://schemas.openxmlformats.org/presentationml/2006/main">
+  <p:cSld>
+    <p:spTree>
+      <p:nvGrpSpPr>
+        <p:cNvPr id="1" name=""/>
+        <p:cNvGrpSpPr/>
+        <p:nvPr/>
+      </p:nvGrpSpPr>
+      <p:grpSpPr>
+        <a:xfrm>
+          <a:off x="0" y="0"/>
+          <a:ext cx="0" cy="0"/>
+          <a:chOff x="0" y="0"/>
+          <a:chExt cx="0" cy="0"/>
+        </a:xfrm>
+      </p:grpSpPr>
+      <p:sp>
+        <p:nvSpPr>
+          <p:cNvPr id="2" name="Title 1">
             <a:extLst>
               <a:ext uri="{FF2B5EF4-FFF2-40B4-BE49-F238E27FC236}">
-                <a16:creationId xmlns:a16="http://schemas.microsoft.com/office/drawing/2014/main" id="{BC784674-270E-A553-FA6C-BC1A0A6B3CD3}"/>
+                <a16:creationId xmlns:a16="http://schemas.microsoft.com/office/drawing/2014/main" id="{B59F4075-9878-DCC3-6F5D-4B457A242002}"/>
+              </a:ext>
+            </a:extLst>
+          </p:cNvPr>
+          <p:cNvSpPr>
+            <a:spLocks noGrp="1"/>
+          </p:cNvSpPr>
+          <p:nvPr>
+            <p:ph type="title"/>
+          </p:nvPr>
+        </p:nvSpPr>
+        <p:spPr/>
+        <p:txBody>
+          <a:bodyPr>
+            <a:normAutofit/>
+          </a:bodyPr>
+          <a:lstStyle/>
+          <a:p>
+            <a:r>
+              <a:rPr lang="en-VN" sz="6000" dirty="0"/>
+              <a:t>Polygon </a:t>
+            </a:r>
+            <a:r>
+              <a:rPr lang="en-US" sz="6000" b="0" i="0" u="none" strike="noStrike" dirty="0" err="1">
+                <a:solidFill>
+                  <a:srgbClr val="1F2328"/>
+                </a:solidFill>
+                <a:effectLst/>
+              </a:rPr>
+              <a:t>Hermez</a:t>
+            </a:r>
+            <a:endParaRPr lang="en-VN" sz="6000" dirty="0"/>
+          </a:p>
+        </p:txBody>
+      </p:sp>
+      <p:sp>
+        <p:nvSpPr>
+          <p:cNvPr id="4" name="Slide Number Placeholder 3">
+            <a:extLst>
+              <a:ext uri="{FF2B5EF4-FFF2-40B4-BE49-F238E27FC236}">
+                <a16:creationId xmlns:a16="http://schemas.microsoft.com/office/drawing/2014/main" id="{72B33737-C3EE-1EA1-2D04-047B9638D9E1}"/>
+              </a:ext>
+            </a:extLst>
+          </p:cNvPr>
+          <p:cNvSpPr>
+            <a:spLocks noGrp="1"/>
+          </p:cNvSpPr>
+          <p:nvPr>
+            <p:ph type="sldNum" sz="quarter" idx="12"/>
+          </p:nvPr>
+        </p:nvSpPr>
+        <p:spPr/>
+        <p:txBody>
+          <a:bodyPr/>
+          <a:lstStyle/>
+          <a:p>
+            <a:fld id="{B6F15528-21DE-4FAA-801E-634DDDAF4B2B}" type="slidenum">
+              <a:rPr lang="en-US" smtClean="0"/>
+              <a:pPr/>
+              <a:t>7</a:t>
+            </a:fld>
+            <a:endParaRPr lang="en-US"/>
+          </a:p>
+        </p:txBody>
+      </p:sp>
+      <p:pic>
+        <p:nvPicPr>
+          <p:cNvPr id="7" name="Picture 6">
+            <a:extLst>
+              <a:ext uri="{FF2B5EF4-FFF2-40B4-BE49-F238E27FC236}">
+                <a16:creationId xmlns:a16="http://schemas.microsoft.com/office/drawing/2014/main" id="{8B47216A-BEE7-645D-7272-BCEAEB545290}"/>
+              </a:ext>
+            </a:extLst>
+          </p:cNvPr>
+          <p:cNvPicPr>
+            <a:picLocks noChangeAspect="1"/>
+          </p:cNvPicPr>
+          <p:nvPr/>
+        </p:nvPicPr>
+        <p:blipFill>
+          <a:blip r:embed="rId2"/>
+          <a:stretch>
+            <a:fillRect/>
+          </a:stretch>
+        </p:blipFill>
+        <p:spPr>
+          <a:xfrm>
+            <a:off x="23892" y="2471762"/>
+            <a:ext cx="18264108" cy="5343476"/>
+          </a:xfrm>
+          <a:prstGeom prst="rect">
+            <a:avLst/>
+          </a:prstGeom>
+        </p:spPr>
+      </p:pic>
+      <p:sp>
+        <p:nvSpPr>
+          <p:cNvPr id="8" name="Frame 7">
+            <a:extLst>
+              <a:ext uri="{FF2B5EF4-FFF2-40B4-BE49-F238E27FC236}">
+                <a16:creationId xmlns:a16="http://schemas.microsoft.com/office/drawing/2014/main" id="{00254264-A319-57C8-FA44-F1FA2021EB59}"/>
               </a:ext>
             </a:extLst>
           </p:cNvPr>
@@ -6179,8 +4977,8 @@
         </p:nvSpPr>
         <p:spPr>
           <a:xfrm>
-            <a:off x="8490856" y="3779063"/>
-            <a:ext cx="494879" cy="438656"/>
+            <a:off x="4463716" y="6819011"/>
+            <a:ext cx="786875" cy="667481"/>
           </a:xfrm>
           <a:prstGeom prst="frame">
             <a:avLst>
@@ -6218,141 +5016,17 @@
               <a:solidFill>
                 <a:schemeClr val="tx1"/>
               </a:solidFill>
+              <a:latin typeface="+mj-lt"/>
             </a:endParaRPr>
           </a:p>
         </p:txBody>
       </p:sp>
-      <p:pic>
-        <p:nvPicPr>
-          <p:cNvPr id="3" name="Picture 2">
+      <p:sp>
+        <p:nvSpPr>
+          <p:cNvPr id="9" name="Frame 8">
             <a:extLst>
               <a:ext uri="{FF2B5EF4-FFF2-40B4-BE49-F238E27FC236}">
-                <a16:creationId xmlns:a16="http://schemas.microsoft.com/office/drawing/2014/main" id="{7DC88B07-E41F-28D7-E3CA-2D771A49730B}"/>
-              </a:ext>
-            </a:extLst>
-          </p:cNvPr>
-          <p:cNvPicPr>
-            <a:picLocks noChangeAspect="1"/>
-          </p:cNvPicPr>
-          <p:nvPr/>
-        </p:nvPicPr>
-        <p:blipFill>
-          <a:blip r:embed="rId4"/>
-          <a:stretch>
-            <a:fillRect/>
-          </a:stretch>
-        </p:blipFill>
-        <p:spPr>
-          <a:xfrm>
-            <a:off x="3212007" y="500944"/>
-            <a:ext cx="7772400" cy="318250"/>
-          </a:xfrm>
-          <a:prstGeom prst="rect">
-            <a:avLst/>
-          </a:prstGeom>
-        </p:spPr>
-      </p:pic>
-    </p:spTree>
-    <p:extLst>
-      <p:ext uri="{BB962C8B-B14F-4D97-AF65-F5344CB8AC3E}">
-        <p14:creationId xmlns:p14="http://schemas.microsoft.com/office/powerpoint/2010/main" val="2097212376"/>
-      </p:ext>
-    </p:extLst>
-  </p:cSld>
-  <p:clrMapOvr>
-    <a:masterClrMapping/>
-  </p:clrMapOvr>
-</p:sld>
-</file>
-
-<file path=ppt/slides/slide8.xml><?xml version="1.0" encoding="utf-8"?>
-<p:sld xmlns:a="http://schemas.openxmlformats.org/drawingml/2006/main" xmlns:r="http://schemas.openxmlformats.org/officeDocument/2006/relationships" xmlns:p="http://schemas.openxmlformats.org/presentationml/2006/main">
-  <p:cSld>
-    <p:spTree>
-      <p:nvGrpSpPr>
-        <p:cNvPr id="1" name=""/>
-        <p:cNvGrpSpPr/>
-        <p:nvPr/>
-      </p:nvGrpSpPr>
-      <p:grpSpPr>
-        <a:xfrm>
-          <a:off x="0" y="0"/>
-          <a:ext cx="0" cy="0"/>
-          <a:chOff x="0" y="0"/>
-          <a:chExt cx="0" cy="0"/>
-        </a:xfrm>
-      </p:grpSpPr>
-      <p:sp>
-        <p:nvSpPr>
-          <p:cNvPr id="5" name="TextBox 4">
-            <a:extLst>
-              <a:ext uri="{FF2B5EF4-FFF2-40B4-BE49-F238E27FC236}">
-                <a16:creationId xmlns:a16="http://schemas.microsoft.com/office/drawing/2014/main" id="{BE736C04-44DB-605D-26BC-95CD9B412BF1}"/>
-              </a:ext>
-            </a:extLst>
-          </p:cNvPr>
-          <p:cNvSpPr txBox="1"/>
-          <p:nvPr/>
-        </p:nvSpPr>
-        <p:spPr>
-          <a:xfrm>
-            <a:off x="500975" y="296853"/>
-            <a:ext cx="6138152" cy="584775"/>
-          </a:xfrm>
-          <a:prstGeom prst="rect">
-            <a:avLst/>
-          </a:prstGeom>
-          <a:noFill/>
-        </p:spPr>
-        <p:txBody>
-          <a:bodyPr wrap="square">
-            <a:spAutoFit/>
-          </a:bodyPr>
-          <a:lstStyle/>
-          <a:p>
-            <a:r>
-              <a:rPr lang="en-VN" sz="3200" dirty="0"/>
-              <a:t>Linea</a:t>
-            </a:r>
-          </a:p>
-        </p:txBody>
-      </p:sp>
-      <p:pic>
-        <p:nvPicPr>
-          <p:cNvPr id="14" name="Picture 13">
-            <a:extLst>
-              <a:ext uri="{FF2B5EF4-FFF2-40B4-BE49-F238E27FC236}">
-                <a16:creationId xmlns:a16="http://schemas.microsoft.com/office/drawing/2014/main" id="{48503DE6-ABAF-B576-FC4D-F2EFB5B279C9}"/>
-              </a:ext>
-            </a:extLst>
-          </p:cNvPr>
-          <p:cNvPicPr>
-            <a:picLocks noChangeAspect="1"/>
-          </p:cNvPicPr>
-          <p:nvPr/>
-        </p:nvPicPr>
-        <p:blipFill>
-          <a:blip r:embed="rId3"/>
-          <a:stretch>
-            <a:fillRect/>
-          </a:stretch>
-        </p:blipFill>
-        <p:spPr>
-          <a:xfrm>
-            <a:off x="0" y="866824"/>
-            <a:ext cx="12191302" cy="3554173"/>
-          </a:xfrm>
-          <a:prstGeom prst="rect">
-            <a:avLst/>
-          </a:prstGeom>
-        </p:spPr>
-      </p:pic>
-      <p:sp>
-        <p:nvSpPr>
-          <p:cNvPr id="15" name="Frame 14">
-            <a:extLst>
-              <a:ext uri="{FF2B5EF4-FFF2-40B4-BE49-F238E27FC236}">
-                <a16:creationId xmlns:a16="http://schemas.microsoft.com/office/drawing/2014/main" id="{94CDF540-A46B-4719-436A-C33BBC824299}"/>
+                <a16:creationId xmlns:a16="http://schemas.microsoft.com/office/drawing/2014/main" id="{51C792DC-B1BB-8D51-E39F-ADDDE3C256BD}"/>
               </a:ext>
             </a:extLst>
           </p:cNvPr>
@@ -6361,8 +5035,8 @@
         </p:nvSpPr>
         <p:spPr>
           <a:xfrm>
-            <a:off x="2885167" y="3783646"/>
-            <a:ext cx="653680" cy="443970"/>
+            <a:off x="5791200" y="6827000"/>
+            <a:ext cx="595717" cy="659492"/>
           </a:xfrm>
           <a:prstGeom prst="frame">
             <a:avLst>
@@ -6400,16 +5074,17 @@
               <a:solidFill>
                 <a:schemeClr val="tx1"/>
               </a:solidFill>
+              <a:latin typeface="+mj-lt"/>
             </a:endParaRPr>
           </a:p>
         </p:txBody>
       </p:sp>
       <p:sp>
         <p:nvSpPr>
-          <p:cNvPr id="16" name="Frame 15">
+          <p:cNvPr id="3" name="Frame 2">
             <a:extLst>
               <a:ext uri="{FF2B5EF4-FFF2-40B4-BE49-F238E27FC236}">
-                <a16:creationId xmlns:a16="http://schemas.microsoft.com/office/drawing/2014/main" id="{BC784674-270E-A553-FA6C-BC1A0A6B3CD3}"/>
+                <a16:creationId xmlns:a16="http://schemas.microsoft.com/office/drawing/2014/main" id="{E4912670-B4A5-B078-277E-ABA420997E21}"/>
               </a:ext>
             </a:extLst>
           </p:cNvPr>
@@ -6418,8 +5093,8 @@
         </p:nvSpPr>
         <p:spPr>
           <a:xfrm>
-            <a:off x="10591119" y="2424582"/>
-            <a:ext cx="624569" cy="438656"/>
+            <a:off x="15881684" y="4946984"/>
+            <a:ext cx="914400" cy="520170"/>
           </a:xfrm>
           <a:prstGeom prst="frame">
             <a:avLst>
@@ -6457,44 +5132,15 @@
               <a:solidFill>
                 <a:schemeClr val="tx1"/>
               </a:solidFill>
+              <a:latin typeface="+mj-lt"/>
             </a:endParaRPr>
           </a:p>
         </p:txBody>
       </p:sp>
-      <p:pic>
-        <p:nvPicPr>
-          <p:cNvPr id="3" name="Picture 2">
-            <a:extLst>
-              <a:ext uri="{FF2B5EF4-FFF2-40B4-BE49-F238E27FC236}">
-                <a16:creationId xmlns:a16="http://schemas.microsoft.com/office/drawing/2014/main" id="{9C39963C-4691-5762-B60E-F672CA98B569}"/>
-              </a:ext>
-            </a:extLst>
-          </p:cNvPr>
-          <p:cNvPicPr>
-            <a:picLocks noChangeAspect="1"/>
-          </p:cNvPicPr>
-          <p:nvPr/>
-        </p:nvPicPr>
-        <p:blipFill>
-          <a:blip r:embed="rId4"/>
-          <a:stretch>
-            <a:fillRect/>
-          </a:stretch>
-        </p:blipFill>
-        <p:spPr>
-          <a:xfrm>
-            <a:off x="3212007" y="505873"/>
-            <a:ext cx="7772400" cy="335140"/>
-          </a:xfrm>
-          <a:prstGeom prst="rect">
-            <a:avLst/>
-          </a:prstGeom>
-        </p:spPr>
-      </p:pic>
     </p:spTree>
     <p:extLst>
       <p:ext uri="{BB962C8B-B14F-4D97-AF65-F5344CB8AC3E}">
-        <p14:creationId xmlns:p14="http://schemas.microsoft.com/office/powerpoint/2010/main" val="1830908533"/>
+        <p14:creationId xmlns:p14="http://schemas.microsoft.com/office/powerpoint/2010/main" val="628488210"/>
       </p:ext>
     </p:extLst>
   </p:cSld>
@@ -6504,7 +5150,7 @@
 </p:sld>
 </file>
 
-<file path=ppt/slides/slide9.xml><?xml version="1.0" encoding="utf-8"?>
+<file path=ppt/slides/slide8.xml><?xml version="1.0" encoding="utf-8"?>
 <p:sld xmlns:a="http://schemas.openxmlformats.org/drawingml/2006/main" xmlns:r="http://schemas.openxmlformats.org/officeDocument/2006/relationships" xmlns:p="http://schemas.openxmlformats.org/presentationml/2006/main">
   <p:cSld>
     <p:spTree>
@@ -6523,45 +5169,78 @@
       </p:grpSpPr>
       <p:sp>
         <p:nvSpPr>
-          <p:cNvPr id="5" name="TextBox 4">
+          <p:cNvPr id="2" name="Title 1">
             <a:extLst>
               <a:ext uri="{FF2B5EF4-FFF2-40B4-BE49-F238E27FC236}">
-                <a16:creationId xmlns:a16="http://schemas.microsoft.com/office/drawing/2014/main" id="{BE736C04-44DB-605D-26BC-95CD9B412BF1}"/>
+                <a16:creationId xmlns:a16="http://schemas.microsoft.com/office/drawing/2014/main" id="{B59F4075-9878-DCC3-6F5D-4B457A242002}"/>
               </a:ext>
             </a:extLst>
           </p:cNvPr>
-          <p:cNvSpPr txBox="1"/>
-          <p:nvPr/>
-        </p:nvSpPr>
-        <p:spPr>
-          <a:xfrm>
-            <a:off x="500975" y="296853"/>
-            <a:ext cx="6138152" cy="584775"/>
-          </a:xfrm>
-          <a:prstGeom prst="rect">
-            <a:avLst/>
-          </a:prstGeom>
-          <a:noFill/>
-        </p:spPr>
-        <p:txBody>
-          <a:bodyPr wrap="square">
-            <a:spAutoFit/>
+          <p:cNvSpPr>
+            <a:spLocks noGrp="1"/>
+          </p:cNvSpPr>
+          <p:nvPr>
+            <p:ph type="title"/>
+          </p:nvPr>
+        </p:nvSpPr>
+        <p:spPr/>
+        <p:txBody>
+          <a:bodyPr>
+            <a:normAutofit/>
           </a:bodyPr>
           <a:lstStyle/>
           <a:p>
             <a:r>
-              <a:rPr lang="en-VN" sz="3200" dirty="0"/>
-              <a:t>Loopring</a:t>
-            </a:r>
+              <a:rPr lang="en-VN" sz="6000" dirty="0"/>
+              <a:t>Z</a:t>
+            </a:r>
+            <a:r>
+              <a:rPr lang="en-US" sz="6000" dirty="0"/>
+              <a:t>c</a:t>
+            </a:r>
+            <a:r>
+              <a:rPr lang="en-VN" sz="6000" dirty="0"/>
+              <a:t>ash (Halo2) $550M</a:t>
+            </a:r>
+          </a:p>
+        </p:txBody>
+      </p:sp>
+      <p:sp>
+        <p:nvSpPr>
+          <p:cNvPr id="4" name="Slide Number Placeholder 3">
+            <a:extLst>
+              <a:ext uri="{FF2B5EF4-FFF2-40B4-BE49-F238E27FC236}">
+                <a16:creationId xmlns:a16="http://schemas.microsoft.com/office/drawing/2014/main" id="{72B33737-C3EE-1EA1-2D04-047B9638D9E1}"/>
+              </a:ext>
+            </a:extLst>
+          </p:cNvPr>
+          <p:cNvSpPr>
+            <a:spLocks noGrp="1"/>
+          </p:cNvSpPr>
+          <p:nvPr>
+            <p:ph type="sldNum" sz="quarter" idx="12"/>
+          </p:nvPr>
+        </p:nvSpPr>
+        <p:spPr/>
+        <p:txBody>
+          <a:bodyPr/>
+          <a:lstStyle/>
+          <a:p>
+            <a:fld id="{B6F15528-21DE-4FAA-801E-634DDDAF4B2B}" type="slidenum">
+              <a:rPr lang="en-US" smtClean="0"/>
+              <a:pPr/>
+              <a:t>8</a:t>
+            </a:fld>
+            <a:endParaRPr lang="en-US"/>
           </a:p>
         </p:txBody>
       </p:sp>
       <p:pic>
         <p:nvPicPr>
-          <p:cNvPr id="14" name="Picture 13">
+          <p:cNvPr id="7" name="Picture 6">
             <a:extLst>
               <a:ext uri="{FF2B5EF4-FFF2-40B4-BE49-F238E27FC236}">
-                <a16:creationId xmlns:a16="http://schemas.microsoft.com/office/drawing/2014/main" id="{48503DE6-ABAF-B576-FC4D-F2EFB5B279C9}"/>
+                <a16:creationId xmlns:a16="http://schemas.microsoft.com/office/drawing/2014/main" id="{8B47216A-BEE7-645D-7272-BCEAEB545290}"/>
               </a:ext>
             </a:extLst>
           </p:cNvPr>
@@ -6571,15 +5250,15 @@
           <p:nvPr/>
         </p:nvPicPr>
         <p:blipFill>
-          <a:blip r:embed="rId3"/>
+          <a:blip r:embed="rId2"/>
           <a:stretch>
             <a:fillRect/>
           </a:stretch>
         </p:blipFill>
         <p:spPr>
           <a:xfrm>
-            <a:off x="0" y="866824"/>
-            <a:ext cx="12191302" cy="3554173"/>
+            <a:off x="23892" y="2471762"/>
+            <a:ext cx="18264108" cy="5343476"/>
           </a:xfrm>
           <a:prstGeom prst="rect">
             <a:avLst/>
@@ -6588,10 +5267,10 @@
       </p:pic>
       <p:sp>
         <p:nvSpPr>
-          <p:cNvPr id="16" name="Frame 15">
+          <p:cNvPr id="8" name="Frame 7">
             <a:extLst>
               <a:ext uri="{FF2B5EF4-FFF2-40B4-BE49-F238E27FC236}">
-                <a16:creationId xmlns:a16="http://schemas.microsoft.com/office/drawing/2014/main" id="{BC784674-270E-A553-FA6C-BC1A0A6B3CD3}"/>
+                <a16:creationId xmlns:a16="http://schemas.microsoft.com/office/drawing/2014/main" id="{00254264-A319-57C8-FA44-F1FA2021EB59}"/>
               </a:ext>
             </a:extLst>
           </p:cNvPr>
@@ -6600,8 +5279,8 @@
         </p:nvSpPr>
         <p:spPr>
           <a:xfrm>
-            <a:off x="10591119" y="2424582"/>
-            <a:ext cx="624569" cy="438656"/>
+            <a:off x="4463716" y="6819011"/>
+            <a:ext cx="786875" cy="667481"/>
           </a:xfrm>
           <a:prstGeom prst="frame">
             <a:avLst>
@@ -6639,16 +5318,170 @@
               <a:solidFill>
                 <a:schemeClr val="tx1"/>
               </a:solidFill>
+              <a:latin typeface="+mj-lt"/>
             </a:endParaRPr>
+          </a:p>
+        </p:txBody>
+      </p:sp>
+      <p:sp>
+        <p:nvSpPr>
+          <p:cNvPr id="9" name="Frame 8">
+            <a:extLst>
+              <a:ext uri="{FF2B5EF4-FFF2-40B4-BE49-F238E27FC236}">
+                <a16:creationId xmlns:a16="http://schemas.microsoft.com/office/drawing/2014/main" id="{51C792DC-B1BB-8D51-E39F-ADDDE3C256BD}"/>
+              </a:ext>
+            </a:extLst>
+          </p:cNvPr>
+          <p:cNvSpPr/>
+          <p:nvPr/>
+        </p:nvSpPr>
+        <p:spPr>
+          <a:xfrm>
+            <a:off x="9906000" y="6819011"/>
+            <a:ext cx="1371600" cy="659492"/>
+          </a:xfrm>
+          <a:prstGeom prst="frame">
+            <a:avLst>
+              <a:gd name="adj1" fmla="val 4953"/>
+            </a:avLst>
+          </a:prstGeom>
+          <a:ln>
+            <a:solidFill>
+              <a:srgbClr val="FF0000"/>
+            </a:solidFill>
+          </a:ln>
+        </p:spPr>
+        <p:style>
+          <a:lnRef idx="2">
+            <a:schemeClr val="accent1">
+              <a:shade val="15000"/>
+            </a:schemeClr>
+          </a:lnRef>
+          <a:fillRef idx="1">
+            <a:schemeClr val="accent1"/>
+          </a:fillRef>
+          <a:effectRef idx="0">
+            <a:schemeClr val="accent1"/>
+          </a:effectRef>
+          <a:fontRef idx="minor">
+            <a:schemeClr val="lt1"/>
+          </a:fontRef>
+        </p:style>
+        <p:txBody>
+          <a:bodyPr rtlCol="0" anchor="ctr"/>
+          <a:lstStyle/>
+          <a:p>
+            <a:pPr algn="ctr"/>
+            <a:endParaRPr lang="en-VN">
+              <a:solidFill>
+                <a:schemeClr val="tx1"/>
+              </a:solidFill>
+              <a:latin typeface="+mj-lt"/>
+            </a:endParaRPr>
+          </a:p>
+        </p:txBody>
+      </p:sp>
+    </p:spTree>
+    <p:extLst>
+      <p:ext uri="{BB962C8B-B14F-4D97-AF65-F5344CB8AC3E}">
+        <p14:creationId xmlns:p14="http://schemas.microsoft.com/office/powerpoint/2010/main" val="521125800"/>
+      </p:ext>
+    </p:extLst>
+  </p:cSld>
+  <p:clrMapOvr>
+    <a:masterClrMapping/>
+  </p:clrMapOvr>
+</p:sld>
+</file>
+
+<file path=ppt/slides/slide9.xml><?xml version="1.0" encoding="utf-8"?>
+<p:sld xmlns:a="http://schemas.openxmlformats.org/drawingml/2006/main" xmlns:r="http://schemas.openxmlformats.org/officeDocument/2006/relationships" xmlns:p="http://schemas.openxmlformats.org/presentationml/2006/main">
+  <p:cSld>
+    <p:spTree>
+      <p:nvGrpSpPr>
+        <p:cNvPr id="1" name=""/>
+        <p:cNvGrpSpPr/>
+        <p:nvPr/>
+      </p:nvGrpSpPr>
+      <p:grpSpPr>
+        <a:xfrm>
+          <a:off x="0" y="0"/>
+          <a:ext cx="0" cy="0"/>
+          <a:chOff x="0" y="0"/>
+          <a:chExt cx="0" cy="0"/>
+        </a:xfrm>
+      </p:grpSpPr>
+      <p:sp>
+        <p:nvSpPr>
+          <p:cNvPr id="2" name="Title 1">
+            <a:extLst>
+              <a:ext uri="{FF2B5EF4-FFF2-40B4-BE49-F238E27FC236}">
+                <a16:creationId xmlns:a16="http://schemas.microsoft.com/office/drawing/2014/main" id="{B59F4075-9878-DCC3-6F5D-4B457A242002}"/>
+              </a:ext>
+            </a:extLst>
+          </p:cNvPr>
+          <p:cNvSpPr>
+            <a:spLocks noGrp="1"/>
+          </p:cNvSpPr>
+          <p:nvPr>
+            <p:ph type="title"/>
+          </p:nvPr>
+        </p:nvSpPr>
+        <p:spPr/>
+        <p:txBody>
+          <a:bodyPr>
+            <a:normAutofit/>
+          </a:bodyPr>
+          <a:lstStyle/>
+          <a:p>
+            <a:r>
+              <a:rPr lang="en-US" sz="6000" dirty="0" err="1"/>
+              <a:t>Loopring</a:t>
+            </a:r>
+            <a:r>
+              <a:rPr lang="en-US" sz="6000" dirty="0"/>
+              <a:t> $143M</a:t>
+            </a:r>
+            <a:endParaRPr lang="en-VN" sz="6000" dirty="0"/>
+          </a:p>
+        </p:txBody>
+      </p:sp>
+      <p:sp>
+        <p:nvSpPr>
+          <p:cNvPr id="4" name="Slide Number Placeholder 3">
+            <a:extLst>
+              <a:ext uri="{FF2B5EF4-FFF2-40B4-BE49-F238E27FC236}">
+                <a16:creationId xmlns:a16="http://schemas.microsoft.com/office/drawing/2014/main" id="{72B33737-C3EE-1EA1-2D04-047B9638D9E1}"/>
+              </a:ext>
+            </a:extLst>
+          </p:cNvPr>
+          <p:cNvSpPr>
+            <a:spLocks noGrp="1"/>
+          </p:cNvSpPr>
+          <p:nvPr>
+            <p:ph type="sldNum" sz="quarter" idx="12"/>
+          </p:nvPr>
+        </p:nvSpPr>
+        <p:spPr/>
+        <p:txBody>
+          <a:bodyPr/>
+          <a:lstStyle/>
+          <a:p>
+            <a:fld id="{B6F15528-21DE-4FAA-801E-634DDDAF4B2B}" type="slidenum">
+              <a:rPr lang="en-US" smtClean="0"/>
+              <a:pPr/>
+              <a:t>9</a:t>
+            </a:fld>
+            <a:endParaRPr lang="en-US"/>
           </a:p>
         </p:txBody>
       </p:sp>
       <p:pic>
         <p:nvPicPr>
-          <p:cNvPr id="3" name="Picture 2">
+          <p:cNvPr id="7" name="Picture 6">
             <a:extLst>
               <a:ext uri="{FF2B5EF4-FFF2-40B4-BE49-F238E27FC236}">
-                <a16:creationId xmlns:a16="http://schemas.microsoft.com/office/drawing/2014/main" id="{6FDCB680-1643-600F-B845-C499DCFEE028}"/>
+                <a16:creationId xmlns:a16="http://schemas.microsoft.com/office/drawing/2014/main" id="{8B47216A-BEE7-645D-7272-BCEAEB545290}"/>
               </a:ext>
             </a:extLst>
           </p:cNvPr>
@@ -6658,25 +5491,83 @@
           <p:nvPr/>
         </p:nvPicPr>
         <p:blipFill>
-          <a:blip r:embed="rId4"/>
+          <a:blip r:embed="rId2"/>
           <a:stretch>
             <a:fillRect/>
           </a:stretch>
         </p:blipFill>
         <p:spPr>
           <a:xfrm>
-            <a:off x="3443288" y="413961"/>
-            <a:ext cx="7772400" cy="335755"/>
+            <a:off x="23892" y="2471762"/>
+            <a:ext cx="18264108" cy="5343476"/>
           </a:xfrm>
           <a:prstGeom prst="rect">
             <a:avLst/>
           </a:prstGeom>
         </p:spPr>
       </p:pic>
+      <p:sp>
+        <p:nvSpPr>
+          <p:cNvPr id="3" name="Frame 2">
+            <a:extLst>
+              <a:ext uri="{FF2B5EF4-FFF2-40B4-BE49-F238E27FC236}">
+                <a16:creationId xmlns:a16="http://schemas.microsoft.com/office/drawing/2014/main" id="{E4912670-B4A5-B078-277E-ABA420997E21}"/>
+              </a:ext>
+            </a:extLst>
+          </p:cNvPr>
+          <p:cNvSpPr/>
+          <p:nvPr/>
+        </p:nvSpPr>
+        <p:spPr>
+          <a:xfrm>
+            <a:off x="15881684" y="4946984"/>
+            <a:ext cx="914400" cy="520170"/>
+          </a:xfrm>
+          <a:prstGeom prst="frame">
+            <a:avLst>
+              <a:gd name="adj1" fmla="val 4953"/>
+            </a:avLst>
+          </a:prstGeom>
+          <a:ln>
+            <a:solidFill>
+              <a:srgbClr val="FF0000"/>
+            </a:solidFill>
+          </a:ln>
+        </p:spPr>
+        <p:style>
+          <a:lnRef idx="2">
+            <a:schemeClr val="accent1">
+              <a:shade val="15000"/>
+            </a:schemeClr>
+          </a:lnRef>
+          <a:fillRef idx="1">
+            <a:schemeClr val="accent1"/>
+          </a:fillRef>
+          <a:effectRef idx="0">
+            <a:schemeClr val="accent1"/>
+          </a:effectRef>
+          <a:fontRef idx="minor">
+            <a:schemeClr val="lt1"/>
+          </a:fontRef>
+        </p:style>
+        <p:txBody>
+          <a:bodyPr rtlCol="0" anchor="ctr"/>
+          <a:lstStyle/>
+          <a:p>
+            <a:pPr algn="ctr"/>
+            <a:endParaRPr lang="en-VN">
+              <a:solidFill>
+                <a:schemeClr val="tx1"/>
+              </a:solidFill>
+              <a:latin typeface="+mj-lt"/>
+            </a:endParaRPr>
+          </a:p>
+        </p:txBody>
+      </p:sp>
     </p:spTree>
     <p:extLst>
       <p:ext uri="{BB962C8B-B14F-4D97-AF65-F5344CB8AC3E}">
-        <p14:creationId xmlns:p14="http://schemas.microsoft.com/office/powerpoint/2010/main" val="3741076940"/>
+        <p14:creationId xmlns:p14="http://schemas.microsoft.com/office/powerpoint/2010/main" val="1811895377"/>
       </p:ext>
     </p:extLst>
   </p:cSld>
@@ -6697,44 +5588,44 @@
         <a:sysClr val="window" lastClr="FFFFFF"/>
       </a:lt1>
       <a:dk2>
-        <a:srgbClr val="44546A"/>
+        <a:srgbClr val="1F497D"/>
       </a:dk2>
       <a:lt2>
-        <a:srgbClr val="E7E6E6"/>
+        <a:srgbClr val="EEECE1"/>
       </a:lt2>
       <a:accent1>
-        <a:srgbClr val="4472C4"/>
+        <a:srgbClr val="4F81BD"/>
       </a:accent1>
       <a:accent2>
-        <a:srgbClr val="ED7D31"/>
+        <a:srgbClr val="C0504D"/>
       </a:accent2>
       <a:accent3>
-        <a:srgbClr val="A5A5A5"/>
+        <a:srgbClr val="9BBB59"/>
       </a:accent3>
       <a:accent4>
-        <a:srgbClr val="FFC000"/>
+        <a:srgbClr val="8064A2"/>
       </a:accent4>
       <a:accent5>
-        <a:srgbClr val="5B9BD5"/>
+        <a:srgbClr val="4BACC6"/>
       </a:accent5>
       <a:accent6>
-        <a:srgbClr val="70AD47"/>
+        <a:srgbClr val="F79646"/>
       </a:accent6>
       <a:hlink>
-        <a:srgbClr val="0563C1"/>
+        <a:srgbClr val="0000FF"/>
       </a:hlink>
       <a:folHlink>
-        <a:srgbClr val="954F72"/>
+        <a:srgbClr val="800080"/>
       </a:folHlink>
     </a:clrScheme>
     <a:fontScheme name="Office">
       <a:majorFont>
-        <a:latin typeface="Calibri Light" panose="020F0302020204030204"/>
+        <a:latin typeface="Calibri"/>
         <a:ea typeface=""/>
         <a:cs typeface=""/>
-        <a:font script="Jpan" typeface="游ゴシック Light"/>
+        <a:font script="Jpan" typeface="ＭＳ Ｐゴシック"/>
         <a:font script="Hang" typeface="맑은 고딕"/>
-        <a:font script="Hans" typeface="等线 Light"/>
+        <a:font script="Hans" typeface="宋体"/>
         <a:font script="Hant" typeface="新細明體"/>
         <a:font script="Arab" typeface="Times New Roman"/>
         <a:font script="Hebr" typeface="Times New Roman"/>
@@ -6761,32 +5652,14 @@
         <a:font script="Mong" typeface="Mongolian Baiti"/>
         <a:font script="Viet" typeface="Times New Roman"/>
         <a:font script="Uigh" typeface="Microsoft Uighur"/>
-        <a:font script="Geor" typeface="Sylfaen"/>
-        <a:font script="Armn" typeface="Arial"/>
-        <a:font script="Bugi" typeface="Leelawadee UI"/>
-        <a:font script="Bopo" typeface="Microsoft JhengHei"/>
-        <a:font script="Java" typeface="Javanese Text"/>
-        <a:font script="Lisu" typeface="Segoe UI"/>
-        <a:font script="Mymr" typeface="Myanmar Text"/>
-        <a:font script="Nkoo" typeface="Ebrima"/>
-        <a:font script="Olck" typeface="Nirmala UI"/>
-        <a:font script="Osma" typeface="Ebrima"/>
-        <a:font script="Phag" typeface="Phagspa"/>
-        <a:font script="Syrn" typeface="Estrangelo Edessa"/>
-        <a:font script="Syrj" typeface="Estrangelo Edessa"/>
-        <a:font script="Syre" typeface="Estrangelo Edessa"/>
-        <a:font script="Sora" typeface="Nirmala UI"/>
-        <a:font script="Tale" typeface="Microsoft Tai Le"/>
-        <a:font script="Talu" typeface="Microsoft New Tai Lue"/>
-        <a:font script="Tfng" typeface="Ebrima"/>
       </a:majorFont>
       <a:minorFont>
-        <a:latin typeface="Calibri" panose="020F0502020204030204"/>
+        <a:latin typeface="Calibri"/>
         <a:ea typeface=""/>
         <a:cs typeface=""/>
-        <a:font script="Jpan" typeface="游ゴシック"/>
+        <a:font script="Jpan" typeface="ＭＳ Ｐゴシック"/>
         <a:font script="Hang" typeface="맑은 고딕"/>
-        <a:font script="Hans" typeface="等线"/>
+        <a:font script="Hans" typeface="宋体"/>
         <a:font script="Hant" typeface="新細明體"/>
         <a:font script="Arab" typeface="Arial"/>
         <a:font script="Hebr" typeface="Arial"/>
@@ -6813,24 +5686,6 @@
         <a:font script="Mong" typeface="Mongolian Baiti"/>
         <a:font script="Viet" typeface="Arial"/>
         <a:font script="Uigh" typeface="Microsoft Uighur"/>
-        <a:font script="Geor" typeface="Sylfaen"/>
-        <a:font script="Armn" typeface="Arial"/>
-        <a:font script="Bugi" typeface="Leelawadee UI"/>
-        <a:font script="Bopo" typeface="Microsoft JhengHei"/>
-        <a:font script="Java" typeface="Javanese Text"/>
-        <a:font script="Lisu" typeface="Segoe UI"/>
-        <a:font script="Mymr" typeface="Myanmar Text"/>
-        <a:font script="Nkoo" typeface="Ebrima"/>
-        <a:font script="Olck" typeface="Nirmala UI"/>
-        <a:font script="Osma" typeface="Ebrima"/>
-        <a:font script="Phag" typeface="Phagspa"/>
-        <a:font script="Syrn" typeface="Estrangelo Edessa"/>
-        <a:font script="Syrj" typeface="Estrangelo Edessa"/>
-        <a:font script="Syre" typeface="Estrangelo Edessa"/>
-        <a:font script="Sora" typeface="Nirmala UI"/>
-        <a:font script="Tale" typeface="Microsoft Tai Le"/>
-        <a:font script="Talu" typeface="Microsoft New Tai Lue"/>
-        <a:font script="Tfng" typeface="Ebrima"/>
       </a:minorFont>
     </a:fontScheme>
     <a:fmtScheme name="Office">
@@ -6842,142 +5697,166 @@
           <a:gsLst>
             <a:gs pos="0">
               <a:schemeClr val="phClr">
-                <a:lumMod val="110000"/>
-                <a:satMod val="105000"/>
-                <a:tint val="67000"/>
+                <a:tint val="50000"/>
+                <a:satMod val="300000"/>
               </a:schemeClr>
             </a:gs>
-            <a:gs pos="50000">
+            <a:gs pos="35000">
               <a:schemeClr val="phClr">
-                <a:lumMod val="105000"/>
-                <a:satMod val="103000"/>
-                <a:tint val="73000"/>
+                <a:tint val="37000"/>
+                <a:satMod val="300000"/>
               </a:schemeClr>
             </a:gs>
             <a:gs pos="100000">
               <a:schemeClr val="phClr">
-                <a:lumMod val="105000"/>
-                <a:satMod val="109000"/>
-                <a:tint val="81000"/>
+                <a:tint val="15000"/>
+                <a:satMod val="350000"/>
               </a:schemeClr>
             </a:gs>
           </a:gsLst>
-          <a:lin ang="5400000" scaled="0"/>
+          <a:lin ang="16200000" scaled="1"/>
         </a:gradFill>
         <a:gradFill rotWithShape="1">
           <a:gsLst>
             <a:gs pos="0">
               <a:schemeClr val="phClr">
-                <a:satMod val="103000"/>
-                <a:lumMod val="102000"/>
-                <a:tint val="94000"/>
+                <a:shade val="51000"/>
+                <a:satMod val="130000"/>
               </a:schemeClr>
             </a:gs>
-            <a:gs pos="50000">
+            <a:gs pos="80000">
               <a:schemeClr val="phClr">
-                <a:satMod val="110000"/>
-                <a:lumMod val="100000"/>
-                <a:shade val="100000"/>
+                <a:shade val="93000"/>
+                <a:satMod val="130000"/>
               </a:schemeClr>
             </a:gs>
             <a:gs pos="100000">
               <a:schemeClr val="phClr">
-                <a:lumMod val="99000"/>
-                <a:satMod val="120000"/>
-                <a:shade val="78000"/>
+                <a:shade val="94000"/>
+                <a:satMod val="135000"/>
               </a:schemeClr>
             </a:gs>
           </a:gsLst>
-          <a:lin ang="5400000" scaled="0"/>
+          <a:lin ang="16200000" scaled="0"/>
         </a:gradFill>
       </a:fillStyleLst>
       <a:lnStyleLst>
-        <a:ln w="6350" cap="flat" cmpd="sng" algn="ctr">
+        <a:ln w="9525" cap="flat" cmpd="sng" algn="ctr">
+          <a:solidFill>
+            <a:schemeClr val="phClr">
+              <a:shade val="95000"/>
+              <a:satMod val="105000"/>
+            </a:schemeClr>
+          </a:solidFill>
+          <a:prstDash val="solid"/>
+        </a:ln>
+        <a:ln w="25400" cap="flat" cmpd="sng" algn="ctr">
           <a:solidFill>
             <a:schemeClr val="phClr"/>
           </a:solidFill>
           <a:prstDash val="solid"/>
-          <a:miter lim="800000"/>
         </a:ln>
-        <a:ln w="12700" cap="flat" cmpd="sng" algn="ctr">
+        <a:ln w="38100" cap="flat" cmpd="sng" algn="ctr">
           <a:solidFill>
             <a:schemeClr val="phClr"/>
           </a:solidFill>
           <a:prstDash val="solid"/>
-          <a:miter lim="800000"/>
-        </a:ln>
-        <a:ln w="19050" cap="flat" cmpd="sng" algn="ctr">
-          <a:solidFill>
-            <a:schemeClr val="phClr"/>
-          </a:solidFill>
-          <a:prstDash val="solid"/>
-          <a:miter lim="800000"/>
         </a:ln>
       </a:lnStyleLst>
       <a:effectStyleLst>
         <a:effectStyle>
-          <a:effectLst/>
-        </a:effectStyle>
-        <a:effectStyle>
-          <a:effectLst/>
+          <a:effectLst>
+            <a:outerShdw blurRad="40000" dist="20000" dir="5400000" rotWithShape="0">
+              <a:srgbClr val="000000">
+                <a:alpha val="38000"/>
+              </a:srgbClr>
+            </a:outerShdw>
+          </a:effectLst>
         </a:effectStyle>
         <a:effectStyle>
           <a:effectLst>
-            <a:outerShdw blurRad="57150" dist="19050" dir="5400000" algn="ctr" rotWithShape="0">
+            <a:outerShdw blurRad="40000" dist="23000" dir="5400000" rotWithShape="0">
               <a:srgbClr val="000000">
-                <a:alpha val="63000"/>
+                <a:alpha val="35000"/>
               </a:srgbClr>
             </a:outerShdw>
           </a:effectLst>
+        </a:effectStyle>
+        <a:effectStyle>
+          <a:effectLst>
+            <a:outerShdw blurRad="40000" dist="23000" dir="5400000" rotWithShape="0">
+              <a:srgbClr val="000000">
+                <a:alpha val="35000"/>
+              </a:srgbClr>
+            </a:outerShdw>
+          </a:effectLst>
+          <a:scene3d>
+            <a:camera prst="orthographicFront">
+              <a:rot lat="0" lon="0" rev="0"/>
+            </a:camera>
+            <a:lightRig rig="threePt" dir="t">
+              <a:rot lat="0" lon="0" rev="1200000"/>
+            </a:lightRig>
+          </a:scene3d>
+          <a:sp3d>
+            <a:bevelT w="63500" h="25400"/>
+          </a:sp3d>
         </a:effectStyle>
       </a:effectStyleLst>
       <a:bgFillStyleLst>
         <a:solidFill>
           <a:schemeClr val="phClr"/>
         </a:solidFill>
-        <a:solidFill>
-          <a:schemeClr val="phClr">
-            <a:tint val="95000"/>
-            <a:satMod val="170000"/>
-          </a:schemeClr>
-        </a:solidFill>
         <a:gradFill rotWithShape="1">
           <a:gsLst>
             <a:gs pos="0">
               <a:schemeClr val="phClr">
-                <a:tint val="93000"/>
-                <a:satMod val="150000"/>
-                <a:shade val="98000"/>
-                <a:lumMod val="102000"/>
+                <a:tint val="40000"/>
+                <a:satMod val="350000"/>
               </a:schemeClr>
             </a:gs>
-            <a:gs pos="50000">
+            <a:gs pos="40000">
               <a:schemeClr val="phClr">
-                <a:tint val="98000"/>
-                <a:satMod val="130000"/>
-                <a:shade val="90000"/>
-                <a:lumMod val="103000"/>
+                <a:tint val="45000"/>
+                <a:shade val="99000"/>
+                <a:satMod val="350000"/>
               </a:schemeClr>
             </a:gs>
             <a:gs pos="100000">
               <a:schemeClr val="phClr">
-                <a:shade val="63000"/>
-                <a:satMod val="120000"/>
+                <a:shade val="20000"/>
+                <a:satMod val="255000"/>
               </a:schemeClr>
             </a:gs>
           </a:gsLst>
-          <a:lin ang="5400000" scaled="0"/>
+          <a:path path="circle">
+            <a:fillToRect l="50000" t="-80000" r="50000" b="180000"/>
+          </a:path>
+        </a:gradFill>
+        <a:gradFill rotWithShape="1">
+          <a:gsLst>
+            <a:gs pos="0">
+              <a:schemeClr val="phClr">
+                <a:tint val="80000"/>
+                <a:satMod val="300000"/>
+              </a:schemeClr>
+            </a:gs>
+            <a:gs pos="100000">
+              <a:schemeClr val="phClr">
+                <a:shade val="30000"/>
+                <a:satMod val="200000"/>
+              </a:schemeClr>
+            </a:gs>
+          </a:gsLst>
+          <a:path path="circle">
+            <a:fillToRect l="50000" t="50000" r="50000" b="50000"/>
+          </a:path>
         </a:gradFill>
       </a:bgFillStyleLst>
     </a:fmtScheme>
   </a:themeElements>
   <a:objectDefaults/>
   <a:extraClrSchemeLst/>
-  <a:extLst>
-    <a:ext uri="{05A4C25C-085E-4340-85A3-A5531E510DB2}">
-      <thm15:themeFamily xmlns:thm15="http://schemas.microsoft.com/office/thememl/2012/main" name="Office Theme" id="{62F939B6-93AF-4DB8-9C6B-D6C7DFDC589F}" vid="{4A3C46E8-61CC-4603-A589-7422A47A8E4A}"/>
-    </a:ext>
-  </a:extLst>
 </a:theme>
 </file>
 
